--- a/Slides/u06_Ch19-20_categorical.pptx
+++ b/Slides/u06_Ch19-20_categorical.pptx
@@ -5,7 +5,7 @@
     <p:sldMasterId id="2147483720" r:id="rId1"/>
   </p:sldMasterIdLst>
   <p:notesMasterIdLst>
-    <p:notesMasterId r:id="rId24"/>
+    <p:notesMasterId r:id="rId27"/>
   </p:notesMasterIdLst>
   <p:sldIdLst>
     <p:sldId id="276" r:id="rId2"/>
@@ -23,13 +23,16 @@
     <p:sldId id="267" r:id="rId14"/>
     <p:sldId id="279" r:id="rId15"/>
     <p:sldId id="268" r:id="rId16"/>
-    <p:sldId id="269" r:id="rId17"/>
-    <p:sldId id="270" r:id="rId18"/>
-    <p:sldId id="271" r:id="rId19"/>
-    <p:sldId id="272" r:id="rId20"/>
-    <p:sldId id="273" r:id="rId21"/>
-    <p:sldId id="274" r:id="rId22"/>
-    <p:sldId id="275" r:id="rId23"/>
+    <p:sldId id="280" r:id="rId17"/>
+    <p:sldId id="269" r:id="rId18"/>
+    <p:sldId id="270" r:id="rId19"/>
+    <p:sldId id="271" r:id="rId20"/>
+    <p:sldId id="272" r:id="rId21"/>
+    <p:sldId id="273" r:id="rId22"/>
+    <p:sldId id="274" r:id="rId23"/>
+    <p:sldId id="275" r:id="rId24"/>
+    <p:sldId id="281" r:id="rId25"/>
+    <p:sldId id="282" r:id="rId26"/>
   </p:sldIdLst>
   <p:sldSz cx="12192000" cy="6858000"/>
   <p:notesSz cx="6858000" cy="9144000"/>
@@ -148,6 +151,7 @@
             <p14:sldId id="267"/>
             <p14:sldId id="279"/>
             <p14:sldId id="268"/>
+            <p14:sldId id="280"/>
             <p14:sldId id="269"/>
             <p14:sldId id="270"/>
             <p14:sldId id="271"/>
@@ -155,6 +159,8 @@
             <p14:sldId id="273"/>
             <p14:sldId id="274"/>
             <p14:sldId id="275"/>
+            <p14:sldId id="281"/>
+            <p14:sldId id="282"/>
           </p14:sldIdLst>
         </p14:section>
       </p14:sectionLst>
@@ -260,7 +266,7 @@
           <a:p>
             <a:fld id="{463B2355-98C8-451F-BE71-5FA915B2B77F}" type="datetimeFigureOut">
               <a:rPr lang="en-US" smtClean="0"/>
-              <a:t>4/3/18</a:t>
+              <a:t>4/24/18</a:t>
             </a:fld>
             <a:endParaRPr lang="en-US"/>
           </a:p>
@@ -695,6 +701,180 @@
 </p:notes>
 </file>
 
+<file path=ppt/notesSlides/notesSlide3.xml><?xml version="1.0" encoding="utf-8"?>
+<p:notes xmlns:a="http://schemas.openxmlformats.org/drawingml/2006/main" xmlns:r="http://schemas.openxmlformats.org/officeDocument/2006/relationships" xmlns:p="http://schemas.openxmlformats.org/presentationml/2006/main">
+  <p:cSld>
+    <p:spTree>
+      <p:nvGrpSpPr>
+        <p:cNvPr id="1" name=""/>
+        <p:cNvGrpSpPr/>
+        <p:nvPr/>
+      </p:nvGrpSpPr>
+      <p:grpSpPr>
+        <a:xfrm>
+          <a:off x="0" y="0"/>
+          <a:ext cx="0" cy="0"/>
+          <a:chOff x="0" y="0"/>
+          <a:chExt cx="0" cy="0"/>
+        </a:xfrm>
+      </p:grpSpPr>
+      <p:sp>
+        <p:nvSpPr>
+          <p:cNvPr id="2" name="Slide Image Placeholder 1"/>
+          <p:cNvSpPr>
+            <a:spLocks noGrp="1" noRot="1" noChangeAspect="1"/>
+          </p:cNvSpPr>
+          <p:nvPr>
+            <p:ph type="sldImg"/>
+          </p:nvPr>
+        </p:nvSpPr>
+        <p:spPr/>
+      </p:sp>
+      <p:sp>
+        <p:nvSpPr>
+          <p:cNvPr id="3" name="Notes Placeholder 2"/>
+          <p:cNvSpPr>
+            <a:spLocks noGrp="1"/>
+          </p:cNvSpPr>
+          <p:nvPr>
+            <p:ph type="body" idx="1"/>
+          </p:nvPr>
+        </p:nvSpPr>
+        <p:spPr/>
+        <p:txBody>
+          <a:bodyPr/>
+          <a:lstStyle/>
+          <a:p>
+            <a:r>
+              <a:rPr lang="en-US" dirty="0"/>
+              <a:t>Note that these are already in count form.</a:t>
+            </a:r>
+          </a:p>
+        </p:txBody>
+      </p:sp>
+      <p:sp>
+        <p:nvSpPr>
+          <p:cNvPr id="4" name="Slide Number Placeholder 3"/>
+          <p:cNvSpPr>
+            <a:spLocks noGrp="1"/>
+          </p:cNvSpPr>
+          <p:nvPr>
+            <p:ph type="sldNum" sz="quarter" idx="10"/>
+          </p:nvPr>
+        </p:nvSpPr>
+        <p:spPr/>
+        <p:txBody>
+          <a:bodyPr/>
+          <a:lstStyle/>
+          <a:p>
+            <a:fld id="{068AD8C3-A8D3-403F-8C66-5048C8CDEC52}" type="slidenum">
+              <a:rPr lang="en-US" smtClean="0"/>
+              <a:t>10</a:t>
+            </a:fld>
+            <a:endParaRPr lang="en-US"/>
+          </a:p>
+        </p:txBody>
+      </p:sp>
+    </p:spTree>
+    <p:extLst>
+      <p:ext uri="{BB962C8B-B14F-4D97-AF65-F5344CB8AC3E}">
+        <p14:creationId xmlns:p14="http://schemas.microsoft.com/office/powerpoint/2010/main" val="3350260703"/>
+      </p:ext>
+    </p:extLst>
+  </p:cSld>
+  <p:clrMapOvr>
+    <a:masterClrMapping/>
+  </p:clrMapOvr>
+</p:notes>
+</file>
+
+<file path=ppt/notesSlides/notesSlide4.xml><?xml version="1.0" encoding="utf-8"?>
+<p:notes xmlns:a="http://schemas.openxmlformats.org/drawingml/2006/main" xmlns:r="http://schemas.openxmlformats.org/officeDocument/2006/relationships" xmlns:p="http://schemas.openxmlformats.org/presentationml/2006/main">
+  <p:cSld>
+    <p:spTree>
+      <p:nvGrpSpPr>
+        <p:cNvPr id="1" name=""/>
+        <p:cNvGrpSpPr/>
+        <p:nvPr/>
+      </p:nvGrpSpPr>
+      <p:grpSpPr>
+        <a:xfrm>
+          <a:off x="0" y="0"/>
+          <a:ext cx="0" cy="0"/>
+          <a:chOff x="0" y="0"/>
+          <a:chExt cx="0" cy="0"/>
+        </a:xfrm>
+      </p:grpSpPr>
+      <p:sp>
+        <p:nvSpPr>
+          <p:cNvPr id="2" name="Slide Image Placeholder 1"/>
+          <p:cNvSpPr>
+            <a:spLocks noGrp="1" noRot="1" noChangeAspect="1"/>
+          </p:cNvSpPr>
+          <p:nvPr>
+            <p:ph type="sldImg"/>
+          </p:nvPr>
+        </p:nvSpPr>
+        <p:spPr/>
+      </p:sp>
+      <p:sp>
+        <p:nvSpPr>
+          <p:cNvPr id="3" name="Notes Placeholder 2"/>
+          <p:cNvSpPr>
+            <a:spLocks noGrp="1"/>
+          </p:cNvSpPr>
+          <p:nvPr>
+            <p:ph type="body" idx="1"/>
+          </p:nvPr>
+        </p:nvSpPr>
+        <p:spPr/>
+        <p:txBody>
+          <a:bodyPr/>
+          <a:lstStyle/>
+          <a:p>
+            <a:r>
+              <a:rPr lang="en-US" dirty="0"/>
+              <a:t>Note that these are already in count form. If they aren’t, we need to use table()</a:t>
+            </a:r>
+          </a:p>
+        </p:txBody>
+      </p:sp>
+      <p:sp>
+        <p:nvSpPr>
+          <p:cNvPr id="4" name="Slide Number Placeholder 3"/>
+          <p:cNvSpPr>
+            <a:spLocks noGrp="1"/>
+          </p:cNvSpPr>
+          <p:nvPr>
+            <p:ph type="sldNum" sz="quarter" idx="10"/>
+          </p:nvPr>
+        </p:nvSpPr>
+        <p:spPr/>
+        <p:txBody>
+          <a:bodyPr/>
+          <a:lstStyle/>
+          <a:p>
+            <a:fld id="{068AD8C3-A8D3-403F-8C66-5048C8CDEC52}" type="slidenum">
+              <a:rPr lang="en-US" smtClean="0"/>
+              <a:t>16</a:t>
+            </a:fld>
+            <a:endParaRPr lang="en-US"/>
+          </a:p>
+        </p:txBody>
+      </p:sp>
+    </p:spTree>
+    <p:extLst>
+      <p:ext uri="{BB962C8B-B14F-4D97-AF65-F5344CB8AC3E}">
+        <p14:creationId xmlns:p14="http://schemas.microsoft.com/office/powerpoint/2010/main" val="1748419907"/>
+      </p:ext>
+    </p:extLst>
+  </p:cSld>
+  <p:clrMapOvr>
+    <a:masterClrMapping/>
+  </p:clrMapOvr>
+</p:notes>
+</file>
+
 <file path=ppt/slideLayouts/slideLayout1.xml><?xml version="1.0" encoding="utf-8"?>
 <p:sldLayout xmlns:a="http://schemas.openxmlformats.org/drawingml/2006/main" xmlns:r="http://schemas.openxmlformats.org/officeDocument/2006/relationships" xmlns:p="http://schemas.openxmlformats.org/presentationml/2006/main" type="title" preserve="1">
   <p:cSld name="Title Slide">
@@ -826,7 +1006,7 @@
           <a:p>
             <a:fld id="{5517BD75-508C-4A81-8E26-D5061690B6B5}" type="datetime1">
               <a:rPr lang="en-US" smtClean="0"/>
-              <a:t>4/3/18</a:t>
+              <a:t>4/24/18</a:t>
             </a:fld>
             <a:endParaRPr lang="en-US"/>
           </a:p>
@@ -999,7 +1179,7 @@
           <a:p>
             <a:fld id="{ABC4C0A7-97C9-4DE6-9F41-74F7D8F97B61}" type="datetime1">
               <a:rPr lang="en-US" smtClean="0"/>
-              <a:t>4/3/18</a:t>
+              <a:t>4/24/18</a:t>
             </a:fld>
             <a:endParaRPr lang="en-US"/>
           </a:p>
@@ -1182,7 +1362,7 @@
           <a:p>
             <a:fld id="{37E09E64-E537-4D10-A618-8D385CF10675}" type="datetime1">
               <a:rPr lang="en-US" smtClean="0"/>
-              <a:t>4/3/18</a:t>
+              <a:t>4/24/18</a:t>
             </a:fld>
             <a:endParaRPr lang="en-US"/>
           </a:p>
@@ -1355,7 +1535,7 @@
           <a:p>
             <a:fld id="{348FA4B4-D1C8-46CC-A018-9FF1C4700FE3}" type="datetime1">
               <a:rPr lang="en-US" smtClean="0"/>
-              <a:t>4/3/18</a:t>
+              <a:t>4/24/18</a:t>
             </a:fld>
             <a:endParaRPr lang="en-US"/>
           </a:p>
@@ -1604,7 +1784,7 @@
           <a:p>
             <a:fld id="{55F89DFE-3909-4A70-9C5B-1803550211E1}" type="datetime1">
               <a:rPr lang="en-US" smtClean="0"/>
-              <a:t>4/3/18</a:t>
+              <a:t>4/24/18</a:t>
             </a:fld>
             <a:endParaRPr lang="en-US"/>
           </a:p>
@@ -1839,7 +2019,7 @@
           <a:p>
             <a:fld id="{5D78AD61-66B2-4626-A114-2ECB84CBD005}" type="datetime1">
               <a:rPr lang="en-US" smtClean="0"/>
-              <a:t>4/3/18</a:t>
+              <a:t>4/24/18</a:t>
             </a:fld>
             <a:endParaRPr lang="en-US"/>
           </a:p>
@@ -2209,7 +2389,7 @@
           <a:p>
             <a:fld id="{B5596C00-F8E5-4AEE-9749-15F6E8494C14}" type="datetime1">
               <a:rPr lang="en-US" smtClean="0"/>
-              <a:t>4/3/18</a:t>
+              <a:t>4/24/18</a:t>
             </a:fld>
             <a:endParaRPr lang="en-US"/>
           </a:p>
@@ -2330,7 +2510,7 @@
           <a:p>
             <a:fld id="{E1DC7673-2BB6-4B4F-8C31-715C539BCEC0}" type="datetime1">
               <a:rPr lang="en-US" smtClean="0"/>
-              <a:t>4/3/18</a:t>
+              <a:t>4/24/18</a:t>
             </a:fld>
             <a:endParaRPr lang="en-US"/>
           </a:p>
@@ -2428,7 +2608,7 @@
           <a:p>
             <a:fld id="{F7F6A56B-9868-4EE2-A446-B4DAAD5FD0CC}" type="datetime1">
               <a:rPr lang="en-US" smtClean="0"/>
-              <a:t>4/3/18</a:t>
+              <a:t>4/24/18</a:t>
             </a:fld>
             <a:endParaRPr lang="en-US"/>
           </a:p>
@@ -2708,7 +2888,7 @@
           <a:p>
             <a:fld id="{30122917-15F1-4277-A073-91ED9B1E5E34}" type="datetime1">
               <a:rPr lang="en-US" smtClean="0"/>
-              <a:t>4/3/18</a:t>
+              <a:t>4/24/18</a:t>
             </a:fld>
             <a:endParaRPr lang="en-US"/>
           </a:p>
@@ -2968,7 +3148,7 @@
           <a:p>
             <a:fld id="{10CDF6E3-A08F-4B2E-A359-0DB87E241104}" type="datetime1">
               <a:rPr lang="en-US" smtClean="0"/>
-              <a:t>4/3/18</a:t>
+              <a:t>4/24/18</a:t>
             </a:fld>
             <a:endParaRPr lang="en-US"/>
           </a:p>
@@ -3181,7 +3361,7 @@
           <a:p>
             <a:fld id="{FCCA646C-D592-4D99-A029-F055FA0F567A}" type="datetime1">
               <a:rPr lang="en-US" smtClean="0"/>
-              <a:t>4/3/18</a:t>
+              <a:t>4/24/18</a:t>
             </a:fld>
             <a:endParaRPr lang="en-US"/>
           </a:p>
@@ -3925,7 +4105,13 @@
       </p:sp>
       <p:sp>
         <p:nvSpPr>
-          <p:cNvPr id="6" name="Rectangle 5"/>
+          <p:cNvPr id="8" name="Rectangle 7">
+            <a:extLst>
+              <a:ext uri="{FF2B5EF4-FFF2-40B4-BE49-F238E27FC236}">
+                <a16:creationId xmlns:a16="http://schemas.microsoft.com/office/drawing/2014/main" id="{D59E42C8-0C25-C840-A7C5-B8945CAC8994}"/>
+              </a:ext>
+            </a:extLst>
+          </p:cNvPr>
           <p:cNvSpPr>
             <a:spLocks noGrp="1" noChangeArrowheads="1"/>
           </p:cNvSpPr>
@@ -3933,36 +4119,39 @@
         </p:nvSpPr>
         <p:spPr bwMode="auto">
           <a:xfrm>
-            <a:off x="388239" y="1918907"/>
-            <a:ext cx="10858500" cy="2217664"/>
+            <a:off x="5890517" y="1494214"/>
+            <a:ext cx="5924550" cy="1477328"/>
           </a:xfrm>
           <a:prstGeom prst="rect">
             <a:avLst/>
           </a:prstGeom>
-          <a:noFill/>
+          <a:solidFill>
+            <a:schemeClr val="accent6">
+              <a:lumMod val="20000"/>
+              <a:lumOff val="80000"/>
+            </a:schemeClr>
+          </a:solidFill>
           <a:ln>
-            <a:noFill/>
+            <a:solidFill>
+              <a:schemeClr val="accent6"/>
+            </a:solidFill>
           </a:ln>
-          <a:extLst>
-            <a:ext uri="{909E8E84-426E-40DD-AFC4-6F175D3DCCD1}">
-              <a14:hiddenFill xmlns:a14="http://schemas.microsoft.com/office/drawing/2010/main">
-                <a:solidFill>
-                  <a:srgbClr val="FFFFFF"/>
-                </a:solidFill>
-              </a14:hiddenFill>
-            </a:ext>
-            <a:ext uri="{91240B29-F687-4F45-9708-019B960494DF}">
-              <a14:hiddenLine xmlns:a14="http://schemas.microsoft.com/office/drawing/2010/main" w="9525">
-                <a:solidFill>
-                  <a:srgbClr val="000000"/>
-                </a:solidFill>
-                <a:miter lim="800000"/>
-                <a:headEnd/>
-                <a:tailEnd/>
-              </a14:hiddenLine>
-            </a:ext>
-          </a:extLst>
+          <a:extLst/>
         </p:spPr>
+        <p:style>
+          <a:lnRef idx="2">
+            <a:schemeClr val="accent6"/>
+          </a:lnRef>
+          <a:fillRef idx="1">
+            <a:schemeClr val="lt1"/>
+          </a:fillRef>
+          <a:effectRef idx="0">
+            <a:schemeClr val="accent6"/>
+          </a:effectRef>
+          <a:fontRef idx="minor">
+            <a:schemeClr val="dk1"/>
+          </a:fontRef>
+        </p:style>
         <p:txBody>
           <a:bodyPr vert="horz" wrap="square" lIns="91440" tIns="45720" rIns="91440" bIns="45720" numCol="1" anchor="t" anchorCtr="0" compatLnSpc="1">
             <a:prstTxWarp prst="textNoShape">
@@ -4117,33 +4306,72 @@
             </a:lvl9pPr>
           </a:lstStyle>
           <a:p>
-            <a:pPr eaLnBrk="1" hangingPunct="1">
-              <a:lnSpc>
-                <a:spcPct val="90000"/>
-              </a:lnSpc>
-            </a:pPr>
+            <a:pPr eaLnBrk="1" hangingPunct="1"/>
             <a:r>
               <a:rPr lang="en-US" altLang="en-US" sz="2000" b="0" dirty="0">
-                <a:latin typeface="Georgia" panose="02040502050405020303" pitchFamily="18" charset="0"/>
-              </a:rPr>
-              <a:t>Is occurrence of 8 or more observations in either of the 2 categories unusual?</a:t>
-            </a:r>
-          </a:p>
-          <a:p>
-            <a:pPr lvl="1" eaLnBrk="1" hangingPunct="1">
-              <a:lnSpc>
-                <a:spcPct val="90000"/>
-              </a:lnSpc>
-            </a:pPr>
+                <a:solidFill>
+                  <a:schemeClr val="accent5">
+                    <a:lumMod val="60000"/>
+                    <a:lumOff val="40000"/>
+                  </a:schemeClr>
+                </a:solidFill>
+                <a:latin typeface="Georgia" panose="02040502050405020303" pitchFamily="18" charset="0"/>
+              </a:rPr>
+              <a:t>Experiment: Coin flipped 10x, heads 8x</a:t>
+            </a:r>
+          </a:p>
+          <a:p>
+            <a:pPr lvl="1" eaLnBrk="1" hangingPunct="1"/>
             <a:r>
               <a:rPr lang="en-US" altLang="en-US" sz="1800" b="0" dirty="0">
-                <a:latin typeface="Georgia" panose="02040502050405020303" pitchFamily="18" charset="0"/>
-                <a:ea typeface="ＭＳ Ｐゴシック" panose="020B0600070205080204" pitchFamily="34" charset="-128"/>
-              </a:rPr>
-              <a:t>Probability of occurrence given </a:t>
-            </a:r>
+                <a:solidFill>
+                  <a:schemeClr val="accent5">
+                    <a:lumMod val="60000"/>
+                    <a:lumOff val="40000"/>
+                  </a:schemeClr>
+                </a:solidFill>
+                <a:latin typeface="Georgia" panose="02040502050405020303" pitchFamily="18" charset="0"/>
+                <a:ea typeface="ＭＳ Ｐゴシック" panose="020B0600070205080204" pitchFamily="34" charset="-128"/>
+              </a:rPr>
+              <a:t>Is coin </a:t>
+            </a:r>
+            <a:r>
+              <a:rPr lang="en-US" altLang="en-US" sz="1800" u="sng" dirty="0">
+                <a:solidFill>
+                  <a:schemeClr val="accent5">
+                    <a:lumMod val="60000"/>
+                    <a:lumOff val="40000"/>
+                  </a:schemeClr>
+                </a:solidFill>
+                <a:latin typeface="Georgia" panose="02040502050405020303" pitchFamily="18" charset="0"/>
+                <a:ea typeface="ＭＳ Ｐゴシック" panose="020B0600070205080204" pitchFamily="34" charset="-128"/>
+              </a:rPr>
+              <a:t>biased</a:t>
+            </a:r>
+            <a:r>
+              <a:rPr lang="en-US" altLang="en-US" sz="1800" b="0" dirty="0">
+                <a:solidFill>
+                  <a:schemeClr val="accent5">
+                    <a:lumMod val="60000"/>
+                    <a:lumOff val="40000"/>
+                  </a:schemeClr>
+                </a:solidFill>
+                <a:latin typeface="Georgia" panose="02040502050405020303" pitchFamily="18" charset="0"/>
+                <a:ea typeface="ＭＳ Ｐゴシック" panose="020B0600070205080204" pitchFamily="34" charset="-128"/>
+              </a:rPr>
+              <a:t> (Heads &gt; .50)?</a:t>
+            </a:r>
+          </a:p>
+          <a:p>
+            <a:pPr lvl="1" eaLnBrk="1" hangingPunct="1"/>
             <a:r>
               <a:rPr lang="en-US" altLang="en-US" sz="1800" b="0" i="1" dirty="0">
+                <a:solidFill>
+                  <a:schemeClr val="accent5">
+                    <a:lumMod val="60000"/>
+                    <a:lumOff val="40000"/>
+                  </a:schemeClr>
+                </a:solidFill>
                 <a:latin typeface="Georgia" panose="02040502050405020303" pitchFamily="18" charset="0"/>
                 <a:ea typeface="ＭＳ Ｐゴシック" panose="020B0600070205080204" pitchFamily="34" charset="-128"/>
               </a:rPr>
@@ -4151,119 +4379,488 @@
             </a:r>
             <a:r>
               <a:rPr lang="en-US" altLang="en-US" sz="1800" b="0" i="1" baseline="-25000" dirty="0">
+                <a:solidFill>
+                  <a:schemeClr val="accent5">
+                    <a:lumMod val="60000"/>
+                    <a:lumOff val="40000"/>
+                  </a:schemeClr>
+                </a:solidFill>
                 <a:latin typeface="Georgia" panose="02040502050405020303" pitchFamily="18" charset="0"/>
                 <a:ea typeface="ＭＳ Ｐゴシック" panose="020B0600070205080204" pitchFamily="34" charset="-128"/>
               </a:rPr>
               <a:t>0</a:t>
             </a:r>
             <a:r>
+              <a:rPr lang="en-US" altLang="en-US" sz="1800" b="0" dirty="0">
+                <a:solidFill>
+                  <a:schemeClr val="accent5">
+                    <a:lumMod val="60000"/>
+                    <a:lumOff val="40000"/>
+                  </a:schemeClr>
+                </a:solidFill>
+                <a:latin typeface="Georgia" panose="02040502050405020303" pitchFamily="18" charset="0"/>
+                <a:ea typeface="ＭＳ Ｐゴシック" panose="020B0600070205080204" pitchFamily="34" charset="-128"/>
+              </a:rPr>
+              <a:t>:  </a:t>
+            </a:r>
+            <a:r>
               <a:rPr lang="en-US" altLang="en-US" sz="1800" b="0" i="1" dirty="0">
-                <a:latin typeface="Georgia" panose="02040502050405020303" pitchFamily="18" charset="0"/>
-                <a:ea typeface="ＭＳ Ｐゴシック" panose="020B0600070205080204" pitchFamily="34" charset="-128"/>
-              </a:rPr>
-              <a:t> </a:t>
+                <a:solidFill>
+                  <a:schemeClr val="accent5">
+                    <a:lumMod val="60000"/>
+                    <a:lumOff val="40000"/>
+                  </a:schemeClr>
+                </a:solidFill>
+                <a:latin typeface="Georgia" panose="02040502050405020303" pitchFamily="18" charset="0"/>
+                <a:ea typeface="ＭＳ Ｐゴシック" panose="020B0600070205080204" pitchFamily="34" charset="-128"/>
+              </a:rPr>
+              <a:t>Proportion </a:t>
             </a:r>
             <a:r>
               <a:rPr lang="en-US" altLang="en-US" sz="1800" b="0" dirty="0">
-                <a:latin typeface="Georgia" panose="02040502050405020303" pitchFamily="18" charset="0"/>
-                <a:ea typeface="ＭＳ Ｐゴシック" panose="020B0600070205080204" pitchFamily="34" charset="-128"/>
-              </a:rPr>
-              <a:t>true in pop.?</a:t>
-            </a:r>
-          </a:p>
-          <a:p>
-            <a:pPr lvl="4" eaLnBrk="1" hangingPunct="1">
-              <a:lnSpc>
-                <a:spcPct val="90000"/>
-              </a:lnSpc>
-            </a:pPr>
-            <a:endParaRPr lang="en-US" altLang="en-US" sz="1400" b="0" i="1" dirty="0">
-              <a:latin typeface="Georgia" panose="02040502050405020303" pitchFamily="18" charset="0"/>
-              <a:ea typeface="ＭＳ Ｐゴシック" panose="020B0600070205080204" pitchFamily="34" charset="-128"/>
-            </a:endParaRPr>
-          </a:p>
-          <a:p>
-            <a:pPr marL="0" indent="0" eaLnBrk="1" hangingPunct="1">
-              <a:lnSpc>
-                <a:spcPct val="90000"/>
-              </a:lnSpc>
-              <a:buNone/>
-            </a:pPr>
-            <a:endParaRPr lang="en-US" altLang="en-US" sz="1600" b="0" dirty="0">
-              <a:solidFill>
-                <a:srgbClr val="0070C0"/>
-              </a:solidFill>
-              <a:latin typeface="Georgia" panose="02040502050405020303" pitchFamily="18" charset="0"/>
-            </a:endParaRPr>
-          </a:p>
-          <a:p>
-            <a:pPr marL="0" indent="0" eaLnBrk="1" hangingPunct="1">
-              <a:lnSpc>
-                <a:spcPct val="90000"/>
-              </a:lnSpc>
-              <a:buNone/>
-            </a:pPr>
-            <a:endParaRPr lang="en-US" altLang="en-US" sz="1600" b="0" dirty="0">
-              <a:solidFill>
-                <a:srgbClr val="0070C0"/>
-              </a:solidFill>
-              <a:latin typeface="Georgia" panose="02040502050405020303" pitchFamily="18" charset="0"/>
-            </a:endParaRPr>
+                <a:solidFill>
+                  <a:schemeClr val="accent5">
+                    <a:lumMod val="60000"/>
+                    <a:lumOff val="40000"/>
+                  </a:schemeClr>
+                </a:solidFill>
+                <a:latin typeface="Georgia" panose="02040502050405020303" pitchFamily="18" charset="0"/>
+                <a:ea typeface="ＭＳ Ｐゴシック" panose="020B0600070205080204" pitchFamily="34" charset="-128"/>
+              </a:rPr>
+              <a:t>(X) = .50 in population</a:t>
+            </a:r>
+          </a:p>
+          <a:p>
+            <a:pPr lvl="1" eaLnBrk="1" hangingPunct="1"/>
+            <a:r>
+              <a:rPr lang="en-US" altLang="en-US" sz="1800" b="0" i="1" dirty="0">
+                <a:solidFill>
+                  <a:schemeClr val="accent5">
+                    <a:lumMod val="60000"/>
+                    <a:lumOff val="40000"/>
+                  </a:schemeClr>
+                </a:solidFill>
+                <a:latin typeface="Georgia" panose="02040502050405020303" pitchFamily="18" charset="0"/>
+                <a:ea typeface="ＭＳ Ｐゴシック" panose="020B0600070205080204" pitchFamily="34" charset="-128"/>
+              </a:rPr>
+              <a:t>H</a:t>
+            </a:r>
+            <a:r>
+              <a:rPr lang="en-US" altLang="en-US" sz="1800" b="0" i="1" baseline="-25000" dirty="0">
+                <a:solidFill>
+                  <a:schemeClr val="accent5">
+                    <a:lumMod val="60000"/>
+                    <a:lumOff val="40000"/>
+                  </a:schemeClr>
+                </a:solidFill>
+                <a:latin typeface="Georgia" panose="02040502050405020303" pitchFamily="18" charset="0"/>
+                <a:ea typeface="ＭＳ Ｐゴシック" panose="020B0600070205080204" pitchFamily="34" charset="-128"/>
+              </a:rPr>
+              <a:t>1</a:t>
+            </a:r>
+            <a:r>
+              <a:rPr lang="en-US" altLang="en-US" sz="1800" b="0" dirty="0">
+                <a:solidFill>
+                  <a:schemeClr val="accent5">
+                    <a:lumMod val="60000"/>
+                    <a:lumOff val="40000"/>
+                  </a:schemeClr>
+                </a:solidFill>
+                <a:latin typeface="Georgia" panose="02040502050405020303" pitchFamily="18" charset="0"/>
+                <a:ea typeface="ＭＳ Ｐゴシック" panose="020B0600070205080204" pitchFamily="34" charset="-128"/>
+              </a:rPr>
+              <a:t>:  </a:t>
+            </a:r>
+            <a:r>
+              <a:rPr lang="en-US" altLang="en-US" sz="1800" b="0" i="1" dirty="0">
+                <a:solidFill>
+                  <a:schemeClr val="accent5">
+                    <a:lumMod val="60000"/>
+                    <a:lumOff val="40000"/>
+                  </a:schemeClr>
+                </a:solidFill>
+                <a:latin typeface="Georgia" panose="02040502050405020303" pitchFamily="18" charset="0"/>
+                <a:ea typeface="ＭＳ Ｐゴシック" panose="020B0600070205080204" pitchFamily="34" charset="-128"/>
+              </a:rPr>
+              <a:t>Proportion </a:t>
+            </a:r>
+            <a:r>
+              <a:rPr lang="en-US" altLang="en-US" sz="1800" b="0" dirty="0">
+                <a:solidFill>
+                  <a:schemeClr val="accent5">
+                    <a:lumMod val="60000"/>
+                    <a:lumOff val="40000"/>
+                  </a:schemeClr>
+                </a:solidFill>
+                <a:latin typeface="Georgia" panose="02040502050405020303" pitchFamily="18" charset="0"/>
+                <a:ea typeface="ＭＳ Ｐゴシック" panose="020B0600070205080204" pitchFamily="34" charset="-128"/>
+              </a:rPr>
+              <a:t>(X) </a:t>
+            </a:r>
+            <a:r>
+              <a:rPr lang="en-US" altLang="en-US" sz="1800" b="0" dirty="0">
+                <a:solidFill>
+                  <a:schemeClr val="accent5">
+                    <a:lumMod val="60000"/>
+                    <a:lumOff val="40000"/>
+                  </a:schemeClr>
+                </a:solidFill>
+                <a:latin typeface="Georgia" panose="02040502050405020303" pitchFamily="18" charset="0"/>
+                <a:ea typeface="ＭＳ Ｐゴシック" panose="020B0600070205080204" pitchFamily="34" charset="-128"/>
+                <a:cs typeface="Arial" panose="020B0604020202020204" pitchFamily="34" charset="0"/>
+              </a:rPr>
+              <a:t>≠</a:t>
+            </a:r>
+            <a:r>
+              <a:rPr lang="en-US" altLang="en-US" sz="1800" b="0" dirty="0">
+                <a:solidFill>
+                  <a:schemeClr val="accent5">
+                    <a:lumMod val="60000"/>
+                    <a:lumOff val="40000"/>
+                  </a:schemeClr>
+                </a:solidFill>
+                <a:latin typeface="Georgia" panose="02040502050405020303" pitchFamily="18" charset="0"/>
+                <a:ea typeface="ＭＳ Ｐゴシック" panose="020B0600070205080204" pitchFamily="34" charset="-128"/>
+              </a:rPr>
+              <a:t> .50 in population (2-tailed)</a:t>
+            </a:r>
           </a:p>
         </p:txBody>
       </p:sp>
-      <p:pic>
-        <p:nvPicPr>
-          <p:cNvPr id="7" name="Picture 6" descr="Binomial table"/>
-          <p:cNvPicPr>
-            <a:picLocks noChangeAspect="1" noChangeArrowheads="1"/>
-          </p:cNvPicPr>
-          <p:nvPr/>
-        </p:nvPicPr>
-        <p:blipFill rotWithShape="1">
-          <a:blip r:embed="rId2">
+      <p:sp>
+        <p:nvSpPr>
+          <p:cNvPr id="3" name="TextBox 2">
             <a:extLst>
-              <a:ext uri="{28A0092B-C50C-407E-A947-70E740481C1C}">
-                <a14:useLocalDpi xmlns:a14="http://schemas.microsoft.com/office/drawing/2010/main" val="0"/>
+              <a:ext uri="{FF2B5EF4-FFF2-40B4-BE49-F238E27FC236}">
+                <a16:creationId xmlns:a16="http://schemas.microsoft.com/office/drawing/2014/main" id="{9066BD10-9177-E94C-8E8F-90274363A32E}"/>
               </a:ext>
             </a:extLst>
-          </a:blip>
-          <a:srcRect l="25094" r="49270" b="1246"/>
-          <a:stretch/>
-        </p:blipFill>
-        <p:spPr bwMode="auto">
+          </p:cNvPr>
+          <p:cNvSpPr txBox="1"/>
+          <p:nvPr/>
+        </p:nvSpPr>
+        <p:spPr>
           <a:xfrm>
-            <a:off x="9549320" y="342899"/>
-            <a:ext cx="2004505" cy="4114801"/>
+            <a:off x="287676" y="1494214"/>
+            <a:ext cx="5414481" cy="1477328"/>
           </a:xfrm>
           <a:prstGeom prst="rect">
             <a:avLst/>
           </a:prstGeom>
-          <a:noFill/>
-          <a:ln>
-            <a:noFill/>
-          </a:ln>
-          <a:extLst>
-            <a:ext uri="{909E8E84-426E-40DD-AFC4-6F175D3DCCD1}">
-              <a14:hiddenFill xmlns:a14="http://schemas.microsoft.com/office/drawing/2010/main">
-                <a:solidFill>
-                  <a:srgbClr val="FFFFFF"/>
-                </a:solidFill>
-              </a14:hiddenFill>
-            </a:ext>
-            <a:ext uri="{91240B29-F687-4F45-9708-019B960494DF}">
-              <a14:hiddenLine xmlns:a14="http://schemas.microsoft.com/office/drawing/2010/main" w="9525">
-                <a:solidFill>
-                  <a:srgbClr val="000000"/>
-                </a:solidFill>
-                <a:miter lim="800000"/>
-                <a:headEnd/>
-                <a:tailEnd/>
-              </a14:hiddenLine>
-            </a:ext>
-          </a:extLst>
+          <a:solidFill>
+            <a:schemeClr val="bg1">
+              <a:lumMod val="95000"/>
+            </a:schemeClr>
+          </a:solidFill>
         </p:spPr>
-      </p:pic>
+        <p:txBody>
+          <a:bodyPr wrap="square" rtlCol="0">
+            <a:spAutoFit/>
+          </a:bodyPr>
+          <a:lstStyle/>
+          <a:p>
+            <a:r>
+              <a:rPr lang="en-US" dirty="0" err="1">
+                <a:solidFill>
+                  <a:schemeClr val="accent2"/>
+                </a:solidFill>
+                <a:latin typeface="Monaco" pitchFamily="2" charset="77"/>
+              </a:rPr>
+              <a:t>data.frame</a:t>
+            </a:r>
+            <a:r>
+              <a:rPr lang="en-US" dirty="0">
+                <a:latin typeface="Monaco" pitchFamily="2" charset="77"/>
+              </a:rPr>
+              <a:t>(heads = 8,</a:t>
+            </a:r>
+          </a:p>
+          <a:p>
+            <a:r>
+              <a:rPr lang="en-US" dirty="0">
+                <a:latin typeface="Monaco" pitchFamily="2" charset="77"/>
+              </a:rPr>
+              <a:t>           tails = 2) </a:t>
+            </a:r>
+            <a:r>
+              <a:rPr lang="en-US" dirty="0">
+                <a:solidFill>
+                  <a:schemeClr val="accent6"/>
+                </a:solidFill>
+                <a:latin typeface="Monaco" pitchFamily="2" charset="77"/>
+              </a:rPr>
+              <a:t>%&gt;%</a:t>
+            </a:r>
+          </a:p>
+          <a:p>
+            <a:r>
+              <a:rPr lang="en-US" dirty="0">
+                <a:latin typeface="Monaco" pitchFamily="2" charset="77"/>
+              </a:rPr>
+              <a:t>  </a:t>
+            </a:r>
+            <a:r>
+              <a:rPr lang="en-US" dirty="0" err="1">
+                <a:solidFill>
+                  <a:schemeClr val="accent2"/>
+                </a:solidFill>
+                <a:latin typeface="Monaco" pitchFamily="2" charset="77"/>
+              </a:rPr>
+              <a:t>as.matrix</a:t>
+            </a:r>
+            <a:r>
+              <a:rPr lang="en-US" dirty="0">
+                <a:latin typeface="Monaco" pitchFamily="2" charset="77"/>
+              </a:rPr>
+              <a:t>() </a:t>
+            </a:r>
+            <a:r>
+              <a:rPr lang="en-US" dirty="0">
+                <a:solidFill>
+                  <a:schemeClr val="accent6"/>
+                </a:solidFill>
+                <a:latin typeface="Monaco" pitchFamily="2" charset="77"/>
+              </a:rPr>
+              <a:t>%&gt;%</a:t>
+            </a:r>
+          </a:p>
+          <a:p>
+            <a:r>
+              <a:rPr lang="en-US" dirty="0">
+                <a:latin typeface="Monaco" pitchFamily="2" charset="77"/>
+              </a:rPr>
+              <a:t>  </a:t>
+            </a:r>
+            <a:r>
+              <a:rPr lang="en-US" dirty="0" err="1">
+                <a:solidFill>
+                  <a:schemeClr val="accent2"/>
+                </a:solidFill>
+                <a:latin typeface="Monaco" pitchFamily="2" charset="77"/>
+              </a:rPr>
+              <a:t>as.table</a:t>
+            </a:r>
+            <a:r>
+              <a:rPr lang="en-US" dirty="0">
+                <a:latin typeface="Monaco" pitchFamily="2" charset="77"/>
+              </a:rPr>
+              <a:t>() </a:t>
+            </a:r>
+            <a:r>
+              <a:rPr lang="en-US" dirty="0">
+                <a:solidFill>
+                  <a:schemeClr val="accent6"/>
+                </a:solidFill>
+                <a:latin typeface="Monaco" pitchFamily="2" charset="77"/>
+              </a:rPr>
+              <a:t>%&gt;%</a:t>
+            </a:r>
+          </a:p>
+          <a:p>
+            <a:r>
+              <a:rPr lang="en-US" dirty="0">
+                <a:latin typeface="Monaco" pitchFamily="2" charset="77"/>
+              </a:rPr>
+              <a:t>  </a:t>
+            </a:r>
+            <a:r>
+              <a:rPr lang="en-US" dirty="0" err="1">
+                <a:solidFill>
+                  <a:schemeClr val="accent2"/>
+                </a:solidFill>
+                <a:latin typeface="Monaco" pitchFamily="2" charset="77"/>
+              </a:rPr>
+              <a:t>binom.test</a:t>
+            </a:r>
+            <a:r>
+              <a:rPr lang="en-US" dirty="0">
+                <a:latin typeface="Monaco" pitchFamily="2" charset="77"/>
+              </a:rPr>
+              <a:t>(alternative = </a:t>
+            </a:r>
+            <a:r>
+              <a:rPr lang="en-US" dirty="0">
+                <a:solidFill>
+                  <a:schemeClr val="accent4"/>
+                </a:solidFill>
+                <a:latin typeface="Monaco" pitchFamily="2" charset="77"/>
+              </a:rPr>
+              <a:t>"greater"</a:t>
+            </a:r>
+            <a:r>
+              <a:rPr lang="en-US" dirty="0">
+                <a:latin typeface="Monaco" pitchFamily="2" charset="77"/>
+              </a:rPr>
+              <a:t>)</a:t>
+            </a:r>
+          </a:p>
+        </p:txBody>
+      </p:sp>
+      <p:sp>
+        <p:nvSpPr>
+          <p:cNvPr id="9" name="Rectangle 8">
+            <a:extLst>
+              <a:ext uri="{FF2B5EF4-FFF2-40B4-BE49-F238E27FC236}">
+                <a16:creationId xmlns:a16="http://schemas.microsoft.com/office/drawing/2014/main" id="{B0333C5D-3FCC-9747-BC2C-8F1BAC642ECB}"/>
+              </a:ext>
+            </a:extLst>
+          </p:cNvPr>
+          <p:cNvSpPr/>
+          <p:nvPr/>
+        </p:nvSpPr>
+        <p:spPr>
+          <a:xfrm>
+            <a:off x="287676" y="3287731"/>
+            <a:ext cx="11527391" cy="2862322"/>
+          </a:xfrm>
+          <a:prstGeom prst="rect">
+            <a:avLst/>
+          </a:prstGeom>
+          <a:solidFill>
+            <a:schemeClr val="tx2"/>
+          </a:solidFill>
+        </p:spPr>
+        <p:txBody>
+          <a:bodyPr wrap="square">
+            <a:spAutoFit/>
+          </a:bodyPr>
+          <a:lstStyle/>
+          <a:p>
+            <a:r>
+              <a:rPr lang="en-US" dirty="0">
+                <a:solidFill>
+                  <a:schemeClr val="bg1">
+                    <a:lumMod val="95000"/>
+                  </a:schemeClr>
+                </a:solidFill>
+                <a:latin typeface="Monaco" pitchFamily="2" charset="77"/>
+              </a:rPr>
+              <a:t>   Exact binomial test</a:t>
+            </a:r>
+          </a:p>
+          <a:p>
+            <a:endParaRPr lang="en-US" dirty="0">
+              <a:solidFill>
+                <a:schemeClr val="bg1">
+                  <a:lumMod val="95000"/>
+                </a:schemeClr>
+              </a:solidFill>
+              <a:latin typeface="Monaco" pitchFamily="2" charset="77"/>
+            </a:endParaRPr>
+          </a:p>
+          <a:p>
+            <a:r>
+              <a:rPr lang="en-US" dirty="0">
+                <a:solidFill>
+                  <a:schemeClr val="bg1">
+                    <a:lumMod val="95000"/>
+                  </a:schemeClr>
+                </a:solidFill>
+                <a:latin typeface="Monaco" pitchFamily="2" charset="77"/>
+              </a:rPr>
+              <a:t>data:  .</a:t>
+            </a:r>
+          </a:p>
+          <a:p>
+            <a:r>
+              <a:rPr lang="en-US" dirty="0">
+                <a:solidFill>
+                  <a:schemeClr val="bg1">
+                    <a:lumMod val="95000"/>
+                  </a:schemeClr>
+                </a:solidFill>
+                <a:latin typeface="Monaco" pitchFamily="2" charset="77"/>
+              </a:rPr>
+              <a:t>number of successes = 8, number of trials = 10, p-value = 0.05469</a:t>
+            </a:r>
+          </a:p>
+          <a:p>
+            <a:r>
+              <a:rPr lang="en-US" dirty="0">
+                <a:solidFill>
+                  <a:schemeClr val="bg1">
+                    <a:lumMod val="95000"/>
+                  </a:schemeClr>
+                </a:solidFill>
+                <a:latin typeface="Monaco" pitchFamily="2" charset="77"/>
+              </a:rPr>
+              <a:t>alternative hypothesis: true probability of success is greater than 0.5</a:t>
+            </a:r>
+          </a:p>
+          <a:p>
+            <a:r>
+              <a:rPr lang="en-US" dirty="0">
+                <a:solidFill>
+                  <a:schemeClr val="bg1">
+                    <a:lumMod val="95000"/>
+                  </a:schemeClr>
+                </a:solidFill>
+                <a:latin typeface="Monaco" pitchFamily="2" charset="77"/>
+              </a:rPr>
+              <a:t>95 percent confidence interval:</a:t>
+            </a:r>
+          </a:p>
+          <a:p>
+            <a:r>
+              <a:rPr lang="en-US" dirty="0">
+                <a:solidFill>
+                  <a:schemeClr val="bg1">
+                    <a:lumMod val="95000"/>
+                  </a:schemeClr>
+                </a:solidFill>
+                <a:latin typeface="Monaco" pitchFamily="2" charset="77"/>
+              </a:rPr>
+              <a:t> 0.4930987 1.0000000</a:t>
+            </a:r>
+          </a:p>
+          <a:p>
+            <a:r>
+              <a:rPr lang="en-US" dirty="0">
+                <a:solidFill>
+                  <a:schemeClr val="bg1">
+                    <a:lumMod val="95000"/>
+                  </a:schemeClr>
+                </a:solidFill>
+                <a:latin typeface="Monaco" pitchFamily="2" charset="77"/>
+              </a:rPr>
+              <a:t>sample estimates:</a:t>
+            </a:r>
+          </a:p>
+          <a:p>
+            <a:r>
+              <a:rPr lang="en-US" dirty="0">
+                <a:solidFill>
+                  <a:schemeClr val="bg1">
+                    <a:lumMod val="95000"/>
+                  </a:schemeClr>
+                </a:solidFill>
+                <a:latin typeface="Monaco" pitchFamily="2" charset="77"/>
+              </a:rPr>
+              <a:t>probability of success </a:t>
+            </a:r>
+          </a:p>
+          <a:p>
+            <a:r>
+              <a:rPr lang="en-US" dirty="0">
+                <a:solidFill>
+                  <a:schemeClr val="bg1">
+                    <a:lumMod val="95000"/>
+                  </a:schemeClr>
+                </a:solidFill>
+                <a:latin typeface="Monaco" pitchFamily="2" charset="77"/>
+              </a:rPr>
+              <a:t>                   0.8 </a:t>
+            </a:r>
+            <a:endParaRPr lang="en-US" dirty="0">
+              <a:solidFill>
+                <a:schemeClr val="bg1">
+                  <a:lumMod val="95000"/>
+                </a:schemeClr>
+              </a:solidFill>
+            </a:endParaRPr>
+          </a:p>
+        </p:txBody>
+      </p:sp>
     </p:spTree>
     <p:extLst>
       <p:ext uri="{BB962C8B-B14F-4D97-AF65-F5344CB8AC3E}">
@@ -4274,6 +4871,92 @@
   <p:clrMapOvr>
     <a:masterClrMapping/>
   </p:clrMapOvr>
+  <p:timing>
+    <p:tnLst>
+      <p:par>
+        <p:cTn id="1" dur="indefinite" restart="never" nodeType="tmRoot">
+          <p:childTnLst>
+            <p:seq concurrent="1" nextAc="seek">
+              <p:cTn id="2" dur="indefinite" nodeType="mainSeq">
+                <p:childTnLst>
+                  <p:par>
+                    <p:cTn id="3" fill="hold">
+                      <p:stCondLst>
+                        <p:cond delay="indefinite"/>
+                      </p:stCondLst>
+                      <p:childTnLst>
+                        <p:par>
+                          <p:cTn id="4" fill="hold">
+                            <p:stCondLst>
+                              <p:cond delay="0"/>
+                            </p:stCondLst>
+                            <p:childTnLst>
+                              <p:par>
+                                <p:cTn id="5" presetID="10" presetClass="entr" presetSubtype="0" fill="hold" grpId="0" nodeType="clickEffect">
+                                  <p:stCondLst>
+                                    <p:cond delay="0"/>
+                                  </p:stCondLst>
+                                  <p:childTnLst>
+                                    <p:set>
+                                      <p:cBhvr>
+                                        <p:cTn id="6" dur="1" fill="hold">
+                                          <p:stCondLst>
+                                            <p:cond delay="0"/>
+                                          </p:stCondLst>
+                                        </p:cTn>
+                                        <p:tgtEl>
+                                          <p:spTgt spid="8"/>
+                                        </p:tgtEl>
+                                        <p:attrNameLst>
+                                          <p:attrName>style.visibility</p:attrName>
+                                        </p:attrNameLst>
+                                      </p:cBhvr>
+                                      <p:to>
+                                        <p:strVal val="visible"/>
+                                      </p:to>
+                                    </p:set>
+                                    <p:animEffect transition="in" filter="fade">
+                                      <p:cBhvr>
+                                        <p:cTn id="7" dur="500"/>
+                                        <p:tgtEl>
+                                          <p:spTgt spid="8"/>
+                                        </p:tgtEl>
+                                      </p:cBhvr>
+                                    </p:animEffect>
+                                  </p:childTnLst>
+                                </p:cTn>
+                              </p:par>
+                            </p:childTnLst>
+                          </p:cTn>
+                        </p:par>
+                      </p:childTnLst>
+                    </p:cTn>
+                  </p:par>
+                </p:childTnLst>
+              </p:cTn>
+              <p:prevCondLst>
+                <p:cond evt="onPrev" delay="0">
+                  <p:tgtEl>
+                    <p:sldTgt/>
+                  </p:tgtEl>
+                </p:cond>
+              </p:prevCondLst>
+              <p:nextCondLst>
+                <p:cond evt="onNext" delay="0">
+                  <p:tgtEl>
+                    <p:sldTgt/>
+                  </p:tgtEl>
+                </p:cond>
+              </p:nextCondLst>
+            </p:seq>
+          </p:childTnLst>
+        </p:cTn>
+      </p:par>
+    </p:tnLst>
+    <p:bldLst>
+      <p:bldP spid="8" grpId="0" animBg="1"/>
+    </p:bldLst>
+  </p:timing>
 </p:sld>
 </file>
 
@@ -8534,8 +9217,8 @@
         </p:nvSpPr>
         <p:spPr>
           <a:xfrm>
-            <a:off x="1024128" y="1606550"/>
-            <a:ext cx="9720071" cy="5138474"/>
+            <a:off x="595902" y="1606550"/>
+            <a:ext cx="10148298" cy="5138474"/>
           </a:xfrm>
         </p:spPr>
         <p:txBody>
@@ -8904,13 +9587,13 @@
           <p:nvPr>
             <p:extLst>
               <p:ext uri="{D42A27DB-BD31-4B8C-83A1-F6EECF244321}">
-                <p14:modId xmlns:p14="http://schemas.microsoft.com/office/powerpoint/2010/main" val="2806408171"/>
+                <p14:modId xmlns:p14="http://schemas.microsoft.com/office/powerpoint/2010/main" val="872578092"/>
               </p:ext>
             </p:extLst>
           </p:nvPr>
         </p:nvGraphicFramePr>
         <p:xfrm>
-          <a:off x="7064201" y="3711576"/>
+          <a:off x="7348615" y="4146843"/>
           <a:ext cx="4441999" cy="1924049"/>
         </p:xfrm>
         <a:graphic>
@@ -9420,30 +10103,22 @@
           </a:graphicData>
         </a:graphic>
       </p:graphicFrame>
-      <p:pic>
-        <p:nvPicPr>
-          <p:cNvPr id="9" name="Picture 8">
+      <p:sp>
+        <p:nvSpPr>
+          <p:cNvPr id="10" name="Rectangle 9">
             <a:extLst>
               <a:ext uri="{FF2B5EF4-FFF2-40B4-BE49-F238E27FC236}">
-                <a16:creationId xmlns:a16="http://schemas.microsoft.com/office/drawing/2014/main" id="{14CFB146-AA44-BA43-B6E9-A1CF508B5114}"/>
+                <a16:creationId xmlns:a16="http://schemas.microsoft.com/office/drawing/2014/main" id="{F4AD295E-512F-1A4C-9917-7E5CF4154ED4}"/>
               </a:ext>
             </a:extLst>
           </p:cNvPr>
-          <p:cNvPicPr>
-            <a:picLocks noChangeAspect="1"/>
-          </p:cNvPicPr>
+          <p:cNvSpPr/>
           <p:nvPr/>
-        </p:nvPicPr>
-        <p:blipFill>
-          <a:blip r:embed="rId2"/>
-          <a:stretch>
-            <a:fillRect/>
-          </a:stretch>
-        </p:blipFill>
+        </p:nvSpPr>
         <p:spPr>
           <a:xfrm>
-            <a:off x="8356029" y="1498600"/>
-            <a:ext cx="3252341" cy="1358473"/>
+            <a:off x="7508885" y="1458345"/>
+            <a:ext cx="4121461" cy="2456057"/>
           </a:xfrm>
           <a:prstGeom prst="rect">
             <a:avLst/>
@@ -9455,17 +10130,81 @@
             </a:schemeClr>
           </a:solidFill>
           <a:ln>
-            <a:noFill/>
+            <a:solidFill>
+              <a:schemeClr val="accent1"/>
+            </a:solidFill>
           </a:ln>
-          <a:effectLst>
-            <a:outerShdw blurRad="292100" dist="139700" dir="2700000" algn="tl" rotWithShape="0">
-              <a:srgbClr val="333333">
-                <a:alpha val="65000"/>
-              </a:srgbClr>
-            </a:outerShdw>
-          </a:effectLst>
         </p:spPr>
-      </p:pic>
+        <p:txBody>
+          <a:bodyPr wrap="square">
+            <a:spAutoFit/>
+          </a:bodyPr>
+          <a:lstStyle/>
+          <a:p>
+            <a:pPr>
+              <a:lnSpc>
+                <a:spcPct val="80000"/>
+              </a:lnSpc>
+            </a:pPr>
+            <a:r>
+              <a:rPr lang="en-US" altLang="en-US" sz="1600" b="1" u="sng" dirty="0">
+                <a:solidFill>
+                  <a:schemeClr val="accent1"/>
+                </a:solidFill>
+                <a:latin typeface="Georgia" panose="02040502050405020303" pitchFamily="18" charset="0"/>
+              </a:rPr>
+              <a:t>Experiment: </a:t>
+            </a:r>
+          </a:p>
+          <a:p>
+            <a:pPr>
+              <a:lnSpc>
+                <a:spcPct val="80000"/>
+              </a:lnSpc>
+            </a:pPr>
+            <a:r>
+              <a:rPr lang="en-US" altLang="en-US" sz="1600" dirty="0">
+                <a:solidFill>
+                  <a:schemeClr val="accent1"/>
+                </a:solidFill>
+                <a:latin typeface="Georgia" panose="02040502050405020303" pitchFamily="18" charset="0"/>
+              </a:rPr>
+              <a:t>Senator supports bill favoring stem cell research. However, she realizes her vote could influence whether or not her constituents endorse her bid for re-election. She decides to vote for the bill only if 50% of her constituents support this type of research. In a random survey of 200 constituents, 96 are in favor of stem cell research.</a:t>
+            </a:r>
+          </a:p>
+          <a:p>
+            <a:pPr lvl="1">
+              <a:lnSpc>
+                <a:spcPct val="80000"/>
+              </a:lnSpc>
+            </a:pPr>
+            <a:endParaRPr lang="en-US" altLang="en-US" sz="1600" dirty="0">
+              <a:solidFill>
+                <a:schemeClr val="accent1"/>
+              </a:solidFill>
+              <a:latin typeface="Georgia" panose="02040502050405020303" pitchFamily="18" charset="0"/>
+              <a:ea typeface="ＭＳ Ｐゴシック" panose="020B0600070205080204" pitchFamily="34" charset="-128"/>
+            </a:endParaRPr>
+          </a:p>
+          <a:p>
+            <a:pPr lvl="1">
+              <a:lnSpc>
+                <a:spcPct val="80000"/>
+              </a:lnSpc>
+            </a:pPr>
+            <a:r>
+              <a:rPr lang="en-US" altLang="en-US" sz="1600" dirty="0">
+                <a:solidFill>
+                  <a:schemeClr val="accent1"/>
+                </a:solidFill>
+                <a:latin typeface="Georgia" panose="02040502050405020303" pitchFamily="18" charset="0"/>
+                <a:ea typeface="ＭＳ Ｐゴシック" panose="020B0600070205080204" pitchFamily="34" charset="-128"/>
+              </a:rPr>
+              <a:t>Will the senator support the bill?</a:t>
+            </a:r>
+          </a:p>
+        </p:txBody>
+      </p:sp>
     </p:spTree>
     <p:extLst>
       <p:ext uri="{BB962C8B-B14F-4D97-AF65-F5344CB8AC3E}">
@@ -10289,6 +11028,59 @@
                       </p:childTnLst>
                     </p:cTn>
                   </p:par>
+                  <p:par>
+                    <p:cTn id="52" fill="hold">
+                      <p:stCondLst>
+                        <p:cond delay="indefinite"/>
+                      </p:stCondLst>
+                      <p:childTnLst>
+                        <p:par>
+                          <p:cTn id="53" fill="hold">
+                            <p:stCondLst>
+                              <p:cond delay="0"/>
+                            </p:stCondLst>
+                            <p:childTnLst>
+                              <p:par>
+                                <p:cTn id="54" presetID="10" presetClass="entr" presetSubtype="0" fill="hold" grpId="0" nodeType="clickEffect">
+                                  <p:stCondLst>
+                                    <p:cond delay="0"/>
+                                  </p:stCondLst>
+                                  <p:childTnLst>
+                                    <p:set>
+                                      <p:cBhvr>
+                                        <p:cTn id="55" dur="1" fill="hold">
+                                          <p:stCondLst>
+                                            <p:cond delay="0"/>
+                                          </p:stCondLst>
+                                        </p:cTn>
+                                        <p:tgtEl>
+                                          <p:spTgt spid="10"/>
+                                        </p:tgtEl>
+                                        <p:attrNameLst>
+                                          <p:attrName>style.visibility</p:attrName>
+                                        </p:attrNameLst>
+                                      </p:cBhvr>
+                                      <p:to>
+                                        <p:strVal val="visible"/>
+                                      </p:to>
+                                    </p:set>
+                                    <p:animEffect transition="in" filter="fade">
+                                      <p:cBhvr>
+                                        <p:cTn id="56" dur="500"/>
+                                        <p:tgtEl>
+                                          <p:spTgt spid="10"/>
+                                        </p:tgtEl>
+                                      </p:cBhvr>
+                                    </p:animEffect>
+                                  </p:childTnLst>
+                                </p:cTn>
+                              </p:par>
+                            </p:childTnLst>
+                          </p:cTn>
+                        </p:par>
+                      </p:childTnLst>
+                    </p:cTn>
+                  </p:par>
                 </p:childTnLst>
               </p:cTn>
               <p:prevCondLst>
@@ -10310,11 +11102,1000 @@
         </p:cTn>
       </p:par>
     </p:tnLst>
+    <p:bldLst>
+      <p:bldP spid="10" grpId="0" animBg="1"/>
+    </p:bldLst>
   </p:timing>
 </p:sld>
 </file>
 
 <file path=ppt/slides/slide16.xml><?xml version="1.0" encoding="utf-8"?>
+<p:sld xmlns:a="http://schemas.openxmlformats.org/drawingml/2006/main" xmlns:r="http://schemas.openxmlformats.org/officeDocument/2006/relationships" xmlns:p="http://schemas.openxmlformats.org/presentationml/2006/main">
+  <p:cSld>
+    <p:spTree>
+      <p:nvGrpSpPr>
+        <p:cNvPr id="1" name=""/>
+        <p:cNvGrpSpPr/>
+        <p:nvPr/>
+      </p:nvGrpSpPr>
+      <p:grpSpPr>
+        <a:xfrm>
+          <a:off x="0" y="0"/>
+          <a:ext cx="0" cy="0"/>
+          <a:chOff x="0" y="0"/>
+          <a:chExt cx="0" cy="0"/>
+        </a:xfrm>
+      </p:grpSpPr>
+      <p:sp>
+        <p:nvSpPr>
+          <p:cNvPr id="2" name="Title 1"/>
+          <p:cNvSpPr>
+            <a:spLocks noGrp="1"/>
+          </p:cNvSpPr>
+          <p:nvPr>
+            <p:ph type="title"/>
+          </p:nvPr>
+        </p:nvSpPr>
+        <p:spPr>
+          <a:xfrm>
+            <a:off x="1024128" y="185166"/>
+            <a:ext cx="10482072" cy="1499616"/>
+          </a:xfrm>
+        </p:spPr>
+        <p:txBody>
+          <a:bodyPr>
+            <a:normAutofit/>
+          </a:bodyPr>
+          <a:lstStyle/>
+          <a:p>
+            <a:r>
+              <a:rPr lang="en-US" sz="3600" dirty="0">
+                <a:solidFill>
+                  <a:schemeClr val="accent1"/>
+                </a:solidFill>
+                <a:latin typeface="Georgia" panose="02040502050405020303" pitchFamily="18" charset="0"/>
+              </a:rPr>
+              <a:t>GOODNESS OF FIT Tests </a:t>
+            </a:r>
+            <a:r>
+              <a:rPr lang="en-US" sz="3600" dirty="0">
+                <a:latin typeface="Georgia" panose="02040502050405020303" pitchFamily="18" charset="0"/>
+              </a:rPr>
+              <a:t>– EXAMPLE: K = 2</a:t>
+            </a:r>
+          </a:p>
+        </p:txBody>
+      </p:sp>
+      <p:sp>
+        <p:nvSpPr>
+          <p:cNvPr id="4" name="Footer Placeholder 3"/>
+          <p:cNvSpPr>
+            <a:spLocks noGrp="1"/>
+          </p:cNvSpPr>
+          <p:nvPr>
+            <p:ph type="ftr" sz="quarter" idx="11"/>
+          </p:nvPr>
+        </p:nvSpPr>
+        <p:spPr/>
+        <p:txBody>
+          <a:bodyPr/>
+          <a:lstStyle/>
+          <a:p>
+            <a:r>
+              <a:rPr lang="en-US"/>
+              <a:t>Cohen Chap 19 &amp; 20 - Categorical</a:t>
+            </a:r>
+          </a:p>
+        </p:txBody>
+      </p:sp>
+      <p:sp>
+        <p:nvSpPr>
+          <p:cNvPr id="5" name="Slide Number Placeholder 4"/>
+          <p:cNvSpPr>
+            <a:spLocks noGrp="1"/>
+          </p:cNvSpPr>
+          <p:nvPr>
+            <p:ph type="sldNum" sz="quarter" idx="12"/>
+          </p:nvPr>
+        </p:nvSpPr>
+        <p:spPr/>
+        <p:txBody>
+          <a:bodyPr/>
+          <a:lstStyle/>
+          <a:p>
+            <a:fld id="{42EF8E80-928C-4D02-8039-2537AA9D5938}" type="slidenum">
+              <a:rPr lang="en-US" smtClean="0"/>
+              <a:t>16</a:t>
+            </a:fld>
+            <a:endParaRPr lang="en-US"/>
+          </a:p>
+        </p:txBody>
+      </p:sp>
+      <p:sp>
+        <p:nvSpPr>
+          <p:cNvPr id="10" name="Rectangle 9">
+            <a:extLst>
+              <a:ext uri="{FF2B5EF4-FFF2-40B4-BE49-F238E27FC236}">
+                <a16:creationId xmlns:a16="http://schemas.microsoft.com/office/drawing/2014/main" id="{F4AD295E-512F-1A4C-9917-7E5CF4154ED4}"/>
+              </a:ext>
+            </a:extLst>
+          </p:cNvPr>
+          <p:cNvSpPr/>
+          <p:nvPr/>
+        </p:nvSpPr>
+        <p:spPr>
+          <a:xfrm>
+            <a:off x="7508885" y="1458345"/>
+            <a:ext cx="4121461" cy="2456057"/>
+          </a:xfrm>
+          <a:prstGeom prst="rect">
+            <a:avLst/>
+          </a:prstGeom>
+          <a:solidFill>
+            <a:schemeClr val="accent1">
+              <a:lumMod val="20000"/>
+              <a:lumOff val="80000"/>
+            </a:schemeClr>
+          </a:solidFill>
+          <a:ln>
+            <a:solidFill>
+              <a:schemeClr val="accent1"/>
+            </a:solidFill>
+          </a:ln>
+        </p:spPr>
+        <p:txBody>
+          <a:bodyPr wrap="square">
+            <a:spAutoFit/>
+          </a:bodyPr>
+          <a:lstStyle/>
+          <a:p>
+            <a:pPr>
+              <a:lnSpc>
+                <a:spcPct val="80000"/>
+              </a:lnSpc>
+            </a:pPr>
+            <a:r>
+              <a:rPr lang="en-US" altLang="en-US" sz="1600" b="1" u="sng" dirty="0">
+                <a:solidFill>
+                  <a:schemeClr val="accent1"/>
+                </a:solidFill>
+                <a:latin typeface="Georgia" panose="02040502050405020303" pitchFamily="18" charset="0"/>
+              </a:rPr>
+              <a:t>Experiment: </a:t>
+            </a:r>
+          </a:p>
+          <a:p>
+            <a:pPr>
+              <a:lnSpc>
+                <a:spcPct val="80000"/>
+              </a:lnSpc>
+            </a:pPr>
+            <a:r>
+              <a:rPr lang="en-US" altLang="en-US" sz="1600" dirty="0">
+                <a:solidFill>
+                  <a:schemeClr val="accent1"/>
+                </a:solidFill>
+                <a:latin typeface="Georgia" panose="02040502050405020303" pitchFamily="18" charset="0"/>
+              </a:rPr>
+              <a:t>Senator supports bill favoring stem cell research. However, she realizes her vote could influence whether or not her constituents endorse her bid for re-election. She decides to vote for the bill only if 50% of her constituents support this type of research. In a random survey of 200 constituents, 96 are in favor of stem cell research.</a:t>
+            </a:r>
+          </a:p>
+          <a:p>
+            <a:pPr lvl="1">
+              <a:lnSpc>
+                <a:spcPct val="80000"/>
+              </a:lnSpc>
+            </a:pPr>
+            <a:endParaRPr lang="en-US" altLang="en-US" sz="1600" dirty="0">
+              <a:solidFill>
+                <a:schemeClr val="accent1"/>
+              </a:solidFill>
+              <a:latin typeface="Georgia" panose="02040502050405020303" pitchFamily="18" charset="0"/>
+              <a:ea typeface="ＭＳ Ｐゴシック" panose="020B0600070205080204" pitchFamily="34" charset="-128"/>
+            </a:endParaRPr>
+          </a:p>
+          <a:p>
+            <a:pPr lvl="1">
+              <a:lnSpc>
+                <a:spcPct val="80000"/>
+              </a:lnSpc>
+            </a:pPr>
+            <a:r>
+              <a:rPr lang="en-US" altLang="en-US" sz="1600" dirty="0">
+                <a:solidFill>
+                  <a:schemeClr val="accent1"/>
+                </a:solidFill>
+                <a:latin typeface="Georgia" panose="02040502050405020303" pitchFamily="18" charset="0"/>
+                <a:ea typeface="ＭＳ Ｐゴシック" panose="020B0600070205080204" pitchFamily="34" charset="-128"/>
+              </a:rPr>
+              <a:t>Will the senator support the bill?</a:t>
+            </a:r>
+          </a:p>
+        </p:txBody>
+      </p:sp>
+      <p:sp>
+        <p:nvSpPr>
+          <p:cNvPr id="9" name="TextBox 8">
+            <a:extLst>
+              <a:ext uri="{FF2B5EF4-FFF2-40B4-BE49-F238E27FC236}">
+                <a16:creationId xmlns:a16="http://schemas.microsoft.com/office/drawing/2014/main" id="{02A5B33B-916B-6B41-B3F1-22281410F820}"/>
+              </a:ext>
+            </a:extLst>
+          </p:cNvPr>
+          <p:cNvSpPr txBox="1"/>
+          <p:nvPr/>
+        </p:nvSpPr>
+        <p:spPr>
+          <a:xfrm>
+            <a:off x="698643" y="1458345"/>
+            <a:ext cx="4733988" cy="1477328"/>
+          </a:xfrm>
+          <a:prstGeom prst="rect">
+            <a:avLst/>
+          </a:prstGeom>
+          <a:solidFill>
+            <a:schemeClr val="bg1">
+              <a:lumMod val="95000"/>
+            </a:schemeClr>
+          </a:solidFill>
+        </p:spPr>
+        <p:txBody>
+          <a:bodyPr wrap="none" rtlCol="0">
+            <a:spAutoFit/>
+          </a:bodyPr>
+          <a:lstStyle/>
+          <a:p>
+            <a:r>
+              <a:rPr lang="en-US" dirty="0" err="1">
+                <a:solidFill>
+                  <a:schemeClr val="accent2"/>
+                </a:solidFill>
+                <a:latin typeface="Monaco" pitchFamily="2" charset="77"/>
+              </a:rPr>
+              <a:t>data.frame</a:t>
+            </a:r>
+            <a:r>
+              <a:rPr lang="en-US" dirty="0">
+                <a:latin typeface="Monaco" pitchFamily="2" charset="77"/>
+              </a:rPr>
+              <a:t>(support = </a:t>
+            </a:r>
+            <a:r>
+              <a:rPr lang="en-US" dirty="0">
+                <a:solidFill>
+                  <a:schemeClr val="tx2"/>
+                </a:solidFill>
+                <a:latin typeface="Monaco" pitchFamily="2" charset="77"/>
+              </a:rPr>
+              <a:t>96</a:t>
+            </a:r>
+            <a:r>
+              <a:rPr lang="en-US" dirty="0">
+                <a:latin typeface="Monaco" pitchFamily="2" charset="77"/>
+              </a:rPr>
+              <a:t>,</a:t>
+            </a:r>
+          </a:p>
+          <a:p>
+            <a:r>
+              <a:rPr lang="en-US" dirty="0">
+                <a:latin typeface="Monaco" pitchFamily="2" charset="77"/>
+              </a:rPr>
+              <a:t>           </a:t>
+            </a:r>
+            <a:r>
+              <a:rPr lang="en-US" dirty="0" err="1">
+                <a:latin typeface="Monaco" pitchFamily="2" charset="77"/>
+              </a:rPr>
+              <a:t>not_support</a:t>
+            </a:r>
+            <a:r>
+              <a:rPr lang="en-US" dirty="0">
+                <a:latin typeface="Monaco" pitchFamily="2" charset="77"/>
+              </a:rPr>
+              <a:t> = </a:t>
+            </a:r>
+            <a:r>
+              <a:rPr lang="en-US" dirty="0">
+                <a:solidFill>
+                  <a:schemeClr val="tx2"/>
+                </a:solidFill>
+                <a:latin typeface="Monaco" pitchFamily="2" charset="77"/>
+              </a:rPr>
+              <a:t>104</a:t>
+            </a:r>
+            <a:r>
+              <a:rPr lang="en-US" dirty="0">
+                <a:latin typeface="Monaco" pitchFamily="2" charset="77"/>
+              </a:rPr>
+              <a:t>) </a:t>
+            </a:r>
+            <a:r>
+              <a:rPr lang="en-US" dirty="0">
+                <a:solidFill>
+                  <a:schemeClr val="accent6"/>
+                </a:solidFill>
+                <a:latin typeface="Monaco" pitchFamily="2" charset="77"/>
+              </a:rPr>
+              <a:t>%&gt;%</a:t>
+            </a:r>
+          </a:p>
+          <a:p>
+            <a:r>
+              <a:rPr lang="en-US" dirty="0">
+                <a:latin typeface="Monaco" pitchFamily="2" charset="77"/>
+              </a:rPr>
+              <a:t>  </a:t>
+            </a:r>
+            <a:r>
+              <a:rPr lang="en-US" dirty="0" err="1">
+                <a:solidFill>
+                  <a:schemeClr val="accent2"/>
+                </a:solidFill>
+                <a:latin typeface="Monaco" pitchFamily="2" charset="77"/>
+              </a:rPr>
+              <a:t>as.matrix</a:t>
+            </a:r>
+            <a:r>
+              <a:rPr lang="en-US" dirty="0">
+                <a:latin typeface="Monaco" pitchFamily="2" charset="77"/>
+              </a:rPr>
+              <a:t>() </a:t>
+            </a:r>
+            <a:r>
+              <a:rPr lang="en-US" dirty="0">
+                <a:solidFill>
+                  <a:schemeClr val="accent6"/>
+                </a:solidFill>
+                <a:latin typeface="Monaco" pitchFamily="2" charset="77"/>
+              </a:rPr>
+              <a:t>%&gt;%</a:t>
+            </a:r>
+          </a:p>
+          <a:p>
+            <a:r>
+              <a:rPr lang="en-US" dirty="0">
+                <a:solidFill>
+                  <a:schemeClr val="accent2"/>
+                </a:solidFill>
+                <a:latin typeface="Monaco" pitchFamily="2" charset="77"/>
+              </a:rPr>
+              <a:t>  </a:t>
+            </a:r>
+            <a:r>
+              <a:rPr lang="en-US" dirty="0" err="1">
+                <a:solidFill>
+                  <a:schemeClr val="accent2"/>
+                </a:solidFill>
+                <a:latin typeface="Monaco" pitchFamily="2" charset="77"/>
+              </a:rPr>
+              <a:t>as.table</a:t>
+            </a:r>
+            <a:r>
+              <a:rPr lang="en-US" dirty="0">
+                <a:latin typeface="Monaco" pitchFamily="2" charset="77"/>
+              </a:rPr>
+              <a:t>() </a:t>
+            </a:r>
+            <a:r>
+              <a:rPr lang="en-US" dirty="0">
+                <a:solidFill>
+                  <a:schemeClr val="accent6"/>
+                </a:solidFill>
+                <a:latin typeface="Monaco" pitchFamily="2" charset="77"/>
+              </a:rPr>
+              <a:t>%&gt;%</a:t>
+            </a:r>
+          </a:p>
+          <a:p>
+            <a:r>
+              <a:rPr lang="en-US" dirty="0">
+                <a:latin typeface="Monaco" pitchFamily="2" charset="77"/>
+              </a:rPr>
+              <a:t>  </a:t>
+            </a:r>
+            <a:r>
+              <a:rPr lang="en-US" dirty="0" err="1">
+                <a:solidFill>
+                  <a:schemeClr val="accent2"/>
+                </a:solidFill>
+                <a:latin typeface="Monaco" pitchFamily="2" charset="77"/>
+              </a:rPr>
+              <a:t>chisq.test</a:t>
+            </a:r>
+            <a:r>
+              <a:rPr lang="en-US" dirty="0">
+                <a:latin typeface="Monaco" pitchFamily="2" charset="77"/>
+              </a:rPr>
+              <a:t>()</a:t>
+            </a:r>
+          </a:p>
+        </p:txBody>
+      </p:sp>
+      <p:sp>
+        <p:nvSpPr>
+          <p:cNvPr id="11" name="TextBox 10">
+            <a:extLst>
+              <a:ext uri="{FF2B5EF4-FFF2-40B4-BE49-F238E27FC236}">
+                <a16:creationId xmlns:a16="http://schemas.microsoft.com/office/drawing/2014/main" id="{026C9085-9635-8C47-87AD-FDC823C878BF}"/>
+              </a:ext>
+            </a:extLst>
+          </p:cNvPr>
+          <p:cNvSpPr txBox="1"/>
+          <p:nvPr/>
+        </p:nvSpPr>
+        <p:spPr>
+          <a:xfrm>
+            <a:off x="698643" y="3088969"/>
+            <a:ext cx="6622326" cy="1200329"/>
+          </a:xfrm>
+          <a:prstGeom prst="rect">
+            <a:avLst/>
+          </a:prstGeom>
+          <a:solidFill>
+            <a:schemeClr val="tx2"/>
+          </a:solidFill>
+        </p:spPr>
+        <p:txBody>
+          <a:bodyPr wrap="none" rtlCol="0">
+            <a:spAutoFit/>
+          </a:bodyPr>
+          <a:lstStyle/>
+          <a:p>
+            <a:r>
+              <a:rPr lang="en-US" dirty="0">
+                <a:solidFill>
+                  <a:schemeClr val="bg1">
+                    <a:lumMod val="95000"/>
+                  </a:schemeClr>
+                </a:solidFill>
+                <a:latin typeface="Monaco" pitchFamily="2" charset="77"/>
+              </a:rPr>
+              <a:t>	Chi-squared test for given probabilities</a:t>
+            </a:r>
+          </a:p>
+          <a:p>
+            <a:endParaRPr lang="en-US" dirty="0">
+              <a:solidFill>
+                <a:schemeClr val="bg1">
+                  <a:lumMod val="95000"/>
+                </a:schemeClr>
+              </a:solidFill>
+              <a:latin typeface="Monaco" pitchFamily="2" charset="77"/>
+            </a:endParaRPr>
+          </a:p>
+          <a:p>
+            <a:r>
+              <a:rPr lang="en-US" dirty="0">
+                <a:solidFill>
+                  <a:schemeClr val="bg1">
+                    <a:lumMod val="95000"/>
+                  </a:schemeClr>
+                </a:solidFill>
+                <a:latin typeface="Monaco" pitchFamily="2" charset="77"/>
+              </a:rPr>
+              <a:t>data:  .</a:t>
+            </a:r>
+          </a:p>
+          <a:p>
+            <a:r>
+              <a:rPr lang="en-US" dirty="0">
+                <a:solidFill>
+                  <a:schemeClr val="bg1">
+                    <a:lumMod val="95000"/>
+                  </a:schemeClr>
+                </a:solidFill>
+                <a:latin typeface="Monaco" pitchFamily="2" charset="77"/>
+              </a:rPr>
+              <a:t>X-squared = 0.32, </a:t>
+            </a:r>
+            <a:r>
+              <a:rPr lang="en-US" dirty="0" err="1">
+                <a:solidFill>
+                  <a:schemeClr val="bg1">
+                    <a:lumMod val="95000"/>
+                  </a:schemeClr>
+                </a:solidFill>
+                <a:latin typeface="Monaco" pitchFamily="2" charset="77"/>
+              </a:rPr>
+              <a:t>df</a:t>
+            </a:r>
+            <a:r>
+              <a:rPr lang="en-US" dirty="0">
+                <a:solidFill>
+                  <a:schemeClr val="bg1">
+                    <a:lumMod val="95000"/>
+                  </a:schemeClr>
+                </a:solidFill>
+                <a:latin typeface="Monaco" pitchFamily="2" charset="77"/>
+              </a:rPr>
+              <a:t> = 1, p-value = 0.5716</a:t>
+            </a:r>
+          </a:p>
+        </p:txBody>
+      </p:sp>
+      <p:sp>
+        <p:nvSpPr>
+          <p:cNvPr id="12" name="TextBox 11">
+            <a:extLst>
+              <a:ext uri="{FF2B5EF4-FFF2-40B4-BE49-F238E27FC236}">
+                <a16:creationId xmlns:a16="http://schemas.microsoft.com/office/drawing/2014/main" id="{DB2CF9D7-BB3D-CE47-A2DD-D44E74D1C952}"/>
+              </a:ext>
+            </a:extLst>
+          </p:cNvPr>
+          <p:cNvSpPr txBox="1"/>
+          <p:nvPr/>
+        </p:nvSpPr>
+        <p:spPr>
+          <a:xfrm>
+            <a:off x="698643" y="4442594"/>
+            <a:ext cx="6250429" cy="2031325"/>
+          </a:xfrm>
+          <a:prstGeom prst="rect">
+            <a:avLst/>
+          </a:prstGeom>
+          <a:solidFill>
+            <a:schemeClr val="bg1">
+              <a:lumMod val="95000"/>
+            </a:schemeClr>
+          </a:solidFill>
+        </p:spPr>
+        <p:txBody>
+          <a:bodyPr wrap="none" rtlCol="0">
+            <a:spAutoFit/>
+          </a:bodyPr>
+          <a:lstStyle/>
+          <a:p>
+            <a:r>
+              <a:rPr lang="en-US" dirty="0" err="1">
+                <a:latin typeface="Monaco" pitchFamily="2" charset="77"/>
+              </a:rPr>
+              <a:t>exp_obs</a:t>
+            </a:r>
+            <a:r>
+              <a:rPr lang="en-US" dirty="0">
+                <a:latin typeface="Monaco" pitchFamily="2" charset="77"/>
+              </a:rPr>
+              <a:t> </a:t>
+            </a:r>
+            <a:r>
+              <a:rPr lang="en-US" dirty="0">
+                <a:solidFill>
+                  <a:schemeClr val="accent6"/>
+                </a:solidFill>
+                <a:latin typeface="Monaco" pitchFamily="2" charset="77"/>
+              </a:rPr>
+              <a:t>&lt;-</a:t>
+            </a:r>
+            <a:r>
+              <a:rPr lang="en-US" dirty="0">
+                <a:solidFill>
+                  <a:schemeClr val="accent2"/>
+                </a:solidFill>
+                <a:latin typeface="Monaco" pitchFamily="2" charset="77"/>
+              </a:rPr>
+              <a:t> </a:t>
+            </a:r>
+            <a:r>
+              <a:rPr lang="en-US" dirty="0" err="1">
+                <a:solidFill>
+                  <a:schemeClr val="accent2"/>
+                </a:solidFill>
+                <a:latin typeface="Monaco" pitchFamily="2" charset="77"/>
+              </a:rPr>
+              <a:t>data.frame</a:t>
+            </a:r>
+            <a:r>
+              <a:rPr lang="en-US" dirty="0">
+                <a:latin typeface="Monaco" pitchFamily="2" charset="77"/>
+              </a:rPr>
+              <a:t>(support = </a:t>
+            </a:r>
+            <a:r>
+              <a:rPr lang="en-US" dirty="0">
+                <a:solidFill>
+                  <a:schemeClr val="tx2"/>
+                </a:solidFill>
+                <a:latin typeface="Monaco" pitchFamily="2" charset="77"/>
+              </a:rPr>
+              <a:t>96</a:t>
+            </a:r>
+            <a:r>
+              <a:rPr lang="en-US" dirty="0">
+                <a:latin typeface="Monaco" pitchFamily="2" charset="77"/>
+              </a:rPr>
+              <a:t>,</a:t>
+            </a:r>
+          </a:p>
+          <a:p>
+            <a:r>
+              <a:rPr lang="en-US" dirty="0">
+                <a:latin typeface="Monaco" pitchFamily="2" charset="77"/>
+              </a:rPr>
+              <a:t>                      </a:t>
+            </a:r>
+            <a:r>
+              <a:rPr lang="en-US" dirty="0" err="1">
+                <a:latin typeface="Monaco" pitchFamily="2" charset="77"/>
+              </a:rPr>
+              <a:t>not_support</a:t>
+            </a:r>
+            <a:r>
+              <a:rPr lang="en-US" dirty="0">
+                <a:latin typeface="Monaco" pitchFamily="2" charset="77"/>
+              </a:rPr>
+              <a:t> = </a:t>
+            </a:r>
+            <a:r>
+              <a:rPr lang="en-US" dirty="0">
+                <a:solidFill>
+                  <a:schemeClr val="tx2"/>
+                </a:solidFill>
+                <a:latin typeface="Monaco" pitchFamily="2" charset="77"/>
+              </a:rPr>
+              <a:t>104</a:t>
+            </a:r>
+            <a:r>
+              <a:rPr lang="en-US" dirty="0">
+                <a:latin typeface="Monaco" pitchFamily="2" charset="77"/>
+              </a:rPr>
+              <a:t>) </a:t>
+            </a:r>
+            <a:r>
+              <a:rPr lang="en-US" dirty="0">
+                <a:solidFill>
+                  <a:schemeClr val="accent6"/>
+                </a:solidFill>
+                <a:latin typeface="Monaco" pitchFamily="2" charset="77"/>
+              </a:rPr>
+              <a:t>%&gt;%</a:t>
+            </a:r>
+          </a:p>
+          <a:p>
+            <a:r>
+              <a:rPr lang="en-US" dirty="0">
+                <a:latin typeface="Monaco" pitchFamily="2" charset="77"/>
+              </a:rPr>
+              <a:t>  </a:t>
+            </a:r>
+            <a:r>
+              <a:rPr lang="en-US" dirty="0" err="1">
+                <a:solidFill>
+                  <a:schemeClr val="accent2"/>
+                </a:solidFill>
+                <a:latin typeface="Monaco" pitchFamily="2" charset="77"/>
+              </a:rPr>
+              <a:t>as.matrix</a:t>
+            </a:r>
+            <a:r>
+              <a:rPr lang="en-US" dirty="0">
+                <a:latin typeface="Monaco" pitchFamily="2" charset="77"/>
+              </a:rPr>
+              <a:t>() </a:t>
+            </a:r>
+            <a:r>
+              <a:rPr lang="en-US" dirty="0">
+                <a:solidFill>
+                  <a:schemeClr val="accent6"/>
+                </a:solidFill>
+                <a:latin typeface="Monaco" pitchFamily="2" charset="77"/>
+              </a:rPr>
+              <a:t>%&gt;%</a:t>
+            </a:r>
+          </a:p>
+          <a:p>
+            <a:r>
+              <a:rPr lang="en-US" dirty="0">
+                <a:solidFill>
+                  <a:schemeClr val="accent2"/>
+                </a:solidFill>
+                <a:latin typeface="Monaco" pitchFamily="2" charset="77"/>
+              </a:rPr>
+              <a:t>  </a:t>
+            </a:r>
+            <a:r>
+              <a:rPr lang="en-US" dirty="0" err="1">
+                <a:solidFill>
+                  <a:schemeClr val="accent2"/>
+                </a:solidFill>
+                <a:latin typeface="Monaco" pitchFamily="2" charset="77"/>
+              </a:rPr>
+              <a:t>as.table</a:t>
+            </a:r>
+            <a:r>
+              <a:rPr lang="en-US" dirty="0">
+                <a:latin typeface="Monaco" pitchFamily="2" charset="77"/>
+              </a:rPr>
+              <a:t>() </a:t>
+            </a:r>
+            <a:r>
+              <a:rPr lang="en-US" dirty="0">
+                <a:solidFill>
+                  <a:schemeClr val="accent6"/>
+                </a:solidFill>
+                <a:latin typeface="Monaco" pitchFamily="2" charset="77"/>
+              </a:rPr>
+              <a:t>%&gt;%</a:t>
+            </a:r>
+          </a:p>
+          <a:p>
+            <a:r>
+              <a:rPr lang="en-US" dirty="0">
+                <a:latin typeface="Monaco" pitchFamily="2" charset="77"/>
+              </a:rPr>
+              <a:t>  </a:t>
+            </a:r>
+            <a:r>
+              <a:rPr lang="en-US" dirty="0" err="1">
+                <a:solidFill>
+                  <a:schemeClr val="accent2"/>
+                </a:solidFill>
+                <a:latin typeface="Monaco" pitchFamily="2" charset="77"/>
+              </a:rPr>
+              <a:t>chisq.test</a:t>
+            </a:r>
+            <a:r>
+              <a:rPr lang="en-US" dirty="0">
+                <a:latin typeface="Monaco" pitchFamily="2" charset="77"/>
+              </a:rPr>
+              <a:t>()</a:t>
+            </a:r>
+          </a:p>
+          <a:p>
+            <a:r>
+              <a:rPr lang="en-US" dirty="0" err="1">
+                <a:latin typeface="Monaco" pitchFamily="2" charset="77"/>
+              </a:rPr>
+              <a:t>exp_obs$observed</a:t>
+            </a:r>
+            <a:endParaRPr lang="en-US" dirty="0">
+              <a:latin typeface="Monaco" pitchFamily="2" charset="77"/>
+            </a:endParaRPr>
+          </a:p>
+          <a:p>
+            <a:r>
+              <a:rPr lang="en-US" dirty="0" err="1">
+                <a:latin typeface="Monaco" pitchFamily="2" charset="77"/>
+              </a:rPr>
+              <a:t>exp_obs$expected</a:t>
+            </a:r>
+            <a:endParaRPr lang="en-US" dirty="0">
+              <a:latin typeface="Monaco" pitchFamily="2" charset="77"/>
+            </a:endParaRPr>
+          </a:p>
+        </p:txBody>
+      </p:sp>
+      <p:sp>
+        <p:nvSpPr>
+          <p:cNvPr id="13" name="TextBox 12">
+            <a:extLst>
+              <a:ext uri="{FF2B5EF4-FFF2-40B4-BE49-F238E27FC236}">
+                <a16:creationId xmlns:a16="http://schemas.microsoft.com/office/drawing/2014/main" id="{44324099-0730-7A4D-B103-76707BA72898}"/>
+              </a:ext>
+            </a:extLst>
+          </p:cNvPr>
+          <p:cNvSpPr txBox="1"/>
+          <p:nvPr/>
+        </p:nvSpPr>
+        <p:spPr>
+          <a:xfrm>
+            <a:off x="7085968" y="4448728"/>
+            <a:ext cx="4267832" cy="1477328"/>
+          </a:xfrm>
+          <a:prstGeom prst="rect">
+            <a:avLst/>
+          </a:prstGeom>
+          <a:solidFill>
+            <a:schemeClr val="tx2"/>
+          </a:solidFill>
+        </p:spPr>
+        <p:txBody>
+          <a:bodyPr wrap="square" rtlCol="0">
+            <a:spAutoFit/>
+          </a:bodyPr>
+          <a:lstStyle/>
+          <a:p>
+            <a:r>
+              <a:rPr lang="en-US" dirty="0">
+                <a:solidFill>
+                  <a:schemeClr val="bg1">
+                    <a:lumMod val="95000"/>
+                  </a:schemeClr>
+                </a:solidFill>
+                <a:latin typeface="Monaco" pitchFamily="2" charset="77"/>
+              </a:rPr>
+              <a:t>&gt; </a:t>
+            </a:r>
+            <a:r>
+              <a:rPr lang="en-US" dirty="0" err="1">
+                <a:solidFill>
+                  <a:schemeClr val="bg1">
+                    <a:lumMod val="95000"/>
+                  </a:schemeClr>
+                </a:solidFill>
+                <a:latin typeface="Monaco" pitchFamily="2" charset="77"/>
+              </a:rPr>
+              <a:t>exp_obs$observed</a:t>
+            </a:r>
+            <a:endParaRPr lang="en-US" dirty="0">
+              <a:solidFill>
+                <a:schemeClr val="bg1">
+                  <a:lumMod val="95000"/>
+                </a:schemeClr>
+              </a:solidFill>
+              <a:latin typeface="Monaco" pitchFamily="2" charset="77"/>
+            </a:endParaRPr>
+          </a:p>
+          <a:p>
+            <a:r>
+              <a:rPr lang="en-US" dirty="0">
+                <a:solidFill>
+                  <a:schemeClr val="bg1">
+                    <a:lumMod val="95000"/>
+                  </a:schemeClr>
+                </a:solidFill>
+                <a:latin typeface="Monaco" pitchFamily="2" charset="77"/>
+              </a:rPr>
+              <a:t>  96 104</a:t>
+            </a:r>
+          </a:p>
+          <a:p>
+            <a:endParaRPr lang="en-US" dirty="0">
+              <a:solidFill>
+                <a:schemeClr val="bg1">
+                  <a:lumMod val="95000"/>
+                </a:schemeClr>
+              </a:solidFill>
+              <a:latin typeface="Monaco" pitchFamily="2" charset="77"/>
+            </a:endParaRPr>
+          </a:p>
+          <a:p>
+            <a:r>
+              <a:rPr lang="en-US" dirty="0">
+                <a:solidFill>
+                  <a:schemeClr val="bg1">
+                    <a:lumMod val="95000"/>
+                  </a:schemeClr>
+                </a:solidFill>
+                <a:latin typeface="Monaco" pitchFamily="2" charset="77"/>
+              </a:rPr>
+              <a:t>&gt; </a:t>
+            </a:r>
+            <a:r>
+              <a:rPr lang="en-US" dirty="0" err="1">
+                <a:solidFill>
+                  <a:schemeClr val="bg1">
+                    <a:lumMod val="95000"/>
+                  </a:schemeClr>
+                </a:solidFill>
+                <a:latin typeface="Monaco" pitchFamily="2" charset="77"/>
+              </a:rPr>
+              <a:t>exp_obs$expected</a:t>
+            </a:r>
+            <a:endParaRPr lang="en-US" dirty="0">
+              <a:solidFill>
+                <a:schemeClr val="bg1">
+                  <a:lumMod val="95000"/>
+                </a:schemeClr>
+              </a:solidFill>
+              <a:latin typeface="Monaco" pitchFamily="2" charset="77"/>
+            </a:endParaRPr>
+          </a:p>
+          <a:p>
+            <a:r>
+              <a:rPr lang="en-US" dirty="0">
+                <a:solidFill>
+                  <a:schemeClr val="bg1">
+                    <a:lumMod val="95000"/>
+                  </a:schemeClr>
+                </a:solidFill>
+                <a:latin typeface="Monaco" pitchFamily="2" charset="77"/>
+              </a:rPr>
+              <a:t> 100 100</a:t>
+            </a:r>
+          </a:p>
+        </p:txBody>
+      </p:sp>
+    </p:spTree>
+    <p:extLst>
+      <p:ext uri="{BB962C8B-B14F-4D97-AF65-F5344CB8AC3E}">
+        <p14:creationId xmlns:p14="http://schemas.microsoft.com/office/powerpoint/2010/main" val="1811659411"/>
+      </p:ext>
+    </p:extLst>
+  </p:cSld>
+  <p:clrMapOvr>
+    <a:masterClrMapping/>
+  </p:clrMapOvr>
+  <p:timing>
+    <p:tnLst>
+      <p:par>
+        <p:cTn id="1" dur="indefinite" restart="never" nodeType="tmRoot">
+          <p:childTnLst>
+            <p:seq concurrent="1" nextAc="seek">
+              <p:cTn id="2" dur="indefinite" nodeType="mainSeq">
+                <p:childTnLst>
+                  <p:par>
+                    <p:cTn id="3" fill="hold">
+                      <p:stCondLst>
+                        <p:cond delay="indefinite"/>
+                      </p:stCondLst>
+                      <p:childTnLst>
+                        <p:par>
+                          <p:cTn id="4" fill="hold">
+                            <p:stCondLst>
+                              <p:cond delay="0"/>
+                            </p:stCondLst>
+                            <p:childTnLst>
+                              <p:par>
+                                <p:cTn id="5" presetID="10" presetClass="entr" presetSubtype="0" fill="hold" grpId="0" nodeType="clickEffect">
+                                  <p:stCondLst>
+                                    <p:cond delay="0"/>
+                                  </p:stCondLst>
+                                  <p:childTnLst>
+                                    <p:set>
+                                      <p:cBhvr>
+                                        <p:cTn id="6" dur="1" fill="hold">
+                                          <p:stCondLst>
+                                            <p:cond delay="0"/>
+                                          </p:stCondLst>
+                                        </p:cTn>
+                                        <p:tgtEl>
+                                          <p:spTgt spid="10"/>
+                                        </p:tgtEl>
+                                        <p:attrNameLst>
+                                          <p:attrName>style.visibility</p:attrName>
+                                        </p:attrNameLst>
+                                      </p:cBhvr>
+                                      <p:to>
+                                        <p:strVal val="visible"/>
+                                      </p:to>
+                                    </p:set>
+                                    <p:animEffect transition="in" filter="fade">
+                                      <p:cBhvr>
+                                        <p:cTn id="7" dur="500"/>
+                                        <p:tgtEl>
+                                          <p:spTgt spid="10"/>
+                                        </p:tgtEl>
+                                      </p:cBhvr>
+                                    </p:animEffect>
+                                  </p:childTnLst>
+                                </p:cTn>
+                              </p:par>
+                            </p:childTnLst>
+                          </p:cTn>
+                        </p:par>
+                      </p:childTnLst>
+                    </p:cTn>
+                  </p:par>
+                </p:childTnLst>
+              </p:cTn>
+              <p:prevCondLst>
+                <p:cond evt="onPrev" delay="0">
+                  <p:tgtEl>
+                    <p:sldTgt/>
+                  </p:tgtEl>
+                </p:cond>
+              </p:prevCondLst>
+              <p:nextCondLst>
+                <p:cond evt="onNext" delay="0">
+                  <p:tgtEl>
+                    <p:sldTgt/>
+                  </p:tgtEl>
+                </p:cond>
+              </p:nextCondLst>
+            </p:seq>
+          </p:childTnLst>
+        </p:cTn>
+      </p:par>
+    </p:tnLst>
+    <p:bldLst>
+      <p:bldP spid="10" grpId="0" animBg="1"/>
+    </p:bldLst>
+  </p:timing>
+</p:sld>
+</file>
+
+<file path=ppt/slides/slide17.xml><?xml version="1.0" encoding="utf-8"?>
 <p:sld xmlns:a="http://schemas.openxmlformats.org/drawingml/2006/main" xmlns:r="http://schemas.openxmlformats.org/officeDocument/2006/relationships" xmlns:p="http://schemas.openxmlformats.org/presentationml/2006/main">
   <p:cSld>
     <p:spTree>
@@ -10424,7 +12205,7 @@
           <a:p>
             <a:fld id="{42EF8E80-928C-4D02-8039-2537AA9D5938}" type="slidenum">
               <a:rPr lang="en-US" smtClean="0"/>
-              <a:t>16</a:t>
+              <a:t>17</a:t>
             </a:fld>
             <a:endParaRPr lang="en-US"/>
           </a:p>
@@ -13149,7 +14930,7 @@
 </p:sld>
 </file>
 
-<file path=ppt/slides/slide17.xml><?xml version="1.0" encoding="utf-8"?>
+<file path=ppt/slides/slide18.xml><?xml version="1.0" encoding="utf-8"?>
 <p:sld xmlns:a="http://schemas.openxmlformats.org/drawingml/2006/main" xmlns:r="http://schemas.openxmlformats.org/officeDocument/2006/relationships" xmlns:p="http://schemas.openxmlformats.org/presentationml/2006/main">
   <p:cSld>
     <p:spTree>
@@ -13251,7 +15032,7 @@
           <a:p>
             <a:fld id="{42EF8E80-928C-4D02-8039-2537AA9D5938}" type="slidenum">
               <a:rPr lang="en-US" smtClean="0"/>
-              <a:t>17</a:t>
+              <a:t>18</a:t>
             </a:fld>
             <a:endParaRPr lang="en-US"/>
           </a:p>
@@ -13756,8 +15537,8 @@
           </a:p>
         </p:txBody>
       </p:sp>
-      <mc:AlternateContent xmlns:mc="http://schemas.openxmlformats.org/markup-compatibility/2006">
-        <mc:Choice xmlns:a14="http://schemas.microsoft.com/office/drawing/2010/main" Requires="a14">
+      <mc:AlternateContent xmlns:mc="http://schemas.openxmlformats.org/markup-compatibility/2006" xmlns:a14="http://schemas.microsoft.com/office/drawing/2010/main">
+        <mc:Choice Requires="a14">
           <p:sp>
             <p:nvSpPr>
               <p:cNvPr id="10" name="TextBox 9"/>
@@ -14045,7 +15826,7 @@
             </p:txBody>
           </p:sp>
         </mc:Choice>
-        <mc:Fallback>
+        <mc:Fallback xmlns="">
           <p:sp>
             <p:nvSpPr>
               <p:cNvPr id="10" name="TextBox 9"/>
@@ -14100,7 +15881,7 @@
 </p:sld>
 </file>
 
-<file path=ppt/slides/slide18.xml><?xml version="1.0" encoding="utf-8"?>
+<file path=ppt/slides/slide19.xml><?xml version="1.0" encoding="utf-8"?>
 <p:sld xmlns:a="http://schemas.openxmlformats.org/drawingml/2006/main" xmlns:r="http://schemas.openxmlformats.org/officeDocument/2006/relationships" xmlns:p="http://schemas.openxmlformats.org/presentationml/2006/main">
   <p:cSld>
     <p:spTree>
@@ -14269,7 +16050,7 @@
           <a:p>
             <a:fld id="{42EF8E80-928C-4D02-8039-2537AA9D5938}" type="slidenum">
               <a:rPr lang="en-US" smtClean="0"/>
-              <a:t>18</a:t>
+              <a:t>19</a:t>
             </a:fld>
             <a:endParaRPr lang="en-US"/>
           </a:p>
@@ -14297,7 +16078,7 @@
           <a:graphicData uri="http://schemas.openxmlformats.org/presentationml/2006/ole">
             <mc:AlternateContent xmlns:mc="http://schemas.openxmlformats.org/markup-compatibility/2006">
               <mc:Choice xmlns:v="urn:schemas-microsoft-com:vml" Requires="v">
-                <p:oleObj spid="_x0000_s2066" name="Equation" r:id="rId3" imgW="1307880" imgH="469800" progId="Equation.DSMT4">
+                <p:oleObj spid="_x0000_s2072" name="Equation" r:id="rId3" imgW="1307880" imgH="469800" progId="Equation.DSMT4">
                   <p:embed/>
                 </p:oleObj>
               </mc:Choice>
@@ -14353,358 +16134,6 @@
     <p:extLst>
       <p:ext uri="{BB962C8B-B14F-4D97-AF65-F5344CB8AC3E}">
         <p14:creationId xmlns:p14="http://schemas.microsoft.com/office/powerpoint/2010/main" val="756797383"/>
-      </p:ext>
-    </p:extLst>
-  </p:cSld>
-  <p:clrMapOvr>
-    <a:masterClrMapping/>
-  </p:clrMapOvr>
-</p:sld>
-</file>
-
-<file path=ppt/slides/slide19.xml><?xml version="1.0" encoding="utf-8"?>
-<p:sld xmlns:a="http://schemas.openxmlformats.org/drawingml/2006/main" xmlns:r="http://schemas.openxmlformats.org/officeDocument/2006/relationships" xmlns:p="http://schemas.openxmlformats.org/presentationml/2006/main">
-  <p:cSld>
-    <p:spTree>
-      <p:nvGrpSpPr>
-        <p:cNvPr id="1" name=""/>
-        <p:cNvGrpSpPr/>
-        <p:nvPr/>
-      </p:nvGrpSpPr>
-      <p:grpSpPr>
-        <a:xfrm>
-          <a:off x="0" y="0"/>
-          <a:ext cx="0" cy="0"/>
-          <a:chOff x="0" y="0"/>
-          <a:chExt cx="0" cy="0"/>
-        </a:xfrm>
-      </p:grpSpPr>
-      <p:sp>
-        <p:nvSpPr>
-          <p:cNvPr id="2" name="Title 1"/>
-          <p:cNvSpPr>
-            <a:spLocks noGrp="1"/>
-          </p:cNvSpPr>
-          <p:nvPr>
-            <p:ph type="title"/>
-          </p:nvPr>
-        </p:nvSpPr>
-        <p:spPr>
-          <a:xfrm>
-            <a:off x="1062228" y="445516"/>
-            <a:ext cx="10704452" cy="1499616"/>
-          </a:xfrm>
-        </p:spPr>
-        <p:txBody>
-          <a:bodyPr>
-            <a:normAutofit/>
-          </a:bodyPr>
-          <a:lstStyle/>
-          <a:p>
-            <a:r>
-              <a:rPr lang="en-US" sz="4000" dirty="0">
-                <a:solidFill>
-                  <a:schemeClr val="accent1"/>
-                </a:solidFill>
-                <a:latin typeface="Georgia" panose="02040502050405020303" pitchFamily="18" charset="0"/>
-              </a:rPr>
-              <a:t>GOODNESS OF FIT Tests</a:t>
-            </a:r>
-            <a:r>
-              <a:rPr lang="en-US" sz="4000" dirty="0">
-                <a:latin typeface="Georgia" panose="02040502050405020303" pitchFamily="18" charset="0"/>
-              </a:rPr>
-              <a:t>: </a:t>
-            </a:r>
-            <a:br>
-              <a:rPr lang="en-US" sz="4000" dirty="0">
-                <a:latin typeface="Georgia" panose="02040502050405020303" pitchFamily="18" charset="0"/>
-              </a:rPr>
-            </a:br>
-            <a:r>
-              <a:rPr lang="en-US" sz="4000" dirty="0">
-                <a:latin typeface="Georgia" panose="02040502050405020303" pitchFamily="18" charset="0"/>
-              </a:rPr>
-              <a:t>Post Hoc Pairwise Tests</a:t>
-            </a:r>
-          </a:p>
-        </p:txBody>
-      </p:sp>
-      <p:sp>
-        <p:nvSpPr>
-          <p:cNvPr id="3" name="Content Placeholder 2"/>
-          <p:cNvSpPr>
-            <a:spLocks noGrp="1"/>
-          </p:cNvSpPr>
-          <p:nvPr>
-            <p:ph idx="1"/>
-          </p:nvPr>
-        </p:nvSpPr>
-        <p:spPr>
-          <a:xfrm>
-            <a:off x="1062228" y="2295525"/>
-            <a:ext cx="10515600" cy="3813175"/>
-          </a:xfrm>
-        </p:spPr>
-        <p:txBody>
-          <a:bodyPr>
-            <a:normAutofit/>
-          </a:bodyPr>
-          <a:lstStyle/>
-          <a:p>
-            <a:r>
-              <a:rPr lang="en-US" altLang="en-US" sz="2800" dirty="0">
-                <a:latin typeface="Georgia" panose="02040502050405020303" pitchFamily="18" charset="0"/>
-              </a:rPr>
-              <a:t>Like ANOVA, </a:t>
-            </a:r>
-            <a:r>
-              <a:rPr lang="en-US" altLang="en-US" sz="2800" dirty="0">
-                <a:solidFill>
-                  <a:schemeClr val="accent1"/>
-                </a:solidFill>
-                <a:latin typeface="Georgia" panose="02040502050405020303" pitchFamily="18" charset="0"/>
-              </a:rPr>
-              <a:t>omnibus test</a:t>
-            </a:r>
-            <a:r>
-              <a:rPr lang="en-US" altLang="en-US" sz="2800" dirty="0">
-                <a:latin typeface="Georgia" panose="02040502050405020303" pitchFamily="18" charset="0"/>
-              </a:rPr>
-              <a:t>, but where do differences lie?</a:t>
-            </a:r>
-          </a:p>
-          <a:p>
-            <a:pPr lvl="1"/>
-            <a:r>
-              <a:rPr lang="en-US" altLang="en-US" sz="2400" dirty="0">
-                <a:latin typeface="Georgia" panose="02040502050405020303" pitchFamily="18" charset="0"/>
-                <a:ea typeface="ＭＳ Ｐゴシック" panose="020B0600070205080204" pitchFamily="34" charset="-128"/>
-              </a:rPr>
-              <a:t>‘Pinpointing the action’ in contingency tables</a:t>
-            </a:r>
-          </a:p>
-          <a:p>
-            <a:pPr lvl="1"/>
-            <a:r>
-              <a:rPr lang="en-US" altLang="en-US" sz="2400" dirty="0">
-                <a:latin typeface="Georgia" panose="02040502050405020303" pitchFamily="18" charset="0"/>
-                <a:ea typeface="ＭＳ Ｐゴシック" panose="020B0600070205080204" pitchFamily="34" charset="-128"/>
-              </a:rPr>
-              <a:t>Post-hoc Binomial, z-tests, or smaller 1-way </a:t>
-            </a:r>
-            <a:r>
-              <a:rPr lang="el-GR" altLang="en-US" sz="2400" i="1" dirty="0">
-                <a:latin typeface="Georgia" panose="02040502050405020303" pitchFamily="18" charset="0"/>
-                <a:ea typeface="ＭＳ Ｐゴシック" panose="020B0600070205080204" pitchFamily="34" charset="-128"/>
-                <a:cs typeface="Times New Roman" panose="02020603050405020304" pitchFamily="18" charset="0"/>
-              </a:rPr>
-              <a:t>χ</a:t>
-            </a:r>
-            <a:r>
-              <a:rPr lang="en-US" altLang="en-US" sz="2400" i="1" baseline="30000" dirty="0">
-                <a:latin typeface="Georgia" panose="02040502050405020303" pitchFamily="18" charset="0"/>
-                <a:ea typeface="ＭＳ Ｐゴシック" panose="020B0600070205080204" pitchFamily="34" charset="-128"/>
-              </a:rPr>
-              <a:t>2 </a:t>
-            </a:r>
-            <a:r>
-              <a:rPr lang="en-US" altLang="en-US" sz="2400" dirty="0">
-                <a:latin typeface="Georgia" panose="02040502050405020303" pitchFamily="18" charset="0"/>
-                <a:ea typeface="ＭＳ Ｐゴシック" panose="020B0600070205080204" pitchFamily="34" charset="-128"/>
-              </a:rPr>
-              <a:t>tests</a:t>
-            </a:r>
-          </a:p>
-          <a:p>
-            <a:pPr lvl="2"/>
-            <a:r>
-              <a:rPr lang="en-US" altLang="en-US" sz="2000" dirty="0">
-                <a:latin typeface="Georgia" panose="02040502050405020303" pitchFamily="18" charset="0"/>
-                <a:ea typeface="ＭＳ Ｐゴシック" panose="020B0600070205080204" pitchFamily="34" charset="-128"/>
-              </a:rPr>
-              <a:t>Collapsing, ignoring levels</a:t>
-            </a:r>
-          </a:p>
-          <a:p>
-            <a:pPr lvl="2"/>
-            <a:r>
-              <a:rPr lang="en-US" altLang="en-US" sz="2000" dirty="0" err="1">
-                <a:latin typeface="Georgia" panose="02040502050405020303" pitchFamily="18" charset="0"/>
-                <a:ea typeface="ＭＳ Ｐゴシック" panose="020B0600070205080204" pitchFamily="34" charset="-128"/>
-              </a:rPr>
-              <a:t>Bonferonni</a:t>
-            </a:r>
-            <a:r>
-              <a:rPr lang="en-US" altLang="en-US" sz="2000" dirty="0">
-                <a:latin typeface="Georgia" panose="02040502050405020303" pitchFamily="18" charset="0"/>
-                <a:ea typeface="ＭＳ Ｐゴシック" panose="020B0600070205080204" pitchFamily="34" charset="-128"/>
-              </a:rPr>
-              <a:t> correction, more conservative </a:t>
-            </a:r>
-            <a:r>
-              <a:rPr lang="el-GR" altLang="en-US" sz="2000" i="1" dirty="0">
-                <a:latin typeface="Georgia" panose="02040502050405020303" pitchFamily="18" charset="0"/>
-                <a:ea typeface="ＭＳ Ｐゴシック" panose="020B0600070205080204" pitchFamily="34" charset="-128"/>
-                <a:cs typeface="Arial" panose="020B0604020202020204" pitchFamily="34" charset="0"/>
-              </a:rPr>
-              <a:t>α</a:t>
-            </a:r>
-            <a:r>
-              <a:rPr lang="en-US" altLang="en-US" sz="2000" dirty="0">
-                <a:latin typeface="Georgia" panose="02040502050405020303" pitchFamily="18" charset="0"/>
-                <a:ea typeface="ＭＳ Ｐゴシック" panose="020B0600070205080204" pitchFamily="34" charset="-128"/>
-                <a:cs typeface="Arial" panose="020B0604020202020204" pitchFamily="34" charset="0"/>
-              </a:rPr>
-              <a:t> per comparison</a:t>
-            </a:r>
-            <a:endParaRPr lang="en-US" altLang="en-US" sz="2000" i="1" dirty="0">
-              <a:latin typeface="Georgia" panose="02040502050405020303" pitchFamily="18" charset="0"/>
-              <a:ea typeface="ＭＳ Ｐゴシック" panose="020B0600070205080204" pitchFamily="34" charset="-128"/>
-              <a:cs typeface="Arial" panose="020B0604020202020204" pitchFamily="34" charset="0"/>
-            </a:endParaRPr>
-          </a:p>
-          <a:p>
-            <a:pPr lvl="1"/>
-            <a:r>
-              <a:rPr lang="en-US" altLang="en-US" sz="2400" dirty="0">
-                <a:latin typeface="Georgia" panose="02040502050405020303" pitchFamily="18" charset="0"/>
-                <a:ea typeface="ＭＳ Ｐゴシック" panose="020B0600070205080204" pitchFamily="34" charset="-128"/>
-                <a:cs typeface="Arial" panose="020B0604020202020204" pitchFamily="34" charset="0"/>
-              </a:rPr>
-              <a:t>Examining</a:t>
-            </a:r>
-          </a:p>
-          <a:p>
-            <a:pPr lvl="2"/>
-            <a:r>
-              <a:rPr lang="en-US" altLang="en-US" sz="2000" dirty="0">
-                <a:latin typeface="Georgia" panose="02040502050405020303" pitchFamily="18" charset="0"/>
-                <a:ea typeface="ＭＳ Ｐゴシック" panose="020B0600070205080204" pitchFamily="34" charset="-128"/>
-                <a:cs typeface="Arial" panose="020B0604020202020204" pitchFamily="34" charset="0"/>
-              </a:rPr>
-              <a:t>Observed </a:t>
-            </a:r>
-            <a:r>
-              <a:rPr lang="en-US" altLang="en-US" sz="2000" i="1" dirty="0">
-                <a:latin typeface="Georgia" panose="02040502050405020303" pitchFamily="18" charset="0"/>
-                <a:ea typeface="ＭＳ Ｐゴシック" panose="020B0600070205080204" pitchFamily="34" charset="-128"/>
-                <a:cs typeface="Arial" panose="020B0604020202020204" pitchFamily="34" charset="0"/>
-              </a:rPr>
-              <a:t>vs</a:t>
-            </a:r>
-            <a:r>
-              <a:rPr lang="en-US" altLang="en-US" sz="2000" dirty="0">
-                <a:latin typeface="Georgia" panose="02040502050405020303" pitchFamily="18" charset="0"/>
-                <a:ea typeface="ＭＳ Ｐゴシック" panose="020B0600070205080204" pitchFamily="34" charset="-128"/>
-                <a:cs typeface="Arial" panose="020B0604020202020204" pitchFamily="34" charset="0"/>
-              </a:rPr>
-              <a:t>. expected frequencies per cell</a:t>
-            </a:r>
-          </a:p>
-          <a:p>
-            <a:pPr lvl="2"/>
-            <a:r>
-              <a:rPr lang="en-US" altLang="en-US" sz="2000" dirty="0">
-                <a:latin typeface="Georgia" panose="02040502050405020303" pitchFamily="18" charset="0"/>
-                <a:ea typeface="ＭＳ Ｐゴシック" panose="020B0600070205080204" pitchFamily="34" charset="-128"/>
-              </a:rPr>
-              <a:t>Contributions to </a:t>
-            </a:r>
-            <a:r>
-              <a:rPr lang="el-GR" altLang="en-US" sz="2100" i="1" dirty="0">
-                <a:latin typeface="Georgia" panose="02040502050405020303" pitchFamily="18" charset="0"/>
-                <a:ea typeface="ＭＳ Ｐゴシック" panose="020B0600070205080204" pitchFamily="34" charset="-128"/>
-                <a:cs typeface="Times New Roman" panose="02020603050405020304" pitchFamily="18" charset="0"/>
-              </a:rPr>
-              <a:t>χ</a:t>
-            </a:r>
-            <a:r>
-              <a:rPr lang="en-US" altLang="en-US" sz="2100" i="1" baseline="30000" dirty="0">
-                <a:latin typeface="Georgia" panose="02040502050405020303" pitchFamily="18" charset="0"/>
-                <a:ea typeface="ＭＳ Ｐゴシック" panose="020B0600070205080204" pitchFamily="34" charset="-128"/>
-              </a:rPr>
-              <a:t>2 </a:t>
-            </a:r>
-            <a:r>
-              <a:rPr lang="en-US" altLang="en-US" sz="2100" dirty="0">
-                <a:latin typeface="Georgia" panose="02040502050405020303" pitchFamily="18" charset="0"/>
-                <a:ea typeface="ＭＳ Ｐゴシック" panose="020B0600070205080204" pitchFamily="34" charset="-128"/>
-              </a:rPr>
-              <a:t>per cell</a:t>
-            </a:r>
-            <a:endParaRPr lang="en-US" altLang="en-US" sz="2100" baseline="30000" dirty="0">
-              <a:latin typeface="Georgia" panose="02040502050405020303" pitchFamily="18" charset="0"/>
-              <a:ea typeface="ＭＳ Ｐゴシック" panose="020B0600070205080204" pitchFamily="34" charset="-128"/>
-            </a:endParaRPr>
-          </a:p>
-          <a:p>
-            <a:pPr lvl="1"/>
-            <a:r>
-              <a:rPr lang="en-US" altLang="en-US" sz="2400" dirty="0">
-                <a:latin typeface="Georgia" panose="02040502050405020303" pitchFamily="18" charset="0"/>
-                <a:ea typeface="ＭＳ Ｐゴシック" panose="020B0600070205080204" pitchFamily="34" charset="-128"/>
-                <a:cs typeface="Arial" panose="020B0604020202020204" pitchFamily="34" charset="0"/>
-              </a:rPr>
-              <a:t>Visual analysis of differences in proportions</a:t>
-            </a:r>
-          </a:p>
-          <a:p>
-            <a:endParaRPr lang="en-US" dirty="0">
-              <a:latin typeface="Georgia" panose="02040502050405020303" pitchFamily="18" charset="0"/>
-            </a:endParaRPr>
-          </a:p>
-        </p:txBody>
-      </p:sp>
-      <p:sp>
-        <p:nvSpPr>
-          <p:cNvPr id="4" name="Footer Placeholder 3"/>
-          <p:cNvSpPr>
-            <a:spLocks noGrp="1"/>
-          </p:cNvSpPr>
-          <p:nvPr>
-            <p:ph type="ftr" sz="quarter" idx="11"/>
-          </p:nvPr>
-        </p:nvSpPr>
-        <p:spPr/>
-        <p:txBody>
-          <a:bodyPr/>
-          <a:lstStyle/>
-          <a:p>
-            <a:r>
-              <a:rPr lang="en-US"/>
-              <a:t>Cohen Chap 19 &amp; 20 - Categorical</a:t>
-            </a:r>
-          </a:p>
-        </p:txBody>
-      </p:sp>
-      <p:sp>
-        <p:nvSpPr>
-          <p:cNvPr id="5" name="Slide Number Placeholder 4"/>
-          <p:cNvSpPr>
-            <a:spLocks noGrp="1"/>
-          </p:cNvSpPr>
-          <p:nvPr>
-            <p:ph type="sldNum" sz="quarter" idx="12"/>
-          </p:nvPr>
-        </p:nvSpPr>
-        <p:spPr/>
-        <p:txBody>
-          <a:bodyPr/>
-          <a:lstStyle/>
-          <a:p>
-            <a:fld id="{42EF8E80-928C-4D02-8039-2537AA9D5938}" type="slidenum">
-              <a:rPr lang="en-US" smtClean="0"/>
-              <a:t>19</a:t>
-            </a:fld>
-            <a:endParaRPr lang="en-US"/>
-          </a:p>
-        </p:txBody>
-      </p:sp>
-    </p:spTree>
-    <p:extLst>
-      <p:ext uri="{BB962C8B-B14F-4D97-AF65-F5344CB8AC3E}">
-        <p14:creationId xmlns:p14="http://schemas.microsoft.com/office/powerpoint/2010/main" val="3050744892"/>
       </p:ext>
     </p:extLst>
   </p:cSld>
@@ -14976,6 +16405,358 @@
         </p:nvSpPr>
         <p:spPr>
           <a:xfrm>
+            <a:off x="1062228" y="445516"/>
+            <a:ext cx="10704452" cy="1499616"/>
+          </a:xfrm>
+        </p:spPr>
+        <p:txBody>
+          <a:bodyPr>
+            <a:normAutofit/>
+          </a:bodyPr>
+          <a:lstStyle/>
+          <a:p>
+            <a:r>
+              <a:rPr lang="en-US" sz="4000" dirty="0">
+                <a:solidFill>
+                  <a:schemeClr val="accent1"/>
+                </a:solidFill>
+                <a:latin typeface="Georgia" panose="02040502050405020303" pitchFamily="18" charset="0"/>
+              </a:rPr>
+              <a:t>GOODNESS OF FIT Tests</a:t>
+            </a:r>
+            <a:r>
+              <a:rPr lang="en-US" sz="4000" dirty="0">
+                <a:latin typeface="Georgia" panose="02040502050405020303" pitchFamily="18" charset="0"/>
+              </a:rPr>
+              <a:t>: </a:t>
+            </a:r>
+            <a:br>
+              <a:rPr lang="en-US" sz="4000" dirty="0">
+                <a:latin typeface="Georgia" panose="02040502050405020303" pitchFamily="18" charset="0"/>
+              </a:rPr>
+            </a:br>
+            <a:r>
+              <a:rPr lang="en-US" sz="4000" dirty="0">
+                <a:latin typeface="Georgia" panose="02040502050405020303" pitchFamily="18" charset="0"/>
+              </a:rPr>
+              <a:t>Post Hoc Pairwise Tests</a:t>
+            </a:r>
+          </a:p>
+        </p:txBody>
+      </p:sp>
+      <p:sp>
+        <p:nvSpPr>
+          <p:cNvPr id="3" name="Content Placeholder 2"/>
+          <p:cNvSpPr>
+            <a:spLocks noGrp="1"/>
+          </p:cNvSpPr>
+          <p:nvPr>
+            <p:ph idx="1"/>
+          </p:nvPr>
+        </p:nvSpPr>
+        <p:spPr>
+          <a:xfrm>
+            <a:off x="1062228" y="2295525"/>
+            <a:ext cx="10515600" cy="3813175"/>
+          </a:xfrm>
+        </p:spPr>
+        <p:txBody>
+          <a:bodyPr>
+            <a:normAutofit/>
+          </a:bodyPr>
+          <a:lstStyle/>
+          <a:p>
+            <a:r>
+              <a:rPr lang="en-US" altLang="en-US" sz="2800" dirty="0">
+                <a:latin typeface="Georgia" panose="02040502050405020303" pitchFamily="18" charset="0"/>
+              </a:rPr>
+              <a:t>Like ANOVA, </a:t>
+            </a:r>
+            <a:r>
+              <a:rPr lang="en-US" altLang="en-US" sz="2800" dirty="0">
+                <a:solidFill>
+                  <a:schemeClr val="accent1"/>
+                </a:solidFill>
+                <a:latin typeface="Georgia" panose="02040502050405020303" pitchFamily="18" charset="0"/>
+              </a:rPr>
+              <a:t>omnibus test</a:t>
+            </a:r>
+            <a:r>
+              <a:rPr lang="en-US" altLang="en-US" sz="2800" dirty="0">
+                <a:latin typeface="Georgia" panose="02040502050405020303" pitchFamily="18" charset="0"/>
+              </a:rPr>
+              <a:t>, but where do differences lie?</a:t>
+            </a:r>
+          </a:p>
+          <a:p>
+            <a:pPr lvl="1"/>
+            <a:r>
+              <a:rPr lang="en-US" altLang="en-US" sz="2400" dirty="0">
+                <a:latin typeface="Georgia" panose="02040502050405020303" pitchFamily="18" charset="0"/>
+                <a:ea typeface="ＭＳ Ｐゴシック" panose="020B0600070205080204" pitchFamily="34" charset="-128"/>
+              </a:rPr>
+              <a:t>‘Pinpointing the action’ in contingency tables</a:t>
+            </a:r>
+          </a:p>
+          <a:p>
+            <a:pPr lvl="1"/>
+            <a:r>
+              <a:rPr lang="en-US" altLang="en-US" sz="2400" dirty="0">
+                <a:latin typeface="Georgia" panose="02040502050405020303" pitchFamily="18" charset="0"/>
+                <a:ea typeface="ＭＳ Ｐゴシック" panose="020B0600070205080204" pitchFamily="34" charset="-128"/>
+              </a:rPr>
+              <a:t>Post-hoc Binomial, z-tests, or smaller 1-way </a:t>
+            </a:r>
+            <a:r>
+              <a:rPr lang="el-GR" altLang="en-US" sz="2400" i="1" dirty="0">
+                <a:latin typeface="Georgia" panose="02040502050405020303" pitchFamily="18" charset="0"/>
+                <a:ea typeface="ＭＳ Ｐゴシック" panose="020B0600070205080204" pitchFamily="34" charset="-128"/>
+                <a:cs typeface="Times New Roman" panose="02020603050405020304" pitchFamily="18" charset="0"/>
+              </a:rPr>
+              <a:t>χ</a:t>
+            </a:r>
+            <a:r>
+              <a:rPr lang="en-US" altLang="en-US" sz="2400" i="1" baseline="30000" dirty="0">
+                <a:latin typeface="Georgia" panose="02040502050405020303" pitchFamily="18" charset="0"/>
+                <a:ea typeface="ＭＳ Ｐゴシック" panose="020B0600070205080204" pitchFamily="34" charset="-128"/>
+              </a:rPr>
+              <a:t>2 </a:t>
+            </a:r>
+            <a:r>
+              <a:rPr lang="en-US" altLang="en-US" sz="2400" dirty="0">
+                <a:latin typeface="Georgia" panose="02040502050405020303" pitchFamily="18" charset="0"/>
+                <a:ea typeface="ＭＳ Ｐゴシック" panose="020B0600070205080204" pitchFamily="34" charset="-128"/>
+              </a:rPr>
+              <a:t>tests</a:t>
+            </a:r>
+          </a:p>
+          <a:p>
+            <a:pPr lvl="2"/>
+            <a:r>
+              <a:rPr lang="en-US" altLang="en-US" sz="2000" dirty="0">
+                <a:latin typeface="Georgia" panose="02040502050405020303" pitchFamily="18" charset="0"/>
+                <a:ea typeface="ＭＳ Ｐゴシック" panose="020B0600070205080204" pitchFamily="34" charset="-128"/>
+              </a:rPr>
+              <a:t>Collapsing, ignoring levels</a:t>
+            </a:r>
+          </a:p>
+          <a:p>
+            <a:pPr lvl="2"/>
+            <a:r>
+              <a:rPr lang="en-US" altLang="en-US" sz="2000" dirty="0" err="1">
+                <a:latin typeface="Georgia" panose="02040502050405020303" pitchFamily="18" charset="0"/>
+                <a:ea typeface="ＭＳ Ｐゴシック" panose="020B0600070205080204" pitchFamily="34" charset="-128"/>
+              </a:rPr>
+              <a:t>Bonferonni</a:t>
+            </a:r>
+            <a:r>
+              <a:rPr lang="en-US" altLang="en-US" sz="2000" dirty="0">
+                <a:latin typeface="Georgia" panose="02040502050405020303" pitchFamily="18" charset="0"/>
+                <a:ea typeface="ＭＳ Ｐゴシック" panose="020B0600070205080204" pitchFamily="34" charset="-128"/>
+              </a:rPr>
+              <a:t> correction, more conservative </a:t>
+            </a:r>
+            <a:r>
+              <a:rPr lang="el-GR" altLang="en-US" sz="2000" i="1" dirty="0">
+                <a:latin typeface="Georgia" panose="02040502050405020303" pitchFamily="18" charset="0"/>
+                <a:ea typeface="ＭＳ Ｐゴシック" panose="020B0600070205080204" pitchFamily="34" charset="-128"/>
+                <a:cs typeface="Arial" panose="020B0604020202020204" pitchFamily="34" charset="0"/>
+              </a:rPr>
+              <a:t>α</a:t>
+            </a:r>
+            <a:r>
+              <a:rPr lang="en-US" altLang="en-US" sz="2000" dirty="0">
+                <a:latin typeface="Georgia" panose="02040502050405020303" pitchFamily="18" charset="0"/>
+                <a:ea typeface="ＭＳ Ｐゴシック" panose="020B0600070205080204" pitchFamily="34" charset="-128"/>
+                <a:cs typeface="Arial" panose="020B0604020202020204" pitchFamily="34" charset="0"/>
+              </a:rPr>
+              <a:t> per comparison</a:t>
+            </a:r>
+            <a:endParaRPr lang="en-US" altLang="en-US" sz="2000" i="1" dirty="0">
+              <a:latin typeface="Georgia" panose="02040502050405020303" pitchFamily="18" charset="0"/>
+              <a:ea typeface="ＭＳ Ｐゴシック" panose="020B0600070205080204" pitchFamily="34" charset="-128"/>
+              <a:cs typeface="Arial" panose="020B0604020202020204" pitchFamily="34" charset="0"/>
+            </a:endParaRPr>
+          </a:p>
+          <a:p>
+            <a:pPr lvl="1"/>
+            <a:r>
+              <a:rPr lang="en-US" altLang="en-US" sz="2400" dirty="0">
+                <a:latin typeface="Georgia" panose="02040502050405020303" pitchFamily="18" charset="0"/>
+                <a:ea typeface="ＭＳ Ｐゴシック" panose="020B0600070205080204" pitchFamily="34" charset="-128"/>
+                <a:cs typeface="Arial" panose="020B0604020202020204" pitchFamily="34" charset="0"/>
+              </a:rPr>
+              <a:t>Examining</a:t>
+            </a:r>
+          </a:p>
+          <a:p>
+            <a:pPr lvl="2"/>
+            <a:r>
+              <a:rPr lang="en-US" altLang="en-US" sz="2000" dirty="0">
+                <a:latin typeface="Georgia" panose="02040502050405020303" pitchFamily="18" charset="0"/>
+                <a:ea typeface="ＭＳ Ｐゴシック" panose="020B0600070205080204" pitchFamily="34" charset="-128"/>
+                <a:cs typeface="Arial" panose="020B0604020202020204" pitchFamily="34" charset="0"/>
+              </a:rPr>
+              <a:t>Observed </a:t>
+            </a:r>
+            <a:r>
+              <a:rPr lang="en-US" altLang="en-US" sz="2000" i="1" dirty="0">
+                <a:latin typeface="Georgia" panose="02040502050405020303" pitchFamily="18" charset="0"/>
+                <a:ea typeface="ＭＳ Ｐゴシック" panose="020B0600070205080204" pitchFamily="34" charset="-128"/>
+                <a:cs typeface="Arial" panose="020B0604020202020204" pitchFamily="34" charset="0"/>
+              </a:rPr>
+              <a:t>vs</a:t>
+            </a:r>
+            <a:r>
+              <a:rPr lang="en-US" altLang="en-US" sz="2000" dirty="0">
+                <a:latin typeface="Georgia" panose="02040502050405020303" pitchFamily="18" charset="0"/>
+                <a:ea typeface="ＭＳ Ｐゴシック" panose="020B0600070205080204" pitchFamily="34" charset="-128"/>
+                <a:cs typeface="Arial" panose="020B0604020202020204" pitchFamily="34" charset="0"/>
+              </a:rPr>
+              <a:t>. expected frequencies per cell</a:t>
+            </a:r>
+          </a:p>
+          <a:p>
+            <a:pPr lvl="2"/>
+            <a:r>
+              <a:rPr lang="en-US" altLang="en-US" sz="2000" dirty="0">
+                <a:latin typeface="Georgia" panose="02040502050405020303" pitchFamily="18" charset="0"/>
+                <a:ea typeface="ＭＳ Ｐゴシック" panose="020B0600070205080204" pitchFamily="34" charset="-128"/>
+              </a:rPr>
+              <a:t>Contributions to </a:t>
+            </a:r>
+            <a:r>
+              <a:rPr lang="el-GR" altLang="en-US" sz="2100" i="1" dirty="0">
+                <a:latin typeface="Georgia" panose="02040502050405020303" pitchFamily="18" charset="0"/>
+                <a:ea typeface="ＭＳ Ｐゴシック" panose="020B0600070205080204" pitchFamily="34" charset="-128"/>
+                <a:cs typeface="Times New Roman" panose="02020603050405020304" pitchFamily="18" charset="0"/>
+              </a:rPr>
+              <a:t>χ</a:t>
+            </a:r>
+            <a:r>
+              <a:rPr lang="en-US" altLang="en-US" sz="2100" i="1" baseline="30000" dirty="0">
+                <a:latin typeface="Georgia" panose="02040502050405020303" pitchFamily="18" charset="0"/>
+                <a:ea typeface="ＭＳ Ｐゴシック" panose="020B0600070205080204" pitchFamily="34" charset="-128"/>
+              </a:rPr>
+              <a:t>2 </a:t>
+            </a:r>
+            <a:r>
+              <a:rPr lang="en-US" altLang="en-US" sz="2100" dirty="0">
+                <a:latin typeface="Georgia" panose="02040502050405020303" pitchFamily="18" charset="0"/>
+                <a:ea typeface="ＭＳ Ｐゴシック" panose="020B0600070205080204" pitchFamily="34" charset="-128"/>
+              </a:rPr>
+              <a:t>per cell</a:t>
+            </a:r>
+            <a:endParaRPr lang="en-US" altLang="en-US" sz="2100" baseline="30000" dirty="0">
+              <a:latin typeface="Georgia" panose="02040502050405020303" pitchFamily="18" charset="0"/>
+              <a:ea typeface="ＭＳ Ｐゴシック" panose="020B0600070205080204" pitchFamily="34" charset="-128"/>
+            </a:endParaRPr>
+          </a:p>
+          <a:p>
+            <a:pPr lvl="1"/>
+            <a:r>
+              <a:rPr lang="en-US" altLang="en-US" sz="2400" dirty="0">
+                <a:latin typeface="Georgia" panose="02040502050405020303" pitchFamily="18" charset="0"/>
+                <a:ea typeface="ＭＳ Ｐゴシック" panose="020B0600070205080204" pitchFamily="34" charset="-128"/>
+                <a:cs typeface="Arial" panose="020B0604020202020204" pitchFamily="34" charset="0"/>
+              </a:rPr>
+              <a:t>Visual analysis of differences in proportions</a:t>
+            </a:r>
+          </a:p>
+          <a:p>
+            <a:endParaRPr lang="en-US" dirty="0">
+              <a:latin typeface="Georgia" panose="02040502050405020303" pitchFamily="18" charset="0"/>
+            </a:endParaRPr>
+          </a:p>
+        </p:txBody>
+      </p:sp>
+      <p:sp>
+        <p:nvSpPr>
+          <p:cNvPr id="4" name="Footer Placeholder 3"/>
+          <p:cNvSpPr>
+            <a:spLocks noGrp="1"/>
+          </p:cNvSpPr>
+          <p:nvPr>
+            <p:ph type="ftr" sz="quarter" idx="11"/>
+          </p:nvPr>
+        </p:nvSpPr>
+        <p:spPr/>
+        <p:txBody>
+          <a:bodyPr/>
+          <a:lstStyle/>
+          <a:p>
+            <a:r>
+              <a:rPr lang="en-US"/>
+              <a:t>Cohen Chap 19 &amp; 20 - Categorical</a:t>
+            </a:r>
+          </a:p>
+        </p:txBody>
+      </p:sp>
+      <p:sp>
+        <p:nvSpPr>
+          <p:cNvPr id="5" name="Slide Number Placeholder 4"/>
+          <p:cNvSpPr>
+            <a:spLocks noGrp="1"/>
+          </p:cNvSpPr>
+          <p:nvPr>
+            <p:ph type="sldNum" sz="quarter" idx="12"/>
+          </p:nvPr>
+        </p:nvSpPr>
+        <p:spPr/>
+        <p:txBody>
+          <a:bodyPr/>
+          <a:lstStyle/>
+          <a:p>
+            <a:fld id="{42EF8E80-928C-4D02-8039-2537AA9D5938}" type="slidenum">
+              <a:rPr lang="en-US" smtClean="0"/>
+              <a:t>20</a:t>
+            </a:fld>
+            <a:endParaRPr lang="en-US"/>
+          </a:p>
+        </p:txBody>
+      </p:sp>
+    </p:spTree>
+    <p:extLst>
+      <p:ext uri="{BB962C8B-B14F-4D97-AF65-F5344CB8AC3E}">
+        <p14:creationId xmlns:p14="http://schemas.microsoft.com/office/powerpoint/2010/main" val="3050744892"/>
+      </p:ext>
+    </p:extLst>
+  </p:cSld>
+  <p:clrMapOvr>
+    <a:masterClrMapping/>
+  </p:clrMapOvr>
+</p:sld>
+</file>
+
+<file path=ppt/slides/slide21.xml><?xml version="1.0" encoding="utf-8"?>
+<p:sld xmlns:a="http://schemas.openxmlformats.org/drawingml/2006/main" xmlns:r="http://schemas.openxmlformats.org/officeDocument/2006/relationships" xmlns:p="http://schemas.openxmlformats.org/presentationml/2006/main">
+  <p:cSld>
+    <p:spTree>
+      <p:nvGrpSpPr>
+        <p:cNvPr id="1" name=""/>
+        <p:cNvGrpSpPr/>
+        <p:nvPr/>
+      </p:nvGrpSpPr>
+      <p:grpSpPr>
+        <a:xfrm>
+          <a:off x="0" y="0"/>
+          <a:ext cx="0" cy="0"/>
+          <a:chOff x="0" y="0"/>
+          <a:chExt cx="0" cy="0"/>
+        </a:xfrm>
+      </p:grpSpPr>
+      <p:sp>
+        <p:nvSpPr>
+          <p:cNvPr id="2" name="Title 1"/>
+          <p:cNvSpPr>
+            <a:spLocks noGrp="1"/>
+          </p:cNvSpPr>
+          <p:nvPr>
+            <p:ph type="title"/>
+          </p:nvPr>
+        </p:nvSpPr>
+        <p:spPr>
+          <a:xfrm>
             <a:off x="1024128" y="277306"/>
             <a:ext cx="10536501" cy="1499616"/>
           </a:xfrm>
@@ -15457,7 +17238,7 @@
           <a:p>
             <a:fld id="{42EF8E80-928C-4D02-8039-2537AA9D5938}" type="slidenum">
               <a:rPr lang="en-US" smtClean="0"/>
-              <a:t>20</a:t>
+              <a:t>21</a:t>
             </a:fld>
             <a:endParaRPr lang="en-US"/>
           </a:p>
@@ -15476,7 +17257,7 @@
 </p:sld>
 </file>
 
-<file path=ppt/slides/slide21.xml><?xml version="1.0" encoding="utf-8"?>
+<file path=ppt/slides/slide22.xml><?xml version="1.0" encoding="utf-8"?>
 <p:sld xmlns:a="http://schemas.openxmlformats.org/drawingml/2006/main" xmlns:r="http://schemas.openxmlformats.org/officeDocument/2006/relationships" xmlns:p="http://schemas.openxmlformats.org/presentationml/2006/main">
   <p:cSld>
     <p:spTree>
@@ -15532,7 +17313,7 @@
           <a:p>
             <a:fld id="{42EF8E80-928C-4D02-8039-2537AA9D5938}" type="slidenum">
               <a:rPr lang="en-US" smtClean="0"/>
-              <a:t>21</a:t>
+              <a:t>22</a:t>
             </a:fld>
             <a:endParaRPr lang="en-US"/>
           </a:p>
@@ -15561,7 +17342,7 @@
           <a:graphicData uri="http://schemas.openxmlformats.org/presentationml/2006/ole">
             <mc:AlternateContent xmlns:mc="http://schemas.openxmlformats.org/markup-compatibility/2006">
               <mc:Choice xmlns:v="urn:schemas-microsoft-com:vml" Requires="v">
-                <p:oleObj spid="_x0000_s3106" name="Equation" r:id="rId3" imgW="1320480" imgH="393480" progId="Equation.DSMT4">
+                <p:oleObj spid="_x0000_s3118" name="Equation" r:id="rId3" imgW="1320480" imgH="393480" progId="Equation.DSMT4">
                   <p:embed/>
                 </p:oleObj>
               </mc:Choice>
@@ -15979,8 +17760,8 @@
           <a:extLst/>
         </p:spPr>
       </p:pic>
-      <mc:AlternateContent xmlns:mc="http://schemas.openxmlformats.org/markup-compatibility/2006">
-        <mc:Choice xmlns:a14="http://schemas.microsoft.com/office/drawing/2010/main" Requires="a14">
+      <mc:AlternateContent xmlns:mc="http://schemas.openxmlformats.org/markup-compatibility/2006" xmlns:a14="http://schemas.microsoft.com/office/drawing/2010/main">
+        <mc:Choice Requires="a14">
           <p:sp>
             <p:nvSpPr>
               <p:cNvPr id="10" name="TextBox 9"/>
@@ -16202,7 +17983,7 @@
             </p:txBody>
           </p:sp>
         </mc:Choice>
-        <mc:Fallback>
+        <mc:Fallback xmlns="">
           <p:sp>
             <p:nvSpPr>
               <p:cNvPr id="10" name="TextBox 9"/>
@@ -16367,7 +18148,7 @@
           <a:graphicData uri="http://schemas.openxmlformats.org/presentationml/2006/ole">
             <mc:AlternateContent xmlns:mc="http://schemas.openxmlformats.org/markup-compatibility/2006">
               <mc:Choice xmlns:v="urn:schemas-microsoft-com:vml" Requires="v">
-                <p:oleObj spid="_x0000_s3107" name="Equation" r:id="rId7" imgW="1143000" imgH="482400" progId="Equation.DSMT4">
+                <p:oleObj spid="_x0000_s3119" name="Equation" r:id="rId7" imgW="1143000" imgH="482400" progId="Equation.DSMT4">
                   <p:embed/>
                 </p:oleObj>
               </mc:Choice>
@@ -16432,7 +18213,7 @@
 </p:sld>
 </file>
 
-<file path=ppt/slides/slide22.xml><?xml version="1.0" encoding="utf-8"?>
+<file path=ppt/slides/slide23.xml><?xml version="1.0" encoding="utf-8"?>
 <p:sld xmlns:a="http://schemas.openxmlformats.org/drawingml/2006/main" xmlns:r="http://schemas.openxmlformats.org/officeDocument/2006/relationships" xmlns:p="http://schemas.openxmlformats.org/presentationml/2006/main">
   <p:cSld>
     <p:spTree>
@@ -17705,6 +19486,2020 @@
 </p:sld>
 </file>
 
+<file path=ppt/slides/slide24.xml><?xml version="1.0" encoding="utf-8"?>
+<p:sld xmlns:a="http://schemas.openxmlformats.org/drawingml/2006/main" xmlns:r="http://schemas.openxmlformats.org/officeDocument/2006/relationships" xmlns:p="http://schemas.openxmlformats.org/presentationml/2006/main">
+  <p:cSld>
+    <p:spTree>
+      <p:nvGrpSpPr>
+        <p:cNvPr id="1" name=""/>
+        <p:cNvGrpSpPr/>
+        <p:nvPr/>
+      </p:nvGrpSpPr>
+      <p:grpSpPr>
+        <a:xfrm>
+          <a:off x="0" y="0"/>
+          <a:ext cx="0" cy="0"/>
+          <a:chOff x="0" y="0"/>
+          <a:chExt cx="0" cy="0"/>
+        </a:xfrm>
+      </p:grpSpPr>
+      <p:sp>
+        <p:nvSpPr>
+          <p:cNvPr id="2" name="Title 1"/>
+          <p:cNvSpPr>
+            <a:spLocks noGrp="1"/>
+          </p:cNvSpPr>
+          <p:nvPr>
+            <p:ph type="title"/>
+          </p:nvPr>
+        </p:nvSpPr>
+        <p:spPr>
+          <a:xfrm>
+            <a:off x="501650" y="123091"/>
+            <a:ext cx="9720072" cy="1499616"/>
+          </a:xfrm>
+        </p:spPr>
+        <p:txBody>
+          <a:bodyPr>
+            <a:normAutofit/>
+          </a:bodyPr>
+          <a:lstStyle/>
+          <a:p>
+            <a:r>
+              <a:rPr lang="el-GR" altLang="en-US" i="1" dirty="0">
+                <a:solidFill>
+                  <a:schemeClr val="accent5"/>
+                </a:solidFill>
+                <a:latin typeface="Georgia" panose="02040502050405020303" pitchFamily="18" charset="0"/>
+                <a:cs typeface="Times New Roman" panose="02020603050405020304" pitchFamily="18" charset="0"/>
+              </a:rPr>
+              <a:t>χ</a:t>
+            </a:r>
+            <a:r>
+              <a:rPr lang="en-US" altLang="en-US" i="1" baseline="30000" dirty="0">
+                <a:solidFill>
+                  <a:schemeClr val="accent5"/>
+                </a:solidFill>
+                <a:latin typeface="Georgia" panose="02040502050405020303" pitchFamily="18" charset="0"/>
+              </a:rPr>
+              <a:t>2</a:t>
+            </a:r>
+            <a:r>
+              <a:rPr lang="en-US" altLang="en-US" i="1" dirty="0">
+                <a:solidFill>
+                  <a:schemeClr val="accent5"/>
+                </a:solidFill>
+                <a:latin typeface="Georgia" panose="02040502050405020303" pitchFamily="18" charset="0"/>
+              </a:rPr>
+              <a:t> </a:t>
+            </a:r>
+            <a:r>
+              <a:rPr lang="en-US" altLang="en-US" dirty="0">
+                <a:solidFill>
+                  <a:schemeClr val="accent5"/>
+                </a:solidFill>
+                <a:latin typeface="Georgia" panose="02040502050405020303" pitchFamily="18" charset="0"/>
+              </a:rPr>
+              <a:t>Test of “Independence”</a:t>
+            </a:r>
+            <a:r>
+              <a:rPr lang="en-US" altLang="en-US" dirty="0">
+                <a:latin typeface="Georgia" panose="02040502050405020303" pitchFamily="18" charset="0"/>
+              </a:rPr>
+              <a:t> – Example</a:t>
+            </a:r>
+            <a:endParaRPr lang="en-US" dirty="0">
+              <a:latin typeface="Georgia" panose="02040502050405020303" pitchFamily="18" charset="0"/>
+            </a:endParaRPr>
+          </a:p>
+        </p:txBody>
+      </p:sp>
+      <p:pic>
+        <p:nvPicPr>
+          <p:cNvPr id="7" name="Picture 5"/>
+          <p:cNvPicPr>
+            <a:picLocks noChangeAspect="1" noChangeArrowheads="1"/>
+          </p:cNvPicPr>
+          <p:nvPr/>
+        </p:nvPicPr>
+        <p:blipFill>
+          <a:blip r:embed="rId2">
+            <a:extLst>
+              <a:ext uri="{28A0092B-C50C-407E-A947-70E740481C1C}">
+                <a14:useLocalDpi xmlns:a14="http://schemas.microsoft.com/office/drawing/2010/main" val="0"/>
+              </a:ext>
+            </a:extLst>
+          </a:blip>
+          <a:srcRect/>
+          <a:stretch>
+            <a:fillRect/>
+          </a:stretch>
+        </p:blipFill>
+        <p:spPr bwMode="auto">
+          <a:xfrm>
+            <a:off x="8223222" y="1450575"/>
+            <a:ext cx="3851552" cy="1081912"/>
+          </a:xfrm>
+          <a:prstGeom prst="rect">
+            <a:avLst/>
+          </a:prstGeom>
+          <a:solidFill>
+            <a:schemeClr val="accent5">
+              <a:lumMod val="20000"/>
+              <a:lumOff val="80000"/>
+            </a:schemeClr>
+          </a:solidFill>
+          <a:ln>
+            <a:noFill/>
+          </a:ln>
+          <a:extLst/>
+        </p:spPr>
+      </p:pic>
+      <p:sp>
+        <p:nvSpPr>
+          <p:cNvPr id="8" name="Rectangle 7">
+            <a:extLst>
+              <a:ext uri="{FF2B5EF4-FFF2-40B4-BE49-F238E27FC236}">
+                <a16:creationId xmlns:a16="http://schemas.microsoft.com/office/drawing/2014/main" id="{34948408-502D-F24B-8CF0-243F235FC60B}"/>
+              </a:ext>
+            </a:extLst>
+          </p:cNvPr>
+          <p:cNvSpPr/>
+          <p:nvPr/>
+        </p:nvSpPr>
+        <p:spPr>
+          <a:xfrm>
+            <a:off x="501650" y="1450575"/>
+            <a:ext cx="7635483" cy="1754326"/>
+          </a:xfrm>
+          <a:prstGeom prst="rect">
+            <a:avLst/>
+          </a:prstGeom>
+          <a:solidFill>
+            <a:schemeClr val="bg1">
+              <a:lumMod val="95000"/>
+            </a:schemeClr>
+          </a:solidFill>
+        </p:spPr>
+        <p:txBody>
+          <a:bodyPr wrap="square">
+            <a:spAutoFit/>
+          </a:bodyPr>
+          <a:lstStyle/>
+          <a:p>
+            <a:r>
+              <a:rPr lang="en-US" dirty="0" err="1">
+                <a:solidFill>
+                  <a:schemeClr val="accent2"/>
+                </a:solidFill>
+                <a:latin typeface="Monaco" pitchFamily="2" charset="77"/>
+              </a:rPr>
+              <a:t>data.frame</a:t>
+            </a:r>
+            <a:r>
+              <a:rPr lang="en-US" dirty="0">
+                <a:latin typeface="Monaco" pitchFamily="2" charset="77"/>
+              </a:rPr>
+              <a:t>(</a:t>
+            </a:r>
+            <a:r>
+              <a:rPr lang="en-US" dirty="0" err="1">
+                <a:latin typeface="Monaco" pitchFamily="2" charset="77"/>
+              </a:rPr>
+              <a:t>violent_yes</a:t>
+            </a:r>
+            <a:r>
+              <a:rPr lang="en-US" dirty="0">
+                <a:latin typeface="Monaco" pitchFamily="2" charset="77"/>
+              </a:rPr>
+              <a:t> = c(</a:t>
+            </a:r>
+            <a:r>
+              <a:rPr lang="en-US" dirty="0">
+                <a:solidFill>
+                  <a:schemeClr val="tx2"/>
+                </a:solidFill>
+                <a:latin typeface="Monaco" pitchFamily="2" charset="77"/>
+              </a:rPr>
+              <a:t>70</a:t>
+            </a:r>
+            <a:r>
+              <a:rPr lang="en-US" dirty="0">
+                <a:latin typeface="Monaco" pitchFamily="2" charset="77"/>
+              </a:rPr>
+              <a:t>, </a:t>
+            </a:r>
+            <a:r>
+              <a:rPr lang="en-US" dirty="0">
+                <a:solidFill>
+                  <a:schemeClr val="tx2"/>
+                </a:solidFill>
+                <a:latin typeface="Monaco" pitchFamily="2" charset="77"/>
+              </a:rPr>
+              <a:t>40</a:t>
+            </a:r>
+            <a:r>
+              <a:rPr lang="en-US" dirty="0">
+                <a:latin typeface="Monaco" pitchFamily="2" charset="77"/>
+              </a:rPr>
+              <a:t>),</a:t>
+            </a:r>
+          </a:p>
+          <a:p>
+            <a:r>
+              <a:rPr lang="en-US" dirty="0">
+                <a:latin typeface="Monaco" pitchFamily="2" charset="77"/>
+              </a:rPr>
+              <a:t>           </a:t>
+            </a:r>
+            <a:r>
+              <a:rPr lang="en-US" dirty="0" err="1">
+                <a:latin typeface="Monaco" pitchFamily="2" charset="77"/>
+              </a:rPr>
+              <a:t>violent_no</a:t>
+            </a:r>
+            <a:r>
+              <a:rPr lang="en-US" dirty="0">
+                <a:latin typeface="Monaco" pitchFamily="2" charset="77"/>
+              </a:rPr>
+              <a:t>  = c(</a:t>
+            </a:r>
+            <a:r>
+              <a:rPr lang="en-US" dirty="0">
+                <a:solidFill>
+                  <a:schemeClr val="tx2"/>
+                </a:solidFill>
+                <a:latin typeface="Monaco" pitchFamily="2" charset="77"/>
+              </a:rPr>
+              <a:t>30</a:t>
+            </a:r>
+            <a:r>
+              <a:rPr lang="en-US" dirty="0">
+                <a:latin typeface="Monaco" pitchFamily="2" charset="77"/>
+              </a:rPr>
+              <a:t>, </a:t>
+            </a:r>
+            <a:r>
+              <a:rPr lang="en-US" dirty="0">
+                <a:solidFill>
+                  <a:schemeClr val="tx2"/>
+                </a:solidFill>
+                <a:latin typeface="Monaco" pitchFamily="2" charset="77"/>
+              </a:rPr>
+              <a:t>60</a:t>
+            </a:r>
+            <a:r>
+              <a:rPr lang="en-US" dirty="0">
+                <a:latin typeface="Monaco" pitchFamily="2" charset="77"/>
+              </a:rPr>
+              <a:t>),</a:t>
+            </a:r>
+          </a:p>
+          <a:p>
+            <a:r>
+              <a:rPr lang="en-US" dirty="0">
+                <a:latin typeface="Monaco" pitchFamily="2" charset="77"/>
+              </a:rPr>
+              <a:t>           </a:t>
+            </a:r>
+            <a:r>
+              <a:rPr lang="en-US" dirty="0" err="1">
+                <a:latin typeface="Monaco" pitchFamily="2" charset="77"/>
+              </a:rPr>
+              <a:t>row.names</a:t>
+            </a:r>
+            <a:r>
+              <a:rPr lang="en-US" dirty="0">
+                <a:latin typeface="Monaco" pitchFamily="2" charset="77"/>
+              </a:rPr>
+              <a:t> = c(</a:t>
+            </a:r>
+            <a:r>
+              <a:rPr lang="en-US" dirty="0">
+                <a:solidFill>
+                  <a:schemeClr val="accent4"/>
+                </a:solidFill>
+                <a:latin typeface="Monaco" pitchFamily="2" charset="77"/>
+              </a:rPr>
+              <a:t>"</a:t>
+            </a:r>
+            <a:r>
+              <a:rPr lang="en-US" dirty="0" err="1">
+                <a:solidFill>
+                  <a:schemeClr val="accent4"/>
+                </a:solidFill>
+                <a:latin typeface="Monaco" pitchFamily="2" charset="77"/>
+              </a:rPr>
+              <a:t>Abuse_Yes</a:t>
+            </a:r>
+            <a:r>
+              <a:rPr lang="en-US" dirty="0">
+                <a:solidFill>
+                  <a:schemeClr val="accent4"/>
+                </a:solidFill>
+                <a:latin typeface="Monaco" pitchFamily="2" charset="77"/>
+              </a:rPr>
+              <a:t>"</a:t>
+            </a:r>
+            <a:r>
+              <a:rPr lang="en-US" dirty="0">
+                <a:latin typeface="Monaco" pitchFamily="2" charset="77"/>
+              </a:rPr>
+              <a:t>, </a:t>
+            </a:r>
+            <a:r>
+              <a:rPr lang="en-US" dirty="0">
+                <a:solidFill>
+                  <a:schemeClr val="accent4"/>
+                </a:solidFill>
+                <a:latin typeface="Monaco" pitchFamily="2" charset="77"/>
+              </a:rPr>
+              <a:t>"</a:t>
+            </a:r>
+            <a:r>
+              <a:rPr lang="en-US" dirty="0" err="1">
+                <a:solidFill>
+                  <a:schemeClr val="accent4"/>
+                </a:solidFill>
+                <a:latin typeface="Monaco" pitchFamily="2" charset="77"/>
+              </a:rPr>
+              <a:t>Abuse_No</a:t>
+            </a:r>
+            <a:r>
+              <a:rPr lang="en-US" dirty="0">
+                <a:solidFill>
+                  <a:schemeClr val="accent4"/>
+                </a:solidFill>
+                <a:latin typeface="Monaco" pitchFamily="2" charset="77"/>
+              </a:rPr>
+              <a:t>"</a:t>
+            </a:r>
+            <a:r>
+              <a:rPr lang="en-US" dirty="0">
+                <a:latin typeface="Monaco" pitchFamily="2" charset="77"/>
+              </a:rPr>
+              <a:t>)) </a:t>
+            </a:r>
+            <a:r>
+              <a:rPr lang="en-US" dirty="0">
+                <a:solidFill>
+                  <a:schemeClr val="accent6"/>
+                </a:solidFill>
+                <a:latin typeface="Monaco" pitchFamily="2" charset="77"/>
+              </a:rPr>
+              <a:t>%&gt;%</a:t>
+            </a:r>
+          </a:p>
+          <a:p>
+            <a:r>
+              <a:rPr lang="en-US" dirty="0">
+                <a:latin typeface="Monaco" pitchFamily="2" charset="77"/>
+              </a:rPr>
+              <a:t>  </a:t>
+            </a:r>
+            <a:r>
+              <a:rPr lang="en-US" dirty="0" err="1">
+                <a:solidFill>
+                  <a:schemeClr val="accent2"/>
+                </a:solidFill>
+                <a:latin typeface="Monaco" pitchFamily="2" charset="77"/>
+              </a:rPr>
+              <a:t>as.matrix</a:t>
+            </a:r>
+            <a:r>
+              <a:rPr lang="en-US" dirty="0">
+                <a:latin typeface="Monaco" pitchFamily="2" charset="77"/>
+              </a:rPr>
+              <a:t>() </a:t>
+            </a:r>
+            <a:r>
+              <a:rPr lang="en-US" dirty="0">
+                <a:solidFill>
+                  <a:schemeClr val="accent6"/>
+                </a:solidFill>
+                <a:latin typeface="Monaco" pitchFamily="2" charset="77"/>
+              </a:rPr>
+              <a:t>%&gt;%</a:t>
+            </a:r>
+          </a:p>
+          <a:p>
+            <a:r>
+              <a:rPr lang="en-US" dirty="0">
+                <a:latin typeface="Monaco" pitchFamily="2" charset="77"/>
+              </a:rPr>
+              <a:t>  </a:t>
+            </a:r>
+            <a:r>
+              <a:rPr lang="en-US" dirty="0" err="1">
+                <a:solidFill>
+                  <a:schemeClr val="accent2"/>
+                </a:solidFill>
+                <a:latin typeface="Monaco" pitchFamily="2" charset="77"/>
+              </a:rPr>
+              <a:t>as.table</a:t>
+            </a:r>
+            <a:r>
+              <a:rPr lang="en-US" dirty="0">
+                <a:latin typeface="Monaco" pitchFamily="2" charset="77"/>
+              </a:rPr>
+              <a:t>() </a:t>
+            </a:r>
+            <a:r>
+              <a:rPr lang="en-US" dirty="0">
+                <a:solidFill>
+                  <a:schemeClr val="accent6"/>
+                </a:solidFill>
+                <a:latin typeface="Monaco" pitchFamily="2" charset="77"/>
+              </a:rPr>
+              <a:t>%&gt;%</a:t>
+            </a:r>
+          </a:p>
+          <a:p>
+            <a:r>
+              <a:rPr lang="en-US" dirty="0">
+                <a:latin typeface="Monaco" pitchFamily="2" charset="77"/>
+              </a:rPr>
+              <a:t>  </a:t>
+            </a:r>
+            <a:r>
+              <a:rPr lang="en-US" dirty="0" err="1">
+                <a:solidFill>
+                  <a:schemeClr val="accent2"/>
+                </a:solidFill>
+                <a:latin typeface="Monaco" pitchFamily="2" charset="77"/>
+              </a:rPr>
+              <a:t>chisq.test</a:t>
+            </a:r>
+            <a:r>
+              <a:rPr lang="en-US" dirty="0">
+                <a:latin typeface="Monaco" pitchFamily="2" charset="77"/>
+              </a:rPr>
+              <a:t>(correct = </a:t>
+            </a:r>
+            <a:r>
+              <a:rPr lang="en-US" dirty="0">
+                <a:solidFill>
+                  <a:schemeClr val="accent3"/>
+                </a:solidFill>
+                <a:latin typeface="Monaco" pitchFamily="2" charset="77"/>
+              </a:rPr>
+              <a:t>FALSE</a:t>
+            </a:r>
+            <a:r>
+              <a:rPr lang="en-US" dirty="0">
+                <a:latin typeface="Monaco" pitchFamily="2" charset="77"/>
+              </a:rPr>
+              <a:t>)</a:t>
+            </a:r>
+          </a:p>
+        </p:txBody>
+      </p:sp>
+      <p:grpSp>
+        <p:nvGrpSpPr>
+          <p:cNvPr id="16" name="Group 15">
+            <a:extLst>
+              <a:ext uri="{FF2B5EF4-FFF2-40B4-BE49-F238E27FC236}">
+                <a16:creationId xmlns:a16="http://schemas.microsoft.com/office/drawing/2014/main" id="{2CEA7686-F015-3742-8E2F-004EFEC702EA}"/>
+              </a:ext>
+            </a:extLst>
+          </p:cNvPr>
+          <p:cNvGrpSpPr/>
+          <p:nvPr/>
+        </p:nvGrpSpPr>
+        <p:grpSpPr>
+          <a:xfrm>
+            <a:off x="5774076" y="2327738"/>
+            <a:ext cx="6123398" cy="1993898"/>
+            <a:chOff x="5774076" y="2327738"/>
+            <a:chExt cx="6123398" cy="1993898"/>
+          </a:xfrm>
+        </p:grpSpPr>
+        <p:sp>
+          <p:nvSpPr>
+            <p:cNvPr id="9" name="Rectangle 8">
+              <a:extLst>
+                <a:ext uri="{FF2B5EF4-FFF2-40B4-BE49-F238E27FC236}">
+                  <a16:creationId xmlns:a16="http://schemas.microsoft.com/office/drawing/2014/main" id="{4C53E694-95D0-E647-891C-05C15645CCED}"/>
+                </a:ext>
+              </a:extLst>
+            </p:cNvPr>
+            <p:cNvSpPr/>
+            <p:nvPr/>
+          </p:nvSpPr>
+          <p:spPr>
+            <a:xfrm>
+              <a:off x="7096018" y="3398306"/>
+              <a:ext cx="4801456" cy="923330"/>
+            </a:xfrm>
+            <a:prstGeom prst="rect">
+              <a:avLst/>
+            </a:prstGeom>
+            <a:solidFill>
+              <a:schemeClr val="tx2"/>
+            </a:solidFill>
+          </p:spPr>
+          <p:txBody>
+            <a:bodyPr wrap="square">
+              <a:spAutoFit/>
+            </a:bodyPr>
+            <a:lstStyle/>
+            <a:p>
+              <a:r>
+                <a:rPr lang="en-US" dirty="0">
+                  <a:solidFill>
+                    <a:schemeClr val="bg1">
+                      <a:lumMod val="95000"/>
+                    </a:schemeClr>
+                  </a:solidFill>
+                  <a:latin typeface="Monaco" pitchFamily="2" charset="77"/>
+                </a:rPr>
+                <a:t>          </a:t>
+              </a:r>
+              <a:r>
+                <a:rPr lang="en-US" dirty="0" err="1">
+                  <a:solidFill>
+                    <a:schemeClr val="bg1">
+                      <a:lumMod val="95000"/>
+                    </a:schemeClr>
+                  </a:solidFill>
+                  <a:latin typeface="Monaco" pitchFamily="2" charset="77"/>
+                </a:rPr>
+                <a:t>violent_yes</a:t>
+              </a:r>
+              <a:r>
+                <a:rPr lang="en-US" dirty="0">
+                  <a:solidFill>
+                    <a:schemeClr val="bg1">
+                      <a:lumMod val="95000"/>
+                    </a:schemeClr>
+                  </a:solidFill>
+                  <a:latin typeface="Monaco" pitchFamily="2" charset="77"/>
+                </a:rPr>
+                <a:t> </a:t>
+              </a:r>
+              <a:r>
+                <a:rPr lang="en-US" dirty="0" err="1">
+                  <a:solidFill>
+                    <a:schemeClr val="bg1">
+                      <a:lumMod val="95000"/>
+                    </a:schemeClr>
+                  </a:solidFill>
+                  <a:latin typeface="Monaco" pitchFamily="2" charset="77"/>
+                </a:rPr>
+                <a:t>violent_no</a:t>
+              </a:r>
+              <a:endParaRPr lang="en-US" dirty="0">
+                <a:solidFill>
+                  <a:schemeClr val="bg1">
+                    <a:lumMod val="95000"/>
+                  </a:schemeClr>
+                </a:solidFill>
+                <a:latin typeface="Monaco" pitchFamily="2" charset="77"/>
+              </a:endParaRPr>
+            </a:p>
+            <a:p>
+              <a:r>
+                <a:rPr lang="en-US" dirty="0" err="1">
+                  <a:solidFill>
+                    <a:schemeClr val="bg1">
+                      <a:lumMod val="95000"/>
+                    </a:schemeClr>
+                  </a:solidFill>
+                  <a:latin typeface="Monaco" pitchFamily="2" charset="77"/>
+                </a:rPr>
+                <a:t>Abuse_Yes</a:t>
+              </a:r>
+              <a:r>
+                <a:rPr lang="en-US" dirty="0">
+                  <a:solidFill>
+                    <a:schemeClr val="bg1">
+                      <a:lumMod val="95000"/>
+                    </a:schemeClr>
+                  </a:solidFill>
+                  <a:latin typeface="Monaco" pitchFamily="2" charset="77"/>
+                </a:rPr>
+                <a:t>          70         30</a:t>
+              </a:r>
+            </a:p>
+            <a:p>
+              <a:r>
+                <a:rPr lang="en-US" dirty="0" err="1">
+                  <a:solidFill>
+                    <a:schemeClr val="bg1">
+                      <a:lumMod val="95000"/>
+                    </a:schemeClr>
+                  </a:solidFill>
+                  <a:latin typeface="Monaco" pitchFamily="2" charset="77"/>
+                </a:rPr>
+                <a:t>Abuse_No</a:t>
+              </a:r>
+              <a:r>
+                <a:rPr lang="en-US" dirty="0">
+                  <a:solidFill>
+                    <a:schemeClr val="bg1">
+                      <a:lumMod val="95000"/>
+                    </a:schemeClr>
+                  </a:solidFill>
+                  <a:latin typeface="Monaco" pitchFamily="2" charset="77"/>
+                </a:rPr>
+                <a:t>           40         60</a:t>
+              </a:r>
+            </a:p>
+          </p:txBody>
+        </p:sp>
+        <p:cxnSp>
+          <p:nvCxnSpPr>
+            <p:cNvPr id="11" name="Straight Arrow Connector 10">
+              <a:extLst>
+                <a:ext uri="{FF2B5EF4-FFF2-40B4-BE49-F238E27FC236}">
+                  <a16:creationId xmlns:a16="http://schemas.microsoft.com/office/drawing/2014/main" id="{C1448A19-FDAA-6741-BA6C-59DBC134B461}"/>
+                </a:ext>
+              </a:extLst>
+            </p:cNvPr>
+            <p:cNvCxnSpPr>
+              <a:cxnSpLocks/>
+            </p:cNvCxnSpPr>
+            <p:nvPr/>
+          </p:nvCxnSpPr>
+          <p:spPr>
+            <a:xfrm>
+              <a:off x="5774076" y="2327738"/>
+              <a:ext cx="2449146" cy="1206572"/>
+            </a:xfrm>
+            <a:prstGeom prst="straightConnector1">
+              <a:avLst/>
+            </a:prstGeom>
+            <a:ln>
+              <a:solidFill>
+                <a:schemeClr val="accent5"/>
+              </a:solidFill>
+              <a:tailEnd type="triangle"/>
+            </a:ln>
+          </p:spPr>
+          <p:style>
+            <a:lnRef idx="1">
+              <a:schemeClr val="accent1"/>
+            </a:lnRef>
+            <a:fillRef idx="0">
+              <a:schemeClr val="accent1"/>
+            </a:fillRef>
+            <a:effectRef idx="0">
+              <a:schemeClr val="accent1"/>
+            </a:effectRef>
+            <a:fontRef idx="minor">
+              <a:schemeClr val="tx1"/>
+            </a:fontRef>
+          </p:style>
+        </p:cxnSp>
+      </p:grpSp>
+      <p:grpSp>
+        <p:nvGrpSpPr>
+          <p:cNvPr id="17" name="Group 16">
+            <a:extLst>
+              <a:ext uri="{FF2B5EF4-FFF2-40B4-BE49-F238E27FC236}">
+                <a16:creationId xmlns:a16="http://schemas.microsoft.com/office/drawing/2014/main" id="{ED970748-E583-EF4A-A048-CA5D97165B32}"/>
+              </a:ext>
+            </a:extLst>
+          </p:cNvPr>
+          <p:cNvGrpSpPr/>
+          <p:nvPr/>
+        </p:nvGrpSpPr>
+        <p:grpSpPr>
+          <a:xfrm>
+            <a:off x="501650" y="3194463"/>
+            <a:ext cx="6928207" cy="2486300"/>
+            <a:chOff x="501650" y="3194463"/>
+            <a:chExt cx="6928207" cy="2486300"/>
+          </a:xfrm>
+        </p:grpSpPr>
+        <p:sp>
+          <p:nvSpPr>
+            <p:cNvPr id="13" name="Rectangle 12">
+              <a:extLst>
+                <a:ext uri="{FF2B5EF4-FFF2-40B4-BE49-F238E27FC236}">
+                  <a16:creationId xmlns:a16="http://schemas.microsoft.com/office/drawing/2014/main" id="{DACC95AF-85C6-F24A-82BD-C951736C6248}"/>
+                </a:ext>
+              </a:extLst>
+            </p:cNvPr>
+            <p:cNvSpPr/>
+            <p:nvPr/>
+          </p:nvSpPr>
+          <p:spPr>
+            <a:xfrm>
+              <a:off x="501650" y="4480434"/>
+              <a:ext cx="6928207" cy="1200329"/>
+            </a:xfrm>
+            <a:prstGeom prst="rect">
+              <a:avLst/>
+            </a:prstGeom>
+            <a:solidFill>
+              <a:schemeClr val="tx2"/>
+            </a:solidFill>
+          </p:spPr>
+          <p:txBody>
+            <a:bodyPr wrap="square">
+              <a:spAutoFit/>
+            </a:bodyPr>
+            <a:lstStyle/>
+            <a:p>
+              <a:r>
+                <a:rPr lang="en-US" dirty="0">
+                  <a:solidFill>
+                    <a:schemeClr val="bg1">
+                      <a:lumMod val="95000"/>
+                    </a:schemeClr>
+                  </a:solidFill>
+                  <a:latin typeface="Monaco" pitchFamily="2" charset="77"/>
+                </a:rPr>
+                <a:t>	Pearson's Chi-squared test</a:t>
+              </a:r>
+            </a:p>
+            <a:p>
+              <a:endParaRPr lang="en-US" dirty="0">
+                <a:solidFill>
+                  <a:schemeClr val="bg1">
+                    <a:lumMod val="95000"/>
+                  </a:schemeClr>
+                </a:solidFill>
+                <a:latin typeface="Monaco" pitchFamily="2" charset="77"/>
+              </a:endParaRPr>
+            </a:p>
+            <a:p>
+              <a:r>
+                <a:rPr lang="en-US" dirty="0">
+                  <a:solidFill>
+                    <a:schemeClr val="bg1">
+                      <a:lumMod val="95000"/>
+                    </a:schemeClr>
+                  </a:solidFill>
+                  <a:latin typeface="Monaco" pitchFamily="2" charset="77"/>
+                </a:rPr>
+                <a:t>data:  .</a:t>
+              </a:r>
+            </a:p>
+            <a:p>
+              <a:r>
+                <a:rPr lang="en-US" dirty="0">
+                  <a:solidFill>
+                    <a:schemeClr val="bg1">
+                      <a:lumMod val="95000"/>
+                    </a:schemeClr>
+                  </a:solidFill>
+                  <a:latin typeface="Monaco" pitchFamily="2" charset="77"/>
+                </a:rPr>
+                <a:t>X-squared = 18.182, </a:t>
+              </a:r>
+              <a:r>
+                <a:rPr lang="en-US" dirty="0" err="1">
+                  <a:solidFill>
+                    <a:schemeClr val="bg1">
+                      <a:lumMod val="95000"/>
+                    </a:schemeClr>
+                  </a:solidFill>
+                  <a:latin typeface="Monaco" pitchFamily="2" charset="77"/>
+                </a:rPr>
+                <a:t>df</a:t>
+              </a:r>
+              <a:r>
+                <a:rPr lang="en-US" dirty="0">
+                  <a:solidFill>
+                    <a:schemeClr val="bg1">
+                      <a:lumMod val="95000"/>
+                    </a:schemeClr>
+                  </a:solidFill>
+                  <a:latin typeface="Monaco" pitchFamily="2" charset="77"/>
+                </a:rPr>
+                <a:t> = 1, p-value = 2.008e-05</a:t>
+              </a:r>
+            </a:p>
+          </p:txBody>
+        </p:sp>
+        <p:cxnSp>
+          <p:nvCxnSpPr>
+            <p:cNvPr id="14" name="Straight Arrow Connector 13">
+              <a:extLst>
+                <a:ext uri="{FF2B5EF4-FFF2-40B4-BE49-F238E27FC236}">
+                  <a16:creationId xmlns:a16="http://schemas.microsoft.com/office/drawing/2014/main" id="{6DE9B948-01BD-E042-9BBA-29F2116AD776}"/>
+                </a:ext>
+              </a:extLst>
+            </p:cNvPr>
+            <p:cNvCxnSpPr>
+              <a:cxnSpLocks/>
+            </p:cNvCxnSpPr>
+            <p:nvPr/>
+          </p:nvCxnSpPr>
+          <p:spPr>
+            <a:xfrm>
+              <a:off x="1870245" y="3194463"/>
+              <a:ext cx="348973" cy="1285971"/>
+            </a:xfrm>
+            <a:prstGeom prst="straightConnector1">
+              <a:avLst/>
+            </a:prstGeom>
+            <a:ln>
+              <a:solidFill>
+                <a:schemeClr val="accent5"/>
+              </a:solidFill>
+              <a:tailEnd type="triangle"/>
+            </a:ln>
+          </p:spPr>
+          <p:style>
+            <a:lnRef idx="1">
+              <a:schemeClr val="accent1"/>
+            </a:lnRef>
+            <a:fillRef idx="0">
+              <a:schemeClr val="accent1"/>
+            </a:fillRef>
+            <a:effectRef idx="0">
+              <a:schemeClr val="accent1"/>
+            </a:effectRef>
+            <a:fontRef idx="minor">
+              <a:schemeClr val="tx1"/>
+            </a:fontRef>
+          </p:style>
+        </p:cxnSp>
+      </p:grpSp>
+    </p:spTree>
+    <p:extLst>
+      <p:ext uri="{BB962C8B-B14F-4D97-AF65-F5344CB8AC3E}">
+        <p14:creationId xmlns:p14="http://schemas.microsoft.com/office/powerpoint/2010/main" val="3817152921"/>
+      </p:ext>
+    </p:extLst>
+  </p:cSld>
+  <p:clrMapOvr>
+    <a:masterClrMapping/>
+  </p:clrMapOvr>
+  <p:timing>
+    <p:tnLst>
+      <p:par>
+        <p:cTn id="1" dur="indefinite" restart="never" nodeType="tmRoot">
+          <p:childTnLst>
+            <p:seq concurrent="1" nextAc="seek">
+              <p:cTn id="2" dur="indefinite" nodeType="mainSeq">
+                <p:childTnLst>
+                  <p:par>
+                    <p:cTn id="3" fill="hold">
+                      <p:stCondLst>
+                        <p:cond delay="indefinite"/>
+                      </p:stCondLst>
+                      <p:childTnLst>
+                        <p:par>
+                          <p:cTn id="4" fill="hold">
+                            <p:stCondLst>
+                              <p:cond delay="0"/>
+                            </p:stCondLst>
+                            <p:childTnLst>
+                              <p:par>
+                                <p:cTn id="5" presetID="10" presetClass="entr" presetSubtype="0" fill="hold" nodeType="clickEffect">
+                                  <p:stCondLst>
+                                    <p:cond delay="0"/>
+                                  </p:stCondLst>
+                                  <p:childTnLst>
+                                    <p:set>
+                                      <p:cBhvr>
+                                        <p:cTn id="6" dur="1" fill="hold">
+                                          <p:stCondLst>
+                                            <p:cond delay="0"/>
+                                          </p:stCondLst>
+                                        </p:cTn>
+                                        <p:tgtEl>
+                                          <p:spTgt spid="16"/>
+                                        </p:tgtEl>
+                                        <p:attrNameLst>
+                                          <p:attrName>style.visibility</p:attrName>
+                                        </p:attrNameLst>
+                                      </p:cBhvr>
+                                      <p:to>
+                                        <p:strVal val="visible"/>
+                                      </p:to>
+                                    </p:set>
+                                    <p:animEffect transition="in" filter="fade">
+                                      <p:cBhvr>
+                                        <p:cTn id="7" dur="500"/>
+                                        <p:tgtEl>
+                                          <p:spTgt spid="16"/>
+                                        </p:tgtEl>
+                                      </p:cBhvr>
+                                    </p:animEffect>
+                                  </p:childTnLst>
+                                </p:cTn>
+                              </p:par>
+                            </p:childTnLst>
+                          </p:cTn>
+                        </p:par>
+                      </p:childTnLst>
+                    </p:cTn>
+                  </p:par>
+                  <p:par>
+                    <p:cTn id="8" fill="hold">
+                      <p:stCondLst>
+                        <p:cond delay="indefinite"/>
+                      </p:stCondLst>
+                      <p:childTnLst>
+                        <p:par>
+                          <p:cTn id="9" fill="hold">
+                            <p:stCondLst>
+                              <p:cond delay="0"/>
+                            </p:stCondLst>
+                            <p:childTnLst>
+                              <p:par>
+                                <p:cTn id="10" presetID="10" presetClass="entr" presetSubtype="0" fill="hold" nodeType="clickEffect">
+                                  <p:stCondLst>
+                                    <p:cond delay="0"/>
+                                  </p:stCondLst>
+                                  <p:childTnLst>
+                                    <p:set>
+                                      <p:cBhvr>
+                                        <p:cTn id="11" dur="1" fill="hold">
+                                          <p:stCondLst>
+                                            <p:cond delay="0"/>
+                                          </p:stCondLst>
+                                        </p:cTn>
+                                        <p:tgtEl>
+                                          <p:spTgt spid="17"/>
+                                        </p:tgtEl>
+                                        <p:attrNameLst>
+                                          <p:attrName>style.visibility</p:attrName>
+                                        </p:attrNameLst>
+                                      </p:cBhvr>
+                                      <p:to>
+                                        <p:strVal val="visible"/>
+                                      </p:to>
+                                    </p:set>
+                                    <p:animEffect transition="in" filter="fade">
+                                      <p:cBhvr>
+                                        <p:cTn id="12" dur="500"/>
+                                        <p:tgtEl>
+                                          <p:spTgt spid="17"/>
+                                        </p:tgtEl>
+                                      </p:cBhvr>
+                                    </p:animEffect>
+                                  </p:childTnLst>
+                                </p:cTn>
+                              </p:par>
+                            </p:childTnLst>
+                          </p:cTn>
+                        </p:par>
+                      </p:childTnLst>
+                    </p:cTn>
+                  </p:par>
+                </p:childTnLst>
+              </p:cTn>
+              <p:prevCondLst>
+                <p:cond evt="onPrev" delay="0">
+                  <p:tgtEl>
+                    <p:sldTgt/>
+                  </p:tgtEl>
+                </p:cond>
+              </p:prevCondLst>
+              <p:nextCondLst>
+                <p:cond evt="onNext" delay="0">
+                  <p:tgtEl>
+                    <p:sldTgt/>
+                  </p:tgtEl>
+                </p:cond>
+              </p:nextCondLst>
+            </p:seq>
+          </p:childTnLst>
+        </p:cTn>
+      </p:par>
+    </p:tnLst>
+  </p:timing>
+</p:sld>
+</file>
+
+<file path=ppt/slides/slide25.xml><?xml version="1.0" encoding="utf-8"?>
+<p:sld xmlns:a="http://schemas.openxmlformats.org/drawingml/2006/main" xmlns:r="http://schemas.openxmlformats.org/officeDocument/2006/relationships" xmlns:p="http://schemas.openxmlformats.org/presentationml/2006/main">
+  <p:cSld>
+    <p:spTree>
+      <p:nvGrpSpPr>
+        <p:cNvPr id="1" name=""/>
+        <p:cNvGrpSpPr/>
+        <p:nvPr/>
+      </p:nvGrpSpPr>
+      <p:grpSpPr>
+        <a:xfrm>
+          <a:off x="0" y="0"/>
+          <a:ext cx="0" cy="0"/>
+          <a:chOff x="0" y="0"/>
+          <a:chExt cx="0" cy="0"/>
+        </a:xfrm>
+      </p:grpSpPr>
+      <p:sp>
+        <p:nvSpPr>
+          <p:cNvPr id="2" name="Title 1"/>
+          <p:cNvSpPr>
+            <a:spLocks noGrp="1"/>
+          </p:cNvSpPr>
+          <p:nvPr>
+            <p:ph type="title"/>
+          </p:nvPr>
+        </p:nvSpPr>
+        <p:spPr>
+          <a:xfrm>
+            <a:off x="501650" y="123091"/>
+            <a:ext cx="11149244" cy="1499616"/>
+          </a:xfrm>
+        </p:spPr>
+        <p:txBody>
+          <a:bodyPr>
+            <a:normAutofit/>
+          </a:bodyPr>
+          <a:lstStyle/>
+          <a:p>
+            <a:r>
+              <a:rPr lang="el-GR" altLang="en-US" i="1" dirty="0">
+                <a:solidFill>
+                  <a:schemeClr val="accent5"/>
+                </a:solidFill>
+                <a:latin typeface="Georgia" panose="02040502050405020303" pitchFamily="18" charset="0"/>
+                <a:cs typeface="Times New Roman" panose="02020603050405020304" pitchFamily="18" charset="0"/>
+              </a:rPr>
+              <a:t>χ</a:t>
+            </a:r>
+            <a:r>
+              <a:rPr lang="en-US" altLang="en-US" i="1" baseline="30000" dirty="0">
+                <a:solidFill>
+                  <a:schemeClr val="accent5"/>
+                </a:solidFill>
+                <a:latin typeface="Georgia" panose="02040502050405020303" pitchFamily="18" charset="0"/>
+              </a:rPr>
+              <a:t>2</a:t>
+            </a:r>
+            <a:r>
+              <a:rPr lang="en-US" altLang="en-US" i="1" dirty="0">
+                <a:solidFill>
+                  <a:schemeClr val="accent5"/>
+                </a:solidFill>
+                <a:latin typeface="Georgia" panose="02040502050405020303" pitchFamily="18" charset="0"/>
+              </a:rPr>
+              <a:t> </a:t>
+            </a:r>
+            <a:r>
+              <a:rPr lang="en-US" altLang="en-US" dirty="0">
+                <a:solidFill>
+                  <a:schemeClr val="accent5"/>
+                </a:solidFill>
+                <a:latin typeface="Georgia" panose="02040502050405020303" pitchFamily="18" charset="0"/>
+              </a:rPr>
+              <a:t>Test of “Independence”</a:t>
+            </a:r>
+            <a:r>
+              <a:rPr lang="en-US" altLang="en-US" dirty="0">
+                <a:latin typeface="Georgia" panose="02040502050405020303" pitchFamily="18" charset="0"/>
+              </a:rPr>
+              <a:t> – Example with Raw Data</a:t>
+            </a:r>
+            <a:endParaRPr lang="en-US" dirty="0">
+              <a:latin typeface="Georgia" panose="02040502050405020303" pitchFamily="18" charset="0"/>
+            </a:endParaRPr>
+          </a:p>
+        </p:txBody>
+      </p:sp>
+      <p:pic>
+        <p:nvPicPr>
+          <p:cNvPr id="7" name="Picture 5"/>
+          <p:cNvPicPr>
+            <a:picLocks noChangeAspect="1" noChangeArrowheads="1"/>
+          </p:cNvPicPr>
+          <p:nvPr/>
+        </p:nvPicPr>
+        <p:blipFill>
+          <a:blip r:embed="rId2">
+            <a:extLst>
+              <a:ext uri="{28A0092B-C50C-407E-A947-70E740481C1C}">
+                <a14:useLocalDpi xmlns:a14="http://schemas.microsoft.com/office/drawing/2010/main" val="0"/>
+              </a:ext>
+            </a:extLst>
+          </a:blip>
+          <a:srcRect/>
+          <a:stretch>
+            <a:fillRect/>
+          </a:stretch>
+        </p:blipFill>
+        <p:spPr bwMode="auto">
+          <a:xfrm>
+            <a:off x="8230856" y="1238996"/>
+            <a:ext cx="3851552" cy="1081912"/>
+          </a:xfrm>
+          <a:prstGeom prst="rect">
+            <a:avLst/>
+          </a:prstGeom>
+          <a:solidFill>
+            <a:schemeClr val="accent5">
+              <a:lumMod val="20000"/>
+              <a:lumOff val="80000"/>
+            </a:schemeClr>
+          </a:solidFill>
+          <a:ln>
+            <a:noFill/>
+          </a:ln>
+          <a:extLst/>
+        </p:spPr>
+      </p:pic>
+      <p:sp>
+        <p:nvSpPr>
+          <p:cNvPr id="8" name="Rectangle 7">
+            <a:extLst>
+              <a:ext uri="{FF2B5EF4-FFF2-40B4-BE49-F238E27FC236}">
+                <a16:creationId xmlns:a16="http://schemas.microsoft.com/office/drawing/2014/main" id="{30BD3426-2F62-4C48-A896-455CB0DB1C14}"/>
+              </a:ext>
+            </a:extLst>
+          </p:cNvPr>
+          <p:cNvSpPr/>
+          <p:nvPr/>
+        </p:nvSpPr>
+        <p:spPr>
+          <a:xfrm>
+            <a:off x="501650" y="1779952"/>
+            <a:ext cx="7635483" cy="923330"/>
+          </a:xfrm>
+          <a:prstGeom prst="rect">
+            <a:avLst/>
+          </a:prstGeom>
+          <a:solidFill>
+            <a:schemeClr val="bg1">
+              <a:lumMod val="95000"/>
+            </a:schemeClr>
+          </a:solidFill>
+        </p:spPr>
+        <p:txBody>
+          <a:bodyPr wrap="square">
+            <a:spAutoFit/>
+          </a:bodyPr>
+          <a:lstStyle/>
+          <a:p>
+            <a:r>
+              <a:rPr lang="en-US" dirty="0">
+                <a:solidFill>
+                  <a:schemeClr val="accent2"/>
+                </a:solidFill>
+                <a:latin typeface="Monaco" pitchFamily="2" charset="77"/>
+              </a:rPr>
+              <a:t>data </a:t>
+            </a:r>
+            <a:r>
+              <a:rPr lang="en-US" dirty="0">
+                <a:solidFill>
+                  <a:schemeClr val="accent6"/>
+                </a:solidFill>
+                <a:latin typeface="Monaco" pitchFamily="2" charset="77"/>
+              </a:rPr>
+              <a:t>%&gt;%</a:t>
+            </a:r>
+          </a:p>
+          <a:p>
+            <a:r>
+              <a:rPr lang="en-US" dirty="0">
+                <a:latin typeface="Monaco" pitchFamily="2" charset="77"/>
+              </a:rPr>
+              <a:t>  </a:t>
+            </a:r>
+            <a:r>
+              <a:rPr lang="en-US" dirty="0">
+                <a:solidFill>
+                  <a:schemeClr val="accent2"/>
+                </a:solidFill>
+                <a:latin typeface="Monaco" pitchFamily="2" charset="77"/>
+              </a:rPr>
+              <a:t>table</a:t>
+            </a:r>
+            <a:r>
+              <a:rPr lang="en-US" dirty="0">
+                <a:latin typeface="Monaco" pitchFamily="2" charset="77"/>
+              </a:rPr>
+              <a:t>() </a:t>
+            </a:r>
+            <a:r>
+              <a:rPr lang="en-US" dirty="0">
+                <a:solidFill>
+                  <a:schemeClr val="accent6"/>
+                </a:solidFill>
+                <a:latin typeface="Monaco" pitchFamily="2" charset="77"/>
+              </a:rPr>
+              <a:t>%&gt;%</a:t>
+            </a:r>
+          </a:p>
+          <a:p>
+            <a:r>
+              <a:rPr lang="en-US" dirty="0">
+                <a:latin typeface="Monaco" pitchFamily="2" charset="77"/>
+              </a:rPr>
+              <a:t>  </a:t>
+            </a:r>
+            <a:r>
+              <a:rPr lang="en-US" dirty="0" err="1">
+                <a:solidFill>
+                  <a:schemeClr val="accent2"/>
+                </a:solidFill>
+                <a:latin typeface="Monaco" pitchFamily="2" charset="77"/>
+              </a:rPr>
+              <a:t>chisq.test</a:t>
+            </a:r>
+            <a:r>
+              <a:rPr lang="en-US" dirty="0">
+                <a:latin typeface="Monaco" pitchFamily="2" charset="77"/>
+              </a:rPr>
+              <a:t>(correct = </a:t>
+            </a:r>
+            <a:r>
+              <a:rPr lang="en-US" dirty="0">
+                <a:solidFill>
+                  <a:schemeClr val="accent3"/>
+                </a:solidFill>
+                <a:latin typeface="Monaco" pitchFamily="2" charset="77"/>
+              </a:rPr>
+              <a:t>FALSE</a:t>
+            </a:r>
+            <a:r>
+              <a:rPr lang="en-US" dirty="0">
+                <a:latin typeface="Monaco" pitchFamily="2" charset="77"/>
+              </a:rPr>
+              <a:t>)</a:t>
+            </a:r>
+          </a:p>
+        </p:txBody>
+      </p:sp>
+      <p:grpSp>
+        <p:nvGrpSpPr>
+          <p:cNvPr id="24" name="Group 23">
+            <a:extLst>
+              <a:ext uri="{FF2B5EF4-FFF2-40B4-BE49-F238E27FC236}">
+                <a16:creationId xmlns:a16="http://schemas.microsoft.com/office/drawing/2014/main" id="{C7B37144-4D8B-184A-99AA-A1B6712BEF61}"/>
+              </a:ext>
+            </a:extLst>
+          </p:cNvPr>
+          <p:cNvGrpSpPr/>
+          <p:nvPr/>
+        </p:nvGrpSpPr>
+        <p:grpSpPr>
+          <a:xfrm>
+            <a:off x="501650" y="2703282"/>
+            <a:ext cx="6928207" cy="3896081"/>
+            <a:chOff x="501650" y="2703282"/>
+            <a:chExt cx="6928207" cy="3896081"/>
+          </a:xfrm>
+        </p:grpSpPr>
+        <p:sp>
+          <p:nvSpPr>
+            <p:cNvPr id="10" name="Rectangle 9">
+              <a:extLst>
+                <a:ext uri="{FF2B5EF4-FFF2-40B4-BE49-F238E27FC236}">
+                  <a16:creationId xmlns:a16="http://schemas.microsoft.com/office/drawing/2014/main" id="{E5A6693A-AC23-684B-A64B-BB7FD82F05A0}"/>
+                </a:ext>
+              </a:extLst>
+            </p:cNvPr>
+            <p:cNvSpPr/>
+            <p:nvPr/>
+          </p:nvSpPr>
+          <p:spPr>
+            <a:xfrm>
+              <a:off x="501650" y="5399034"/>
+              <a:ext cx="6928207" cy="1200329"/>
+            </a:xfrm>
+            <a:prstGeom prst="rect">
+              <a:avLst/>
+            </a:prstGeom>
+            <a:solidFill>
+              <a:schemeClr val="tx2"/>
+            </a:solidFill>
+          </p:spPr>
+          <p:txBody>
+            <a:bodyPr wrap="square">
+              <a:spAutoFit/>
+            </a:bodyPr>
+            <a:lstStyle/>
+            <a:p>
+              <a:r>
+                <a:rPr lang="en-US" dirty="0">
+                  <a:solidFill>
+                    <a:schemeClr val="bg1">
+                      <a:lumMod val="95000"/>
+                    </a:schemeClr>
+                  </a:solidFill>
+                  <a:latin typeface="Monaco" pitchFamily="2" charset="77"/>
+                </a:rPr>
+                <a:t>	Pearson's Chi-squared test</a:t>
+              </a:r>
+            </a:p>
+            <a:p>
+              <a:endParaRPr lang="en-US" dirty="0">
+                <a:solidFill>
+                  <a:schemeClr val="bg1">
+                    <a:lumMod val="95000"/>
+                  </a:schemeClr>
+                </a:solidFill>
+                <a:latin typeface="Monaco" pitchFamily="2" charset="77"/>
+              </a:endParaRPr>
+            </a:p>
+            <a:p>
+              <a:r>
+                <a:rPr lang="en-US" dirty="0">
+                  <a:solidFill>
+                    <a:schemeClr val="bg1">
+                      <a:lumMod val="95000"/>
+                    </a:schemeClr>
+                  </a:solidFill>
+                  <a:latin typeface="Monaco" pitchFamily="2" charset="77"/>
+                </a:rPr>
+                <a:t>data:  .</a:t>
+              </a:r>
+            </a:p>
+            <a:p>
+              <a:r>
+                <a:rPr lang="en-US" dirty="0">
+                  <a:solidFill>
+                    <a:schemeClr val="bg1">
+                      <a:lumMod val="95000"/>
+                    </a:schemeClr>
+                  </a:solidFill>
+                  <a:latin typeface="Monaco" pitchFamily="2" charset="77"/>
+                </a:rPr>
+                <a:t>X-squared = 18.182, </a:t>
+              </a:r>
+              <a:r>
+                <a:rPr lang="en-US" dirty="0" err="1">
+                  <a:solidFill>
+                    <a:schemeClr val="bg1">
+                      <a:lumMod val="95000"/>
+                    </a:schemeClr>
+                  </a:solidFill>
+                  <a:latin typeface="Monaco" pitchFamily="2" charset="77"/>
+                </a:rPr>
+                <a:t>df</a:t>
+              </a:r>
+              <a:r>
+                <a:rPr lang="en-US" dirty="0">
+                  <a:solidFill>
+                    <a:schemeClr val="bg1">
+                      <a:lumMod val="95000"/>
+                    </a:schemeClr>
+                  </a:solidFill>
+                  <a:latin typeface="Monaco" pitchFamily="2" charset="77"/>
+                </a:rPr>
+                <a:t> = 1, p-value = 2.008e-05</a:t>
+              </a:r>
+            </a:p>
+          </p:txBody>
+        </p:sp>
+        <p:cxnSp>
+          <p:nvCxnSpPr>
+            <p:cNvPr id="11" name="Straight Arrow Connector 10">
+              <a:extLst>
+                <a:ext uri="{FF2B5EF4-FFF2-40B4-BE49-F238E27FC236}">
+                  <a16:creationId xmlns:a16="http://schemas.microsoft.com/office/drawing/2014/main" id="{6B49A8F0-C029-034B-B7D3-8E53C934FBFC}"/>
+                </a:ext>
+              </a:extLst>
+            </p:cNvPr>
+            <p:cNvCxnSpPr>
+              <a:cxnSpLocks/>
+            </p:cNvCxnSpPr>
+            <p:nvPr/>
+          </p:nvCxnSpPr>
+          <p:spPr>
+            <a:xfrm>
+              <a:off x="1613043" y="2703282"/>
+              <a:ext cx="667820" cy="2695752"/>
+            </a:xfrm>
+            <a:prstGeom prst="straightConnector1">
+              <a:avLst/>
+            </a:prstGeom>
+            <a:ln>
+              <a:solidFill>
+                <a:schemeClr val="accent5"/>
+              </a:solidFill>
+              <a:tailEnd type="triangle"/>
+            </a:ln>
+          </p:spPr>
+          <p:style>
+            <a:lnRef idx="1">
+              <a:schemeClr val="accent1"/>
+            </a:lnRef>
+            <a:fillRef idx="0">
+              <a:schemeClr val="accent1"/>
+            </a:fillRef>
+            <a:effectRef idx="0">
+              <a:schemeClr val="accent1"/>
+            </a:effectRef>
+            <a:fontRef idx="minor">
+              <a:schemeClr val="tx1"/>
+            </a:fontRef>
+          </p:style>
+        </p:cxnSp>
+      </p:grpSp>
+      <p:grpSp>
+        <p:nvGrpSpPr>
+          <p:cNvPr id="23" name="Group 22">
+            <a:extLst>
+              <a:ext uri="{FF2B5EF4-FFF2-40B4-BE49-F238E27FC236}">
+                <a16:creationId xmlns:a16="http://schemas.microsoft.com/office/drawing/2014/main" id="{DA2369FC-DDCA-BB49-AAB2-1EE61654C824}"/>
+              </a:ext>
+            </a:extLst>
+          </p:cNvPr>
+          <p:cNvGrpSpPr/>
+          <p:nvPr/>
+        </p:nvGrpSpPr>
+        <p:grpSpPr>
+          <a:xfrm>
+            <a:off x="1808252" y="2320908"/>
+            <a:ext cx="5696250" cy="2908167"/>
+            <a:chOff x="1808252" y="2320908"/>
+            <a:chExt cx="5696250" cy="2908167"/>
+          </a:xfrm>
+        </p:grpSpPr>
+        <p:sp>
+          <p:nvSpPr>
+            <p:cNvPr id="9" name="Rectangle 8">
+              <a:extLst>
+                <a:ext uri="{FF2B5EF4-FFF2-40B4-BE49-F238E27FC236}">
+                  <a16:creationId xmlns:a16="http://schemas.microsoft.com/office/drawing/2014/main" id="{C1FA91CD-8231-C443-B614-E4C34FB23F2E}"/>
+                </a:ext>
+              </a:extLst>
+            </p:cNvPr>
+            <p:cNvSpPr/>
+            <p:nvPr/>
+          </p:nvSpPr>
+          <p:spPr>
+            <a:xfrm>
+              <a:off x="2703046" y="4305745"/>
+              <a:ext cx="4801456" cy="923330"/>
+            </a:xfrm>
+            <a:prstGeom prst="rect">
+              <a:avLst/>
+            </a:prstGeom>
+            <a:solidFill>
+              <a:schemeClr val="tx2"/>
+            </a:solidFill>
+          </p:spPr>
+          <p:txBody>
+            <a:bodyPr wrap="square">
+              <a:spAutoFit/>
+            </a:bodyPr>
+            <a:lstStyle/>
+            <a:p>
+              <a:r>
+                <a:rPr lang="en-US" dirty="0">
+                  <a:solidFill>
+                    <a:schemeClr val="bg1">
+                      <a:lumMod val="95000"/>
+                    </a:schemeClr>
+                  </a:solidFill>
+                  <a:latin typeface="Monaco" pitchFamily="2" charset="77"/>
+                </a:rPr>
+                <a:t>          </a:t>
+              </a:r>
+              <a:r>
+                <a:rPr lang="en-US" dirty="0" err="1">
+                  <a:solidFill>
+                    <a:schemeClr val="bg1">
+                      <a:lumMod val="95000"/>
+                    </a:schemeClr>
+                  </a:solidFill>
+                  <a:latin typeface="Monaco" pitchFamily="2" charset="77"/>
+                </a:rPr>
+                <a:t>violent_yes</a:t>
+              </a:r>
+              <a:r>
+                <a:rPr lang="en-US" dirty="0">
+                  <a:solidFill>
+                    <a:schemeClr val="bg1">
+                      <a:lumMod val="95000"/>
+                    </a:schemeClr>
+                  </a:solidFill>
+                  <a:latin typeface="Monaco" pitchFamily="2" charset="77"/>
+                </a:rPr>
+                <a:t> </a:t>
+              </a:r>
+              <a:r>
+                <a:rPr lang="en-US" dirty="0" err="1">
+                  <a:solidFill>
+                    <a:schemeClr val="bg1">
+                      <a:lumMod val="95000"/>
+                    </a:schemeClr>
+                  </a:solidFill>
+                  <a:latin typeface="Monaco" pitchFamily="2" charset="77"/>
+                </a:rPr>
+                <a:t>violent_no</a:t>
+              </a:r>
+              <a:endParaRPr lang="en-US" dirty="0">
+                <a:solidFill>
+                  <a:schemeClr val="bg1">
+                    <a:lumMod val="95000"/>
+                  </a:schemeClr>
+                </a:solidFill>
+                <a:latin typeface="Monaco" pitchFamily="2" charset="77"/>
+              </a:endParaRPr>
+            </a:p>
+            <a:p>
+              <a:r>
+                <a:rPr lang="en-US" dirty="0" err="1">
+                  <a:solidFill>
+                    <a:schemeClr val="bg1">
+                      <a:lumMod val="95000"/>
+                    </a:schemeClr>
+                  </a:solidFill>
+                  <a:latin typeface="Monaco" pitchFamily="2" charset="77"/>
+                </a:rPr>
+                <a:t>Abuse_Yes</a:t>
+              </a:r>
+              <a:r>
+                <a:rPr lang="en-US" dirty="0">
+                  <a:solidFill>
+                    <a:schemeClr val="bg1">
+                      <a:lumMod val="95000"/>
+                    </a:schemeClr>
+                  </a:solidFill>
+                  <a:latin typeface="Monaco" pitchFamily="2" charset="77"/>
+                </a:rPr>
+                <a:t>          70         30</a:t>
+              </a:r>
+            </a:p>
+            <a:p>
+              <a:r>
+                <a:rPr lang="en-US" dirty="0" err="1">
+                  <a:solidFill>
+                    <a:schemeClr val="bg1">
+                      <a:lumMod val="95000"/>
+                    </a:schemeClr>
+                  </a:solidFill>
+                  <a:latin typeface="Monaco" pitchFamily="2" charset="77"/>
+                </a:rPr>
+                <a:t>Abuse_No</a:t>
+              </a:r>
+              <a:r>
+                <a:rPr lang="en-US" dirty="0">
+                  <a:solidFill>
+                    <a:schemeClr val="bg1">
+                      <a:lumMod val="95000"/>
+                    </a:schemeClr>
+                  </a:solidFill>
+                  <a:latin typeface="Monaco" pitchFamily="2" charset="77"/>
+                </a:rPr>
+                <a:t>           40         60</a:t>
+              </a:r>
+            </a:p>
+          </p:txBody>
+        </p:sp>
+        <p:cxnSp>
+          <p:nvCxnSpPr>
+            <p:cNvPr id="14" name="Straight Arrow Connector 13">
+              <a:extLst>
+                <a:ext uri="{FF2B5EF4-FFF2-40B4-BE49-F238E27FC236}">
+                  <a16:creationId xmlns:a16="http://schemas.microsoft.com/office/drawing/2014/main" id="{BD59E2E9-ACC5-3947-AA18-8A4CFD68C431}"/>
+                </a:ext>
+              </a:extLst>
+            </p:cNvPr>
+            <p:cNvCxnSpPr>
+              <a:cxnSpLocks/>
+            </p:cNvCxnSpPr>
+            <p:nvPr/>
+          </p:nvCxnSpPr>
+          <p:spPr>
+            <a:xfrm>
+              <a:off x="1808252" y="2320908"/>
+              <a:ext cx="853383" cy="2330415"/>
+            </a:xfrm>
+            <a:prstGeom prst="straightConnector1">
+              <a:avLst/>
+            </a:prstGeom>
+            <a:ln>
+              <a:solidFill>
+                <a:schemeClr val="accent5"/>
+              </a:solidFill>
+              <a:tailEnd type="triangle"/>
+            </a:ln>
+          </p:spPr>
+          <p:style>
+            <a:lnRef idx="1">
+              <a:schemeClr val="accent1"/>
+            </a:lnRef>
+            <a:fillRef idx="0">
+              <a:schemeClr val="accent1"/>
+            </a:fillRef>
+            <a:effectRef idx="0">
+              <a:schemeClr val="accent1"/>
+            </a:effectRef>
+            <a:fontRef idx="minor">
+              <a:schemeClr val="tx1"/>
+            </a:fontRef>
+          </p:style>
+        </p:cxnSp>
+      </p:grpSp>
+      <p:grpSp>
+        <p:nvGrpSpPr>
+          <p:cNvPr id="22" name="Group 21">
+            <a:extLst>
+              <a:ext uri="{FF2B5EF4-FFF2-40B4-BE49-F238E27FC236}">
+                <a16:creationId xmlns:a16="http://schemas.microsoft.com/office/drawing/2014/main" id="{DCABEA78-9AEF-664D-9707-D3C36C0198A0}"/>
+              </a:ext>
+            </a:extLst>
+          </p:cNvPr>
+          <p:cNvGrpSpPr/>
+          <p:nvPr/>
+        </p:nvGrpSpPr>
+        <p:grpSpPr>
+          <a:xfrm>
+            <a:off x="1792156" y="2005081"/>
+            <a:ext cx="9549987" cy="3338738"/>
+            <a:chOff x="1792156" y="2005081"/>
+            <a:chExt cx="9549987" cy="3338738"/>
+          </a:xfrm>
+        </p:grpSpPr>
+        <p:sp>
+          <p:nvSpPr>
+            <p:cNvPr id="16" name="Rectangle 15">
+              <a:extLst>
+                <a:ext uri="{FF2B5EF4-FFF2-40B4-BE49-F238E27FC236}">
+                  <a16:creationId xmlns:a16="http://schemas.microsoft.com/office/drawing/2014/main" id="{86DE3197-637B-9342-A2FF-6608FD8CEFE3}"/>
+                </a:ext>
+              </a:extLst>
+            </p:cNvPr>
+            <p:cNvSpPr/>
+            <p:nvPr/>
+          </p:nvSpPr>
+          <p:spPr>
+            <a:xfrm>
+              <a:off x="8323324" y="2758496"/>
+              <a:ext cx="3018819" cy="2585323"/>
+            </a:xfrm>
+            <a:prstGeom prst="rect">
+              <a:avLst/>
+            </a:prstGeom>
+            <a:solidFill>
+              <a:schemeClr val="tx2"/>
+            </a:solidFill>
+          </p:spPr>
+          <p:txBody>
+            <a:bodyPr wrap="square">
+              <a:spAutoFit/>
+            </a:bodyPr>
+            <a:lstStyle/>
+            <a:p>
+              <a:r>
+                <a:rPr lang="en-US" dirty="0">
+                  <a:solidFill>
+                    <a:schemeClr val="bg1">
+                      <a:lumMod val="95000"/>
+                    </a:schemeClr>
+                  </a:solidFill>
+                  <a:latin typeface="Monaco" pitchFamily="2" charset="77"/>
+                </a:rPr>
+                <a:t>  ID violent abuse</a:t>
+              </a:r>
+            </a:p>
+            <a:p>
+              <a:r>
+                <a:rPr lang="en-US" dirty="0">
+                  <a:solidFill>
+                    <a:schemeClr val="bg1">
+                      <a:lumMod val="95000"/>
+                    </a:schemeClr>
+                  </a:solidFill>
+                  <a:latin typeface="Monaco" pitchFamily="2" charset="77"/>
+                </a:rPr>
+                <a:t>  01      1      1</a:t>
+              </a:r>
+            </a:p>
+            <a:p>
+              <a:r>
+                <a:rPr lang="en-US" dirty="0">
+                  <a:solidFill>
+                    <a:schemeClr val="bg1">
+                      <a:lumMod val="95000"/>
+                    </a:schemeClr>
+                  </a:solidFill>
+                  <a:latin typeface="Monaco" pitchFamily="2" charset="77"/>
+                </a:rPr>
+                <a:t>  02      1      0</a:t>
+              </a:r>
+            </a:p>
+            <a:p>
+              <a:r>
+                <a:rPr lang="en-US" dirty="0">
+                  <a:solidFill>
+                    <a:schemeClr val="bg1">
+                      <a:lumMod val="95000"/>
+                    </a:schemeClr>
+                  </a:solidFill>
+                  <a:latin typeface="Monaco" pitchFamily="2" charset="77"/>
+                </a:rPr>
+                <a:t>  03      0      1</a:t>
+              </a:r>
+            </a:p>
+            <a:p>
+              <a:r>
+                <a:rPr lang="en-US" dirty="0">
+                  <a:solidFill>
+                    <a:schemeClr val="bg1">
+                      <a:lumMod val="95000"/>
+                    </a:schemeClr>
+                  </a:solidFill>
+                  <a:latin typeface="Monaco" pitchFamily="2" charset="77"/>
+                </a:rPr>
+                <a:t>  04      1      1</a:t>
+              </a:r>
+            </a:p>
+            <a:p>
+              <a:r>
+                <a:rPr lang="en-US" dirty="0">
+                  <a:solidFill>
+                    <a:schemeClr val="bg1">
+                      <a:lumMod val="95000"/>
+                    </a:schemeClr>
+                  </a:solidFill>
+                  <a:latin typeface="Monaco" pitchFamily="2" charset="77"/>
+                </a:rPr>
+                <a:t>  05      0      0</a:t>
+              </a:r>
+            </a:p>
+            <a:p>
+              <a:r>
+                <a:rPr lang="en-US" dirty="0">
+                  <a:solidFill>
+                    <a:schemeClr val="bg1">
+                      <a:lumMod val="95000"/>
+                    </a:schemeClr>
+                  </a:solidFill>
+                  <a:latin typeface="Monaco" pitchFamily="2" charset="77"/>
+                </a:rPr>
+                <a:t> ...    ...    ...</a:t>
+              </a:r>
+            </a:p>
+            <a:p>
+              <a:r>
+                <a:rPr lang="en-US" dirty="0">
+                  <a:solidFill>
+                    <a:schemeClr val="bg1">
+                      <a:lumMod val="95000"/>
+                    </a:schemeClr>
+                  </a:solidFill>
+                  <a:latin typeface="Monaco" pitchFamily="2" charset="77"/>
+                </a:rPr>
+                <a:t> 199      0      1</a:t>
+              </a:r>
+            </a:p>
+            <a:p>
+              <a:r>
+                <a:rPr lang="en-US" dirty="0">
+                  <a:solidFill>
+                    <a:schemeClr val="bg1">
+                      <a:lumMod val="95000"/>
+                    </a:schemeClr>
+                  </a:solidFill>
+                  <a:latin typeface="Monaco" pitchFamily="2" charset="77"/>
+                </a:rPr>
+                <a:t> 200      1      1 </a:t>
+              </a:r>
+            </a:p>
+          </p:txBody>
+        </p:sp>
+        <p:cxnSp>
+          <p:nvCxnSpPr>
+            <p:cNvPr id="17" name="Straight Arrow Connector 16">
+              <a:extLst>
+                <a:ext uri="{FF2B5EF4-FFF2-40B4-BE49-F238E27FC236}">
+                  <a16:creationId xmlns:a16="http://schemas.microsoft.com/office/drawing/2014/main" id="{01F91DBA-168B-624F-854B-3F013496222B}"/>
+                </a:ext>
+              </a:extLst>
+            </p:cNvPr>
+            <p:cNvCxnSpPr>
+              <a:cxnSpLocks/>
+            </p:cNvCxnSpPr>
+            <p:nvPr/>
+          </p:nvCxnSpPr>
+          <p:spPr>
+            <a:xfrm>
+              <a:off x="1792156" y="2005081"/>
+              <a:ext cx="6344977" cy="1352902"/>
+            </a:xfrm>
+            <a:prstGeom prst="straightConnector1">
+              <a:avLst/>
+            </a:prstGeom>
+            <a:ln>
+              <a:solidFill>
+                <a:schemeClr val="accent5"/>
+              </a:solidFill>
+              <a:tailEnd type="triangle"/>
+            </a:ln>
+          </p:spPr>
+          <p:style>
+            <a:lnRef idx="1">
+              <a:schemeClr val="accent1"/>
+            </a:lnRef>
+            <a:fillRef idx="0">
+              <a:schemeClr val="accent1"/>
+            </a:fillRef>
+            <a:effectRef idx="0">
+              <a:schemeClr val="accent1"/>
+            </a:effectRef>
+            <a:fontRef idx="minor">
+              <a:schemeClr val="tx1"/>
+            </a:fontRef>
+          </p:style>
+        </p:cxnSp>
+      </p:grpSp>
+    </p:spTree>
+    <p:extLst>
+      <p:ext uri="{BB962C8B-B14F-4D97-AF65-F5344CB8AC3E}">
+        <p14:creationId xmlns:p14="http://schemas.microsoft.com/office/powerpoint/2010/main" val="2757361694"/>
+      </p:ext>
+    </p:extLst>
+  </p:cSld>
+  <p:clrMapOvr>
+    <a:masterClrMapping/>
+  </p:clrMapOvr>
+  <p:timing>
+    <p:tnLst>
+      <p:par>
+        <p:cTn id="1" dur="indefinite" restart="never" nodeType="tmRoot">
+          <p:childTnLst>
+            <p:seq concurrent="1" nextAc="seek">
+              <p:cTn id="2" dur="indefinite" nodeType="mainSeq">
+                <p:childTnLst>
+                  <p:par>
+                    <p:cTn id="3" fill="hold">
+                      <p:stCondLst>
+                        <p:cond delay="indefinite"/>
+                      </p:stCondLst>
+                      <p:childTnLst>
+                        <p:par>
+                          <p:cTn id="4" fill="hold">
+                            <p:stCondLst>
+                              <p:cond delay="0"/>
+                            </p:stCondLst>
+                            <p:childTnLst>
+                              <p:par>
+                                <p:cTn id="5" presetID="10" presetClass="entr" presetSubtype="0" fill="hold" nodeType="clickEffect">
+                                  <p:stCondLst>
+                                    <p:cond delay="0"/>
+                                  </p:stCondLst>
+                                  <p:childTnLst>
+                                    <p:set>
+                                      <p:cBhvr>
+                                        <p:cTn id="6" dur="1" fill="hold">
+                                          <p:stCondLst>
+                                            <p:cond delay="0"/>
+                                          </p:stCondLst>
+                                        </p:cTn>
+                                        <p:tgtEl>
+                                          <p:spTgt spid="22"/>
+                                        </p:tgtEl>
+                                        <p:attrNameLst>
+                                          <p:attrName>style.visibility</p:attrName>
+                                        </p:attrNameLst>
+                                      </p:cBhvr>
+                                      <p:to>
+                                        <p:strVal val="visible"/>
+                                      </p:to>
+                                    </p:set>
+                                    <p:animEffect transition="in" filter="fade">
+                                      <p:cBhvr>
+                                        <p:cTn id="7" dur="500"/>
+                                        <p:tgtEl>
+                                          <p:spTgt spid="22"/>
+                                        </p:tgtEl>
+                                      </p:cBhvr>
+                                    </p:animEffect>
+                                  </p:childTnLst>
+                                </p:cTn>
+                              </p:par>
+                            </p:childTnLst>
+                          </p:cTn>
+                        </p:par>
+                      </p:childTnLst>
+                    </p:cTn>
+                  </p:par>
+                  <p:par>
+                    <p:cTn id="8" fill="hold">
+                      <p:stCondLst>
+                        <p:cond delay="indefinite"/>
+                      </p:stCondLst>
+                      <p:childTnLst>
+                        <p:par>
+                          <p:cTn id="9" fill="hold">
+                            <p:stCondLst>
+                              <p:cond delay="0"/>
+                            </p:stCondLst>
+                            <p:childTnLst>
+                              <p:par>
+                                <p:cTn id="10" presetID="10" presetClass="entr" presetSubtype="0" fill="hold" nodeType="clickEffect">
+                                  <p:stCondLst>
+                                    <p:cond delay="0"/>
+                                  </p:stCondLst>
+                                  <p:childTnLst>
+                                    <p:set>
+                                      <p:cBhvr>
+                                        <p:cTn id="11" dur="1" fill="hold">
+                                          <p:stCondLst>
+                                            <p:cond delay="0"/>
+                                          </p:stCondLst>
+                                        </p:cTn>
+                                        <p:tgtEl>
+                                          <p:spTgt spid="23"/>
+                                        </p:tgtEl>
+                                        <p:attrNameLst>
+                                          <p:attrName>style.visibility</p:attrName>
+                                        </p:attrNameLst>
+                                      </p:cBhvr>
+                                      <p:to>
+                                        <p:strVal val="visible"/>
+                                      </p:to>
+                                    </p:set>
+                                    <p:animEffect transition="in" filter="fade">
+                                      <p:cBhvr>
+                                        <p:cTn id="12" dur="500"/>
+                                        <p:tgtEl>
+                                          <p:spTgt spid="23"/>
+                                        </p:tgtEl>
+                                      </p:cBhvr>
+                                    </p:animEffect>
+                                  </p:childTnLst>
+                                </p:cTn>
+                              </p:par>
+                            </p:childTnLst>
+                          </p:cTn>
+                        </p:par>
+                      </p:childTnLst>
+                    </p:cTn>
+                  </p:par>
+                  <p:par>
+                    <p:cTn id="13" fill="hold">
+                      <p:stCondLst>
+                        <p:cond delay="indefinite"/>
+                      </p:stCondLst>
+                      <p:childTnLst>
+                        <p:par>
+                          <p:cTn id="14" fill="hold">
+                            <p:stCondLst>
+                              <p:cond delay="0"/>
+                            </p:stCondLst>
+                            <p:childTnLst>
+                              <p:par>
+                                <p:cTn id="15" presetID="10" presetClass="entr" presetSubtype="0" fill="hold" nodeType="clickEffect">
+                                  <p:stCondLst>
+                                    <p:cond delay="0"/>
+                                  </p:stCondLst>
+                                  <p:childTnLst>
+                                    <p:set>
+                                      <p:cBhvr>
+                                        <p:cTn id="16" dur="1" fill="hold">
+                                          <p:stCondLst>
+                                            <p:cond delay="0"/>
+                                          </p:stCondLst>
+                                        </p:cTn>
+                                        <p:tgtEl>
+                                          <p:spTgt spid="24"/>
+                                        </p:tgtEl>
+                                        <p:attrNameLst>
+                                          <p:attrName>style.visibility</p:attrName>
+                                        </p:attrNameLst>
+                                      </p:cBhvr>
+                                      <p:to>
+                                        <p:strVal val="visible"/>
+                                      </p:to>
+                                    </p:set>
+                                    <p:animEffect transition="in" filter="fade">
+                                      <p:cBhvr>
+                                        <p:cTn id="17" dur="500"/>
+                                        <p:tgtEl>
+                                          <p:spTgt spid="24"/>
+                                        </p:tgtEl>
+                                      </p:cBhvr>
+                                    </p:animEffect>
+                                  </p:childTnLst>
+                                </p:cTn>
+                              </p:par>
+                            </p:childTnLst>
+                          </p:cTn>
+                        </p:par>
+                      </p:childTnLst>
+                    </p:cTn>
+                  </p:par>
+                </p:childTnLst>
+              </p:cTn>
+              <p:prevCondLst>
+                <p:cond evt="onPrev" delay="0">
+                  <p:tgtEl>
+                    <p:sldTgt/>
+                  </p:tgtEl>
+                </p:cond>
+              </p:prevCondLst>
+              <p:nextCondLst>
+                <p:cond evt="onNext" delay="0">
+                  <p:tgtEl>
+                    <p:sldTgt/>
+                  </p:tgtEl>
+                </p:cond>
+              </p:nextCondLst>
+            </p:seq>
+          </p:childTnLst>
+        </p:cTn>
+      </p:par>
+    </p:tnLst>
+  </p:timing>
+</p:sld>
+</file>
+
 <file path=ppt/slides/slide3.xml><?xml version="1.0" encoding="utf-8"?>
 <p:sld xmlns:a="http://schemas.openxmlformats.org/drawingml/2006/main" xmlns:r="http://schemas.openxmlformats.org/officeDocument/2006/relationships" xmlns:p="http://schemas.openxmlformats.org/presentationml/2006/main">
   <p:cSld>
@@ -18763,13 +22558,6 @@
               <a:noFill/>
             </a:ln>
             <a:extLst>
-              <a:ext uri="{909E8E84-426E-40DD-AFC4-6F175D3DCCD1}">
-                <a14:hiddenFill xmlns:a14="http://schemas.microsoft.com/office/drawing/2010/main">
-                  <a:solidFill>
-                    <a:srgbClr val="FFFFFF"/>
-                  </a:solidFill>
-                </a14:hiddenFill>
-              </a:ext>
               <a:ext uri="{91240B29-F687-4F45-9708-019B960494DF}">
                 <a14:hiddenLine xmlns:a14="http://schemas.microsoft.com/office/drawing/2010/main" w="9525">
                   <a:solidFill>
@@ -18817,13 +22605,6 @@
               <a:noFill/>
             </a:ln>
             <a:extLst>
-              <a:ext uri="{909E8E84-426E-40DD-AFC4-6F175D3DCCD1}">
-                <a14:hiddenFill xmlns:a14="http://schemas.microsoft.com/office/drawing/2010/main">
-                  <a:solidFill>
-                    <a:srgbClr val="FFFFFF"/>
-                  </a:solidFill>
-                </a14:hiddenFill>
-              </a:ext>
               <a:ext uri="{91240B29-F687-4F45-9708-019B960494DF}">
                 <a14:hiddenLine xmlns:a14="http://schemas.microsoft.com/office/drawing/2010/main" w="9525">
                   <a:solidFill>
@@ -18871,13 +22652,6 @@
               <a:noFill/>
             </a:ln>
             <a:extLst>
-              <a:ext uri="{909E8E84-426E-40DD-AFC4-6F175D3DCCD1}">
-                <a14:hiddenFill xmlns:a14="http://schemas.microsoft.com/office/drawing/2010/main">
-                  <a:solidFill>
-                    <a:srgbClr val="FFFFFF"/>
-                  </a:solidFill>
-                </a14:hiddenFill>
-              </a:ext>
               <a:ext uri="{91240B29-F687-4F45-9708-019B960494DF}">
                 <a14:hiddenLine xmlns:a14="http://schemas.microsoft.com/office/drawing/2010/main" w="9525">
                   <a:solidFill>
@@ -18925,13 +22699,6 @@
               <a:noFill/>
             </a:ln>
             <a:extLst>
-              <a:ext uri="{909E8E84-426E-40DD-AFC4-6F175D3DCCD1}">
-                <a14:hiddenFill xmlns:a14="http://schemas.microsoft.com/office/drawing/2010/main">
-                  <a:solidFill>
-                    <a:srgbClr val="FFFFFF"/>
-                  </a:solidFill>
-                </a14:hiddenFill>
-              </a:ext>
               <a:ext uri="{91240B29-F687-4F45-9708-019B960494DF}">
                 <a14:hiddenLine xmlns:a14="http://schemas.microsoft.com/office/drawing/2010/main" w="9525">
                   <a:solidFill>
@@ -20628,8 +24395,8 @@
           </a:p>
         </p:txBody>
       </p:sp>
-      <mc:AlternateContent xmlns:mc="http://schemas.openxmlformats.org/markup-compatibility/2006">
-        <mc:Choice xmlns:a14="http://schemas.microsoft.com/office/drawing/2010/main" Requires="a14">
+      <mc:AlternateContent xmlns:mc="http://schemas.openxmlformats.org/markup-compatibility/2006" xmlns:a14="http://schemas.microsoft.com/office/drawing/2010/main">
+        <mc:Choice Requires="a14">
           <p:sp>
             <p:nvSpPr>
               <p:cNvPr id="8" name="Rectangle 7"/>
@@ -20978,7 +24745,7 @@
             </p:txBody>
           </p:sp>
         </mc:Choice>
-        <mc:Fallback>
+        <mc:Fallback xmlns="">
           <p:sp>
             <p:nvSpPr>
               <p:cNvPr id="8" name="Rectangle 7"/>
